--- a/slide.pptx
+++ b/slide.pptx
@@ -5,12 +5,21 @@
     <p:sldMasterId id="2147483660" r:id="rId1"/>
   </p:sldMasterIdLst>
   <p:notesMasterIdLst>
-    <p:notesMasterId r:id="rId5"/>
+    <p:notesMasterId r:id="rId14"/>
   </p:notesMasterIdLst>
   <p:sldIdLst>
     <p:sldId id="256" r:id="rId2"/>
     <p:sldId id="257" r:id="rId3"/>
     <p:sldId id="258" r:id="rId4"/>
+    <p:sldId id="261" r:id="rId5"/>
+    <p:sldId id="262" r:id="rId6"/>
+    <p:sldId id="259" r:id="rId7"/>
+    <p:sldId id="263" r:id="rId8"/>
+    <p:sldId id="264" r:id="rId9"/>
+    <p:sldId id="265" r:id="rId10"/>
+    <p:sldId id="260" r:id="rId11"/>
+    <p:sldId id="266" r:id="rId12"/>
+    <p:sldId id="267" r:id="rId13"/>
   </p:sldIdLst>
   <p:sldSz cx="9144000" cy="6858000" type="screen4x3"/>
   <p:notesSz cx="6858000" cy="9144000"/>
@@ -3973,8 +3982,8 @@
           <a:lstStyle/>
           <a:p>
             <a:r>
-              <a:rPr lang="en-US" altLang="ja-JP" smtClean="0"/>
-              <a:t>Title</a:t>
+              <a:rPr lang="en-US" altLang="ja-JP" dirty="0" smtClean="0"/>
+              <a:t>Smart Teach</a:t>
             </a:r>
             <a:endParaRPr kumimoji="1" lang="ja-JP" altLang="en-US" dirty="0"/>
           </a:p>
@@ -3997,7 +4006,18 @@
           <a:p>
             <a:r>
               <a:rPr kumimoji="1" lang="en-US" altLang="ja-JP" dirty="0" smtClean="0"/>
-              <a:t>Your Name</a:t>
+              <a:t>KINC </a:t>
+            </a:r>
+            <a:r>
+              <a:rPr kumimoji="1" lang="ja-JP" altLang="en-US" dirty="0" smtClean="0"/>
+              <a:t>信州大学</a:t>
+            </a:r>
+            <a:endParaRPr kumimoji="1" lang="en-US" altLang="ja-JP" dirty="0" smtClean="0"/>
+          </a:p>
+          <a:p>
+            <a:r>
+              <a:rPr lang="ja-JP" altLang="en-US" dirty="0" smtClean="0"/>
+              <a:t>田村弘　入江一帆　藤岡碧志</a:t>
             </a:r>
             <a:endParaRPr kumimoji="1" lang="ja-JP" altLang="en-US" dirty="0"/>
           </a:p>
@@ -4020,6 +4040,521 @@
       </p:par>
     </p:tnLst>
   </p:timing>
+</p:sld>
+</file>
+
+<file path=ppt/slides/slide10.xml><?xml version="1.0" encoding="utf-8"?>
+<p:sld xmlns:a="http://schemas.openxmlformats.org/drawingml/2006/main" xmlns:r="http://schemas.openxmlformats.org/officeDocument/2006/relationships" xmlns:p="http://schemas.openxmlformats.org/presentationml/2006/main">
+  <p:cSld>
+    <p:spTree>
+      <p:nvGrpSpPr>
+        <p:cNvPr id="1" name=""/>
+        <p:cNvGrpSpPr/>
+        <p:nvPr/>
+      </p:nvGrpSpPr>
+      <p:grpSpPr>
+        <a:xfrm>
+          <a:off x="0" y="0"/>
+          <a:ext cx="0" cy="0"/>
+          <a:chOff x="0" y="0"/>
+          <a:chExt cx="0" cy="0"/>
+        </a:xfrm>
+      </p:grpSpPr>
+      <p:sp>
+        <p:nvSpPr>
+          <p:cNvPr id="2" name="タイトル 1"/>
+          <p:cNvSpPr>
+            <a:spLocks noGrp="1"/>
+          </p:cNvSpPr>
+          <p:nvPr>
+            <p:ph type="title"/>
+          </p:nvPr>
+        </p:nvSpPr>
+        <p:spPr/>
+        <p:txBody>
+          <a:bodyPr>
+            <a:normAutofit fontScale="90000"/>
+          </a:bodyPr>
+          <a:lstStyle/>
+          <a:p>
+            <a:r>
+              <a:rPr kumimoji="1" lang="ja-JP" altLang="en-US" dirty="0" smtClean="0"/>
+              <a:t>背景</a:t>
+            </a:r>
+            <a:endParaRPr kumimoji="1" lang="ja-JP" altLang="en-US" dirty="0"/>
+          </a:p>
+        </p:txBody>
+      </p:sp>
+      <p:sp>
+        <p:nvSpPr>
+          <p:cNvPr id="4" name="スライド番号プレースホルダー 3"/>
+          <p:cNvSpPr>
+            <a:spLocks noGrp="1"/>
+          </p:cNvSpPr>
+          <p:nvPr>
+            <p:ph type="sldNum" sz="quarter" idx="12"/>
+          </p:nvPr>
+        </p:nvSpPr>
+        <p:spPr/>
+        <p:txBody>
+          <a:bodyPr/>
+          <a:lstStyle/>
+          <a:p>
+            <a:r>
+              <a:rPr lang="en-US" altLang="ja-JP" smtClean="0"/>
+              <a:t>#</a:t>
+            </a:r>
+            <a:fld id="{F281072A-F9EF-F645-A589-9593A608EAA6}" type="slidenum">
+              <a:rPr lang="en-US" altLang="ja-JP" smtClean="0"/>
+              <a:pPr/>
+              <a:t>10</a:t>
+            </a:fld>
+            <a:endParaRPr lang="ja-JP" altLang="en-US" dirty="0"/>
+          </a:p>
+        </p:txBody>
+      </p:sp>
+      <p:sp>
+        <p:nvSpPr>
+          <p:cNvPr id="5" name="テキスト ボックス 4"/>
+          <p:cNvSpPr txBox="1"/>
+          <p:nvPr/>
+        </p:nvSpPr>
+        <p:spPr>
+          <a:xfrm>
+            <a:off x="661151" y="3098446"/>
+            <a:ext cx="7541048" cy="584775"/>
+          </a:xfrm>
+          <a:prstGeom prst="rect">
+            <a:avLst/>
+          </a:prstGeom>
+          <a:noFill/>
+        </p:spPr>
+        <p:txBody>
+          <a:bodyPr wrap="square" rtlCol="0">
+            <a:spAutoFit/>
+          </a:bodyPr>
+          <a:lstStyle/>
+          <a:p>
+            <a:pPr algn="ctr"/>
+            <a:r>
+              <a:rPr lang="ja-JP" altLang="en-US" sz="3200" dirty="0" smtClean="0">
+                <a:solidFill>
+                  <a:srgbClr val="26A69A"/>
+                </a:solidFill>
+                <a:latin typeface="Hiragino Sans W3" charset="-128"/>
+                <a:ea typeface="Hiragino Sans W3" charset="-128"/>
+                <a:cs typeface="Hiragino Sans W3" charset="-128"/>
+              </a:rPr>
+              <a:t>じゃあ作るか</a:t>
+            </a:r>
+            <a:endParaRPr kumimoji="1" lang="ja-JP" altLang="en-US" sz="3200" dirty="0">
+              <a:solidFill>
+                <a:srgbClr val="26A69A"/>
+              </a:solidFill>
+              <a:latin typeface="Hiragino Sans W3" charset="-128"/>
+              <a:ea typeface="Hiragino Sans W3" charset="-128"/>
+              <a:cs typeface="Hiragino Sans W3" charset="-128"/>
+            </a:endParaRPr>
+          </a:p>
+        </p:txBody>
+      </p:sp>
+    </p:spTree>
+    <p:extLst>
+      <p:ext uri="{BB962C8B-B14F-4D97-AF65-F5344CB8AC3E}">
+        <p14:creationId xmlns:p14="http://schemas.microsoft.com/office/powerpoint/2010/main" val="445799438"/>
+      </p:ext>
+    </p:extLst>
+  </p:cSld>
+  <p:clrMapOvr>
+    <a:masterClrMapping/>
+  </p:clrMapOvr>
+</p:sld>
+</file>
+
+<file path=ppt/slides/slide11.xml><?xml version="1.0" encoding="utf-8"?>
+<p:sld xmlns:a="http://schemas.openxmlformats.org/drawingml/2006/main" xmlns:r="http://schemas.openxmlformats.org/officeDocument/2006/relationships" xmlns:p="http://schemas.openxmlformats.org/presentationml/2006/main">
+  <p:cSld>
+    <p:spTree>
+      <p:nvGrpSpPr>
+        <p:cNvPr id="1" name=""/>
+        <p:cNvGrpSpPr/>
+        <p:nvPr/>
+      </p:nvGrpSpPr>
+      <p:grpSpPr>
+        <a:xfrm>
+          <a:off x="0" y="0"/>
+          <a:ext cx="0" cy="0"/>
+          <a:chOff x="0" y="0"/>
+          <a:chExt cx="0" cy="0"/>
+        </a:xfrm>
+      </p:grpSpPr>
+      <p:sp>
+        <p:nvSpPr>
+          <p:cNvPr id="2" name="タイトル 1"/>
+          <p:cNvSpPr>
+            <a:spLocks noGrp="1"/>
+          </p:cNvSpPr>
+          <p:nvPr>
+            <p:ph type="title"/>
+          </p:nvPr>
+        </p:nvSpPr>
+        <p:spPr/>
+        <p:txBody>
+          <a:bodyPr>
+            <a:normAutofit fontScale="90000"/>
+          </a:bodyPr>
+          <a:lstStyle/>
+          <a:p>
+            <a:r>
+              <a:rPr lang="ja-JP" altLang="en-US" dirty="0" smtClean="0"/>
+              <a:t>ターゲット</a:t>
+            </a:r>
+            <a:endParaRPr kumimoji="1" lang="ja-JP" altLang="en-US" dirty="0"/>
+          </a:p>
+        </p:txBody>
+      </p:sp>
+      <p:sp>
+        <p:nvSpPr>
+          <p:cNvPr id="4" name="スライド番号プレースホルダー 3"/>
+          <p:cNvSpPr>
+            <a:spLocks noGrp="1"/>
+          </p:cNvSpPr>
+          <p:nvPr>
+            <p:ph type="sldNum" sz="quarter" idx="12"/>
+          </p:nvPr>
+        </p:nvSpPr>
+        <p:spPr/>
+        <p:txBody>
+          <a:bodyPr/>
+          <a:lstStyle/>
+          <a:p>
+            <a:r>
+              <a:rPr lang="en-US" altLang="ja-JP" smtClean="0"/>
+              <a:t>#</a:t>
+            </a:r>
+            <a:fld id="{F281072A-F9EF-F645-A589-9593A608EAA6}" type="slidenum">
+              <a:rPr lang="en-US" altLang="ja-JP" smtClean="0"/>
+              <a:pPr/>
+              <a:t>11</a:t>
+            </a:fld>
+            <a:endParaRPr lang="ja-JP" altLang="en-US" dirty="0"/>
+          </a:p>
+        </p:txBody>
+      </p:sp>
+      <p:sp>
+        <p:nvSpPr>
+          <p:cNvPr id="10" name="角丸四角形 9"/>
+          <p:cNvSpPr/>
+          <p:nvPr/>
+        </p:nvSpPr>
+        <p:spPr>
+          <a:xfrm>
+            <a:off x="1780049" y="2262911"/>
+            <a:ext cx="2508550" cy="619689"/>
+          </a:xfrm>
+          <a:prstGeom prst="roundRect">
+            <a:avLst>
+              <a:gd name="adj" fmla="val 9804"/>
+            </a:avLst>
+          </a:prstGeom>
+          <a:solidFill>
+            <a:srgbClr val="26A69B"/>
+          </a:solidFill>
+          <a:ln>
+            <a:noFill/>
+          </a:ln>
+        </p:spPr>
+        <p:style>
+          <a:lnRef idx="2">
+            <a:schemeClr val="accent1">
+              <a:shade val="50000"/>
+            </a:schemeClr>
+          </a:lnRef>
+          <a:fillRef idx="1">
+            <a:schemeClr val="accent1"/>
+          </a:fillRef>
+          <a:effectRef idx="0">
+            <a:schemeClr val="accent1"/>
+          </a:effectRef>
+          <a:fontRef idx="minor">
+            <a:schemeClr val="lt1"/>
+          </a:fontRef>
+        </p:style>
+        <p:txBody>
+          <a:bodyPr rtlCol="0" anchor="ctr"/>
+          <a:lstStyle/>
+          <a:p>
+            <a:pPr algn="ctr"/>
+            <a:r>
+              <a:rPr lang="ja-JP" altLang="en-US" sz="2400" dirty="0" smtClean="0">
+                <a:solidFill>
+                  <a:srgbClr val="ECEFF1"/>
+                </a:solidFill>
+                <a:latin typeface="Hiragino Sans W3" charset="-128"/>
+                <a:ea typeface="Hiragino Sans W3" charset="-128"/>
+                <a:cs typeface="Hiragino Sans W3" charset="-128"/>
+              </a:rPr>
+              <a:t>算数</a:t>
+            </a:r>
+            <a:endParaRPr kumimoji="1" lang="ja-JP" altLang="en-US" sz="2400" dirty="0">
+              <a:solidFill>
+                <a:srgbClr val="ECEFF1"/>
+              </a:solidFill>
+              <a:latin typeface="Hiragino Sans W3" charset="-128"/>
+              <a:ea typeface="Hiragino Sans W3" charset="-128"/>
+              <a:cs typeface="Hiragino Sans W3" charset="-128"/>
+            </a:endParaRPr>
+          </a:p>
+        </p:txBody>
+      </p:sp>
+      <p:sp>
+        <p:nvSpPr>
+          <p:cNvPr id="11" name="角丸四角形 10"/>
+          <p:cNvSpPr/>
+          <p:nvPr/>
+        </p:nvSpPr>
+        <p:spPr>
+          <a:xfrm>
+            <a:off x="4672345" y="2262911"/>
+            <a:ext cx="2508550" cy="619689"/>
+          </a:xfrm>
+          <a:prstGeom prst="roundRect">
+            <a:avLst>
+              <a:gd name="adj" fmla="val 9804"/>
+            </a:avLst>
+          </a:prstGeom>
+          <a:solidFill>
+            <a:srgbClr val="26A69B"/>
+          </a:solidFill>
+          <a:ln>
+            <a:noFill/>
+          </a:ln>
+        </p:spPr>
+        <p:style>
+          <a:lnRef idx="2">
+            <a:schemeClr val="accent1">
+              <a:shade val="50000"/>
+            </a:schemeClr>
+          </a:lnRef>
+          <a:fillRef idx="1">
+            <a:schemeClr val="accent1"/>
+          </a:fillRef>
+          <a:effectRef idx="0">
+            <a:schemeClr val="accent1"/>
+          </a:effectRef>
+          <a:fontRef idx="minor">
+            <a:schemeClr val="lt1"/>
+          </a:fontRef>
+        </p:style>
+        <p:txBody>
+          <a:bodyPr rtlCol="0" anchor="ctr"/>
+          <a:lstStyle/>
+          <a:p>
+            <a:pPr algn="ctr"/>
+            <a:r>
+              <a:rPr lang="ja-JP" altLang="en-US" sz="2400" dirty="0" smtClean="0">
+                <a:solidFill>
+                  <a:srgbClr val="ECEFF1"/>
+                </a:solidFill>
+                <a:latin typeface="Hiragino Sans W3" charset="-128"/>
+                <a:ea typeface="Hiragino Sans W3" charset="-128"/>
+                <a:cs typeface="Hiragino Sans W3" charset="-128"/>
+              </a:rPr>
+              <a:t>数学</a:t>
+            </a:r>
+            <a:endParaRPr kumimoji="1" lang="ja-JP" altLang="en-US" sz="2400" dirty="0">
+              <a:solidFill>
+                <a:srgbClr val="ECEFF1"/>
+              </a:solidFill>
+              <a:latin typeface="Hiragino Sans W3" charset="-128"/>
+              <a:ea typeface="Hiragino Sans W3" charset="-128"/>
+              <a:cs typeface="Hiragino Sans W3" charset="-128"/>
+            </a:endParaRPr>
+          </a:p>
+        </p:txBody>
+      </p:sp>
+      <p:sp>
+        <p:nvSpPr>
+          <p:cNvPr id="12" name="テキスト ボックス 11"/>
+          <p:cNvSpPr txBox="1"/>
+          <p:nvPr/>
+        </p:nvSpPr>
+        <p:spPr>
+          <a:xfrm>
+            <a:off x="661151" y="3098446"/>
+            <a:ext cx="7541048" cy="584775"/>
+          </a:xfrm>
+          <a:prstGeom prst="rect">
+            <a:avLst/>
+          </a:prstGeom>
+          <a:noFill/>
+        </p:spPr>
+        <p:txBody>
+          <a:bodyPr wrap="square" rtlCol="0">
+            <a:spAutoFit/>
+          </a:bodyPr>
+          <a:lstStyle/>
+          <a:p>
+            <a:pPr algn="ctr"/>
+            <a:r>
+              <a:rPr lang="ja-JP" altLang="en-US" sz="3200" dirty="0" smtClean="0">
+                <a:solidFill>
+                  <a:srgbClr val="26A69A"/>
+                </a:solidFill>
+                <a:latin typeface="Hiragino Sans W3" charset="-128"/>
+                <a:ea typeface="Hiragino Sans W3" charset="-128"/>
+                <a:cs typeface="Hiragino Sans W3" charset="-128"/>
+              </a:rPr>
+              <a:t>を担当している先生</a:t>
+            </a:r>
+            <a:endParaRPr kumimoji="1" lang="ja-JP" altLang="en-US" sz="3200" dirty="0">
+              <a:solidFill>
+                <a:srgbClr val="26A69A"/>
+              </a:solidFill>
+              <a:latin typeface="Hiragino Sans W3" charset="-128"/>
+              <a:ea typeface="Hiragino Sans W3" charset="-128"/>
+              <a:cs typeface="Hiragino Sans W3" charset="-128"/>
+            </a:endParaRPr>
+          </a:p>
+        </p:txBody>
+      </p:sp>
+    </p:spTree>
+    <p:extLst>
+      <p:ext uri="{BB962C8B-B14F-4D97-AF65-F5344CB8AC3E}">
+        <p14:creationId xmlns:p14="http://schemas.microsoft.com/office/powerpoint/2010/main" val="1044788124"/>
+      </p:ext>
+    </p:extLst>
+  </p:cSld>
+  <p:clrMapOvr>
+    <a:masterClrMapping/>
+  </p:clrMapOvr>
+</p:sld>
+</file>
+
+<file path=ppt/slides/slide12.xml><?xml version="1.0" encoding="utf-8"?>
+<p:sld xmlns:a="http://schemas.openxmlformats.org/drawingml/2006/main" xmlns:r="http://schemas.openxmlformats.org/officeDocument/2006/relationships" xmlns:p="http://schemas.openxmlformats.org/presentationml/2006/main">
+  <p:cSld>
+    <p:spTree>
+      <p:nvGrpSpPr>
+        <p:cNvPr id="1" name=""/>
+        <p:cNvGrpSpPr/>
+        <p:nvPr/>
+      </p:nvGrpSpPr>
+      <p:grpSpPr>
+        <a:xfrm>
+          <a:off x="0" y="0"/>
+          <a:ext cx="0" cy="0"/>
+          <a:chOff x="0" y="0"/>
+          <a:chExt cx="0" cy="0"/>
+        </a:xfrm>
+      </p:grpSpPr>
+      <p:sp>
+        <p:nvSpPr>
+          <p:cNvPr id="2" name="タイトル 1"/>
+          <p:cNvSpPr>
+            <a:spLocks noGrp="1"/>
+          </p:cNvSpPr>
+          <p:nvPr>
+            <p:ph type="title"/>
+          </p:nvPr>
+        </p:nvSpPr>
+        <p:spPr/>
+        <p:txBody>
+          <a:bodyPr>
+            <a:normAutofit fontScale="90000"/>
+          </a:bodyPr>
+          <a:lstStyle/>
+          <a:p>
+            <a:r>
+              <a:rPr lang="ja-JP" altLang="en-US" dirty="0" smtClean="0"/>
+              <a:t>課題</a:t>
+            </a:r>
+            <a:endParaRPr kumimoji="1" lang="ja-JP" altLang="en-US" dirty="0"/>
+          </a:p>
+        </p:txBody>
+      </p:sp>
+      <p:sp>
+        <p:nvSpPr>
+          <p:cNvPr id="4" name="スライド番号プレースホルダー 3"/>
+          <p:cNvSpPr>
+            <a:spLocks noGrp="1"/>
+          </p:cNvSpPr>
+          <p:nvPr>
+            <p:ph type="sldNum" sz="quarter" idx="12"/>
+          </p:nvPr>
+        </p:nvSpPr>
+        <p:spPr/>
+        <p:txBody>
+          <a:bodyPr/>
+          <a:lstStyle/>
+          <a:p>
+            <a:r>
+              <a:rPr lang="en-US" altLang="ja-JP" smtClean="0"/>
+              <a:t>#</a:t>
+            </a:r>
+            <a:fld id="{F281072A-F9EF-F645-A589-9593A608EAA6}" type="slidenum">
+              <a:rPr lang="en-US" altLang="ja-JP" smtClean="0"/>
+              <a:pPr/>
+              <a:t>12</a:t>
+            </a:fld>
+            <a:endParaRPr lang="ja-JP" altLang="en-US" dirty="0"/>
+          </a:p>
+        </p:txBody>
+      </p:sp>
+      <p:sp>
+        <p:nvSpPr>
+          <p:cNvPr id="7" name="テキスト ボックス 6"/>
+          <p:cNvSpPr txBox="1"/>
+          <p:nvPr/>
+        </p:nvSpPr>
+        <p:spPr>
+          <a:xfrm>
+            <a:off x="632757" y="1116259"/>
+            <a:ext cx="6138238" cy="584775"/>
+          </a:xfrm>
+          <a:prstGeom prst="rect">
+            <a:avLst/>
+          </a:prstGeom>
+          <a:noFill/>
+        </p:spPr>
+        <p:txBody>
+          <a:bodyPr wrap="square" rtlCol="0">
+            <a:spAutoFit/>
+          </a:bodyPr>
+          <a:lstStyle/>
+          <a:p>
+            <a:r>
+              <a:rPr kumimoji="1" lang="ja-JP" altLang="en-US" sz="3200" smtClean="0">
+                <a:solidFill>
+                  <a:srgbClr val="26A69A"/>
+                </a:solidFill>
+                <a:latin typeface="Hiragino Sans W3" charset="-128"/>
+                <a:ea typeface="Hiragino Sans W3" charset="-128"/>
+                <a:cs typeface="Hiragino Sans W3" charset="-128"/>
+              </a:rPr>
+              <a:t>数式入力の問題</a:t>
+            </a:r>
+            <a:endParaRPr kumimoji="1" lang="ja-JP" altLang="en-US" sz="3200" dirty="0">
+              <a:solidFill>
+                <a:srgbClr val="26A69A"/>
+              </a:solidFill>
+              <a:latin typeface="Hiragino Sans W3" charset="-128"/>
+              <a:ea typeface="Hiragino Sans W3" charset="-128"/>
+              <a:cs typeface="Hiragino Sans W3" charset="-128"/>
+            </a:endParaRPr>
+          </a:p>
+        </p:txBody>
+      </p:sp>
+    </p:spTree>
+    <p:extLst>
+      <p:ext uri="{BB962C8B-B14F-4D97-AF65-F5344CB8AC3E}">
+        <p14:creationId xmlns:p14="http://schemas.microsoft.com/office/powerpoint/2010/main" val="1595850963"/>
+      </p:ext>
+    </p:extLst>
+  </p:cSld>
+  <p:clrMapOvr>
+    <a:masterClrMapping/>
+  </p:clrMapOvr>
 </p:sld>
 </file>
 
@@ -4240,26 +4775,11 @@
           </a:bodyPr>
           <a:lstStyle/>
           <a:p>
+            <a:r>
+              <a:rPr kumimoji="1" lang="ja-JP" altLang="en-US" dirty="0" smtClean="0"/>
+              <a:t>背景</a:t>
+            </a:r>
             <a:endParaRPr kumimoji="1" lang="ja-JP" altLang="en-US" dirty="0"/>
-          </a:p>
-        </p:txBody>
-      </p:sp>
-      <p:sp>
-        <p:nvSpPr>
-          <p:cNvPr id="3" name="コンテンツ プレースホルダー 2"/>
-          <p:cNvSpPr>
-            <a:spLocks noGrp="1"/>
-          </p:cNvSpPr>
-          <p:nvPr>
-            <p:ph idx="1"/>
-          </p:nvPr>
-        </p:nvSpPr>
-        <p:spPr/>
-        <p:txBody>
-          <a:bodyPr/>
-          <a:lstStyle/>
-          <a:p>
-            <a:endParaRPr kumimoji="1" lang="ja-JP" altLang="en-US"/>
           </a:p>
         </p:txBody>
       </p:sp>
@@ -4291,10 +4811,3511 @@
           </a:p>
         </p:txBody>
       </p:sp>
+      <p:sp>
+        <p:nvSpPr>
+          <p:cNvPr id="5" name="テキスト ボックス 4"/>
+          <p:cNvSpPr txBox="1"/>
+          <p:nvPr/>
+        </p:nvSpPr>
+        <p:spPr>
+          <a:xfrm>
+            <a:off x="1603226" y="3098446"/>
+            <a:ext cx="6138238" cy="584775"/>
+          </a:xfrm>
+          <a:prstGeom prst="rect">
+            <a:avLst/>
+          </a:prstGeom>
+          <a:noFill/>
+        </p:spPr>
+        <p:txBody>
+          <a:bodyPr wrap="square" rtlCol="0">
+            <a:spAutoFit/>
+          </a:bodyPr>
+          <a:lstStyle/>
+          <a:p>
+            <a:r>
+              <a:rPr lang="ja-JP" altLang="en-US" sz="3200" smtClean="0">
+                <a:solidFill>
+                  <a:srgbClr val="26A69A"/>
+                </a:solidFill>
+                <a:latin typeface="Hiragino Sans W3" charset="-128"/>
+                <a:ea typeface="Hiragino Sans W3" charset="-128"/>
+                <a:cs typeface="Hiragino Sans W3" charset="-128"/>
+              </a:rPr>
+              <a:t>生徒の「わかる」を増やしたい</a:t>
+            </a:r>
+            <a:endParaRPr kumimoji="1" lang="ja-JP" altLang="en-US" sz="3200" dirty="0">
+              <a:solidFill>
+                <a:srgbClr val="26A69A"/>
+              </a:solidFill>
+              <a:latin typeface="Hiragino Sans W3" charset="-128"/>
+              <a:ea typeface="Hiragino Sans W3" charset="-128"/>
+              <a:cs typeface="Hiragino Sans W3" charset="-128"/>
+            </a:endParaRPr>
+          </a:p>
+        </p:txBody>
+      </p:sp>
     </p:spTree>
     <p:extLst>
       <p:ext uri="{BB962C8B-B14F-4D97-AF65-F5344CB8AC3E}">
         <p14:creationId xmlns:p14="http://schemas.microsoft.com/office/powerpoint/2010/main" val="294686104"/>
+      </p:ext>
+    </p:extLst>
+  </p:cSld>
+  <p:clrMapOvr>
+    <a:masterClrMapping/>
+  </p:clrMapOvr>
+</p:sld>
+</file>
+
+<file path=ppt/slides/slide4.xml><?xml version="1.0" encoding="utf-8"?>
+<p:sld xmlns:a="http://schemas.openxmlformats.org/drawingml/2006/main" xmlns:r="http://schemas.openxmlformats.org/officeDocument/2006/relationships" xmlns:p="http://schemas.openxmlformats.org/presentationml/2006/main">
+  <p:cSld>
+    <p:spTree>
+      <p:nvGrpSpPr>
+        <p:cNvPr id="1" name=""/>
+        <p:cNvGrpSpPr/>
+        <p:nvPr/>
+      </p:nvGrpSpPr>
+      <p:grpSpPr>
+        <a:xfrm>
+          <a:off x="0" y="0"/>
+          <a:ext cx="0" cy="0"/>
+          <a:chOff x="0" y="0"/>
+          <a:chExt cx="0" cy="0"/>
+        </a:xfrm>
+      </p:grpSpPr>
+      <p:sp>
+        <p:nvSpPr>
+          <p:cNvPr id="2" name="タイトル 1"/>
+          <p:cNvSpPr>
+            <a:spLocks noGrp="1"/>
+          </p:cNvSpPr>
+          <p:nvPr>
+            <p:ph type="title"/>
+          </p:nvPr>
+        </p:nvSpPr>
+        <p:spPr/>
+        <p:txBody>
+          <a:bodyPr>
+            <a:normAutofit fontScale="90000"/>
+          </a:bodyPr>
+          <a:lstStyle/>
+          <a:p>
+            <a:r>
+              <a:rPr kumimoji="1" lang="ja-JP" altLang="en-US" dirty="0" smtClean="0"/>
+              <a:t>背景</a:t>
+            </a:r>
+            <a:endParaRPr kumimoji="1" lang="ja-JP" altLang="en-US" dirty="0"/>
+          </a:p>
+        </p:txBody>
+      </p:sp>
+      <p:sp>
+        <p:nvSpPr>
+          <p:cNvPr id="4" name="スライド番号プレースホルダー 3"/>
+          <p:cNvSpPr>
+            <a:spLocks noGrp="1"/>
+          </p:cNvSpPr>
+          <p:nvPr>
+            <p:ph type="sldNum" sz="quarter" idx="12"/>
+          </p:nvPr>
+        </p:nvSpPr>
+        <p:spPr/>
+        <p:txBody>
+          <a:bodyPr/>
+          <a:lstStyle/>
+          <a:p>
+            <a:r>
+              <a:rPr lang="en-US" altLang="ja-JP" smtClean="0"/>
+              <a:t>#</a:t>
+            </a:r>
+            <a:fld id="{F281072A-F9EF-F645-A589-9593A608EAA6}" type="slidenum">
+              <a:rPr lang="en-US" altLang="ja-JP" smtClean="0"/>
+              <a:pPr/>
+              <a:t>4</a:t>
+            </a:fld>
+            <a:endParaRPr lang="ja-JP" altLang="en-US" dirty="0"/>
+          </a:p>
+        </p:txBody>
+      </p:sp>
+      <p:sp>
+        <p:nvSpPr>
+          <p:cNvPr id="5" name="テキスト ボックス 4"/>
+          <p:cNvSpPr txBox="1"/>
+          <p:nvPr/>
+        </p:nvSpPr>
+        <p:spPr>
+          <a:xfrm>
+            <a:off x="632757" y="1116259"/>
+            <a:ext cx="6138238" cy="584775"/>
+          </a:xfrm>
+          <a:prstGeom prst="rect">
+            <a:avLst/>
+          </a:prstGeom>
+          <a:noFill/>
+        </p:spPr>
+        <p:txBody>
+          <a:bodyPr wrap="square" rtlCol="0">
+            <a:spAutoFit/>
+          </a:bodyPr>
+          <a:lstStyle/>
+          <a:p>
+            <a:r>
+              <a:rPr lang="ja-JP" altLang="en-US" sz="3200" dirty="0" smtClean="0">
+                <a:solidFill>
+                  <a:srgbClr val="26A69A"/>
+                </a:solidFill>
+                <a:latin typeface="Hiragino Sans W3" charset="-128"/>
+                <a:ea typeface="Hiragino Sans W3" charset="-128"/>
+                <a:cs typeface="Hiragino Sans W3" charset="-128"/>
+              </a:rPr>
+              <a:t>基礎力向上に効果的</a:t>
+            </a:r>
+            <a:endParaRPr kumimoji="1" lang="ja-JP" altLang="en-US" sz="3200" dirty="0">
+              <a:solidFill>
+                <a:srgbClr val="26A69A"/>
+              </a:solidFill>
+              <a:latin typeface="Hiragino Sans W3" charset="-128"/>
+              <a:ea typeface="Hiragino Sans W3" charset="-128"/>
+              <a:cs typeface="Hiragino Sans W3" charset="-128"/>
+            </a:endParaRPr>
+          </a:p>
+        </p:txBody>
+      </p:sp>
+      <p:sp>
+        <p:nvSpPr>
+          <p:cNvPr id="6" name="正方形/長方形 5"/>
+          <p:cNvSpPr/>
+          <p:nvPr/>
+        </p:nvSpPr>
+        <p:spPr>
+          <a:xfrm>
+            <a:off x="3701876" y="2657754"/>
+            <a:ext cx="1919792" cy="914400"/>
+          </a:xfrm>
+          <a:prstGeom prst="rect">
+            <a:avLst/>
+          </a:prstGeom>
+          <a:noFill/>
+          <a:ln w="28575">
+            <a:solidFill>
+              <a:srgbClr val="607D8B"/>
+            </a:solidFill>
+          </a:ln>
+        </p:spPr>
+        <p:style>
+          <a:lnRef idx="2">
+            <a:schemeClr val="accent1">
+              <a:shade val="50000"/>
+            </a:schemeClr>
+          </a:lnRef>
+          <a:fillRef idx="1">
+            <a:schemeClr val="accent1"/>
+          </a:fillRef>
+          <a:effectRef idx="0">
+            <a:schemeClr val="accent1"/>
+          </a:effectRef>
+          <a:fontRef idx="minor">
+            <a:schemeClr val="lt1"/>
+          </a:fontRef>
+        </p:style>
+        <p:txBody>
+          <a:bodyPr rtlCol="0" anchor="ctr"/>
+          <a:lstStyle/>
+          <a:p>
+            <a:pPr algn="ctr"/>
+            <a:r>
+              <a:rPr kumimoji="1" lang="ja-JP" altLang="en-US" sz="3200" smtClean="0">
+                <a:solidFill>
+                  <a:srgbClr val="607D8B"/>
+                </a:solidFill>
+                <a:latin typeface="Hiragino Sans W3" charset="-128"/>
+                <a:ea typeface="Hiragino Sans W3" charset="-128"/>
+                <a:cs typeface="Hiragino Sans W3" charset="-128"/>
+              </a:rPr>
+              <a:t>授業</a:t>
+            </a:r>
+            <a:endParaRPr kumimoji="1" lang="ja-JP" altLang="en-US" sz="3200" dirty="0">
+              <a:solidFill>
+                <a:srgbClr val="607D8B"/>
+              </a:solidFill>
+              <a:latin typeface="Hiragino Sans W3" charset="-128"/>
+              <a:ea typeface="Hiragino Sans W3" charset="-128"/>
+              <a:cs typeface="Hiragino Sans W3" charset="-128"/>
+            </a:endParaRPr>
+          </a:p>
+        </p:txBody>
+      </p:sp>
+      <p:sp>
+        <p:nvSpPr>
+          <p:cNvPr id="7" name="正方形/長方形 6"/>
+          <p:cNvSpPr/>
+          <p:nvPr/>
+        </p:nvSpPr>
+        <p:spPr>
+          <a:xfrm>
+            <a:off x="3697404" y="4388433"/>
+            <a:ext cx="1919792" cy="914400"/>
+          </a:xfrm>
+          <a:prstGeom prst="rect">
+            <a:avLst/>
+          </a:prstGeom>
+          <a:noFill/>
+          <a:ln w="28575">
+            <a:solidFill>
+              <a:srgbClr val="607D8B"/>
+            </a:solidFill>
+          </a:ln>
+        </p:spPr>
+        <p:style>
+          <a:lnRef idx="2">
+            <a:schemeClr val="accent1">
+              <a:shade val="50000"/>
+            </a:schemeClr>
+          </a:lnRef>
+          <a:fillRef idx="1">
+            <a:schemeClr val="accent1"/>
+          </a:fillRef>
+          <a:effectRef idx="0">
+            <a:schemeClr val="accent1"/>
+          </a:effectRef>
+          <a:fontRef idx="minor">
+            <a:schemeClr val="lt1"/>
+          </a:fontRef>
+        </p:style>
+        <p:txBody>
+          <a:bodyPr rtlCol="0" anchor="ctr"/>
+          <a:lstStyle/>
+          <a:p>
+            <a:pPr algn="ctr"/>
+            <a:r>
+              <a:rPr lang="ja-JP" altLang="en-US" sz="3200" smtClean="0">
+                <a:solidFill>
+                  <a:srgbClr val="607D8B"/>
+                </a:solidFill>
+                <a:latin typeface="Hiragino Sans W3" charset="-128"/>
+                <a:ea typeface="Hiragino Sans W3" charset="-128"/>
+                <a:cs typeface="Hiragino Sans W3" charset="-128"/>
+              </a:rPr>
+              <a:t>小テスト</a:t>
+            </a:r>
+            <a:endParaRPr kumimoji="1" lang="ja-JP" altLang="en-US" sz="3200" dirty="0">
+              <a:solidFill>
+                <a:srgbClr val="607D8B"/>
+              </a:solidFill>
+              <a:latin typeface="Hiragino Sans W3" charset="-128"/>
+              <a:ea typeface="Hiragino Sans W3" charset="-128"/>
+              <a:cs typeface="Hiragino Sans W3" charset="-128"/>
+            </a:endParaRPr>
+          </a:p>
+        </p:txBody>
+      </p:sp>
+      <p:sp>
+        <p:nvSpPr>
+          <p:cNvPr id="8" name="右矢印 7"/>
+          <p:cNvSpPr/>
+          <p:nvPr/>
+        </p:nvSpPr>
+        <p:spPr>
+          <a:xfrm>
+            <a:off x="5617196" y="2953362"/>
+            <a:ext cx="2177292" cy="350874"/>
+          </a:xfrm>
+          <a:prstGeom prst="rightArrow">
+            <a:avLst/>
+          </a:prstGeom>
+          <a:solidFill>
+            <a:srgbClr val="607D8B"/>
+          </a:solidFill>
+          <a:ln>
+            <a:noFill/>
+          </a:ln>
+        </p:spPr>
+        <p:style>
+          <a:lnRef idx="2">
+            <a:schemeClr val="accent1">
+              <a:shade val="50000"/>
+            </a:schemeClr>
+          </a:lnRef>
+          <a:fillRef idx="1">
+            <a:schemeClr val="accent1"/>
+          </a:fillRef>
+          <a:effectRef idx="0">
+            <a:schemeClr val="accent1"/>
+          </a:effectRef>
+          <a:fontRef idx="minor">
+            <a:schemeClr val="lt1"/>
+          </a:fontRef>
+        </p:style>
+        <p:txBody>
+          <a:bodyPr rtlCol="0" anchor="ctr"/>
+          <a:lstStyle/>
+          <a:p>
+            <a:pPr algn="ctr"/>
+            <a:endParaRPr kumimoji="1" lang="ja-JP" altLang="en-US"/>
+          </a:p>
+        </p:txBody>
+      </p:sp>
+      <p:sp>
+        <p:nvSpPr>
+          <p:cNvPr id="10" name="屈折矢印 9"/>
+          <p:cNvSpPr/>
+          <p:nvPr/>
+        </p:nvSpPr>
+        <p:spPr>
+          <a:xfrm rot="5400000" flipV="1">
+            <a:off x="5490354" y="3304959"/>
+            <a:ext cx="1860058" cy="1606373"/>
+          </a:xfrm>
+          <a:prstGeom prst="bentUpArrow">
+            <a:avLst>
+              <a:gd name="adj1" fmla="val 10184"/>
+              <a:gd name="adj2" fmla="val 10964"/>
+              <a:gd name="adj3" fmla="val 16576"/>
+            </a:avLst>
+          </a:prstGeom>
+          <a:solidFill>
+            <a:srgbClr val="607D8B"/>
+          </a:solidFill>
+          <a:ln>
+            <a:noFill/>
+          </a:ln>
+        </p:spPr>
+        <p:style>
+          <a:lnRef idx="2">
+            <a:schemeClr val="accent1">
+              <a:shade val="50000"/>
+            </a:schemeClr>
+          </a:lnRef>
+          <a:fillRef idx="1">
+            <a:schemeClr val="accent1"/>
+          </a:fillRef>
+          <a:effectRef idx="0">
+            <a:schemeClr val="accent1"/>
+          </a:effectRef>
+          <a:fontRef idx="minor">
+            <a:schemeClr val="lt1"/>
+          </a:fontRef>
+        </p:style>
+        <p:txBody>
+          <a:bodyPr rtlCol="0" anchor="ctr"/>
+          <a:lstStyle/>
+          <a:p>
+            <a:pPr algn="ctr"/>
+            <a:endParaRPr kumimoji="1" lang="ja-JP" altLang="en-US"/>
+          </a:p>
+        </p:txBody>
+      </p:sp>
+      <p:sp>
+        <p:nvSpPr>
+          <p:cNvPr id="11" name="右矢印 10"/>
+          <p:cNvSpPr/>
+          <p:nvPr/>
+        </p:nvSpPr>
+        <p:spPr>
+          <a:xfrm>
+            <a:off x="1515638" y="2953362"/>
+            <a:ext cx="2181765" cy="350874"/>
+          </a:xfrm>
+          <a:prstGeom prst="rightArrow">
+            <a:avLst/>
+          </a:prstGeom>
+          <a:solidFill>
+            <a:srgbClr val="607D8B"/>
+          </a:solidFill>
+          <a:ln>
+            <a:noFill/>
+          </a:ln>
+        </p:spPr>
+        <p:style>
+          <a:lnRef idx="2">
+            <a:schemeClr val="accent1">
+              <a:shade val="50000"/>
+            </a:schemeClr>
+          </a:lnRef>
+          <a:fillRef idx="1">
+            <a:schemeClr val="accent1"/>
+          </a:fillRef>
+          <a:effectRef idx="0">
+            <a:schemeClr val="accent1"/>
+          </a:effectRef>
+          <a:fontRef idx="minor">
+            <a:schemeClr val="lt1"/>
+          </a:fontRef>
+        </p:style>
+        <p:txBody>
+          <a:bodyPr rtlCol="0" anchor="ctr"/>
+          <a:lstStyle/>
+          <a:p>
+            <a:pPr algn="ctr"/>
+            <a:endParaRPr kumimoji="1" lang="ja-JP" altLang="en-US"/>
+          </a:p>
+        </p:txBody>
+      </p:sp>
+      <p:sp>
+        <p:nvSpPr>
+          <p:cNvPr id="12" name="屈折矢印 11"/>
+          <p:cNvSpPr/>
+          <p:nvPr/>
+        </p:nvSpPr>
+        <p:spPr>
+          <a:xfrm rot="10800000" flipV="1">
+            <a:off x="1944830" y="3350750"/>
+            <a:ext cx="1752572" cy="1587215"/>
+          </a:xfrm>
+          <a:prstGeom prst="bentUpArrow">
+            <a:avLst>
+              <a:gd name="adj1" fmla="val 10589"/>
+              <a:gd name="adj2" fmla="val 12373"/>
+              <a:gd name="adj3" fmla="val 16729"/>
+            </a:avLst>
+          </a:prstGeom>
+          <a:solidFill>
+            <a:srgbClr val="607D8B"/>
+          </a:solidFill>
+          <a:ln>
+            <a:noFill/>
+          </a:ln>
+        </p:spPr>
+        <p:style>
+          <a:lnRef idx="2">
+            <a:schemeClr val="accent1">
+              <a:shade val="50000"/>
+            </a:schemeClr>
+          </a:lnRef>
+          <a:fillRef idx="1">
+            <a:schemeClr val="accent1"/>
+          </a:fillRef>
+          <a:effectRef idx="0">
+            <a:schemeClr val="accent1"/>
+          </a:effectRef>
+          <a:fontRef idx="minor">
+            <a:schemeClr val="lt1"/>
+          </a:fontRef>
+        </p:style>
+        <p:txBody>
+          <a:bodyPr rtlCol="0" anchor="ctr"/>
+          <a:lstStyle/>
+          <a:p>
+            <a:pPr algn="ctr"/>
+            <a:endParaRPr kumimoji="1" lang="ja-JP" altLang="en-US"/>
+          </a:p>
+        </p:txBody>
+      </p:sp>
+      <p:sp>
+        <p:nvSpPr>
+          <p:cNvPr id="3" name="円/楕円 2"/>
+          <p:cNvSpPr/>
+          <p:nvPr/>
+        </p:nvSpPr>
+        <p:spPr>
+          <a:xfrm>
+            <a:off x="1900215" y="2906848"/>
+            <a:ext cx="443902" cy="443902"/>
+          </a:xfrm>
+          <a:prstGeom prst="ellipse">
+            <a:avLst/>
+          </a:prstGeom>
+          <a:solidFill>
+            <a:srgbClr val="ECEFF1"/>
+          </a:solidFill>
+          <a:ln w="38100">
+            <a:solidFill>
+              <a:srgbClr val="607D8B"/>
+            </a:solidFill>
+          </a:ln>
+        </p:spPr>
+        <p:style>
+          <a:lnRef idx="2">
+            <a:schemeClr val="accent1">
+              <a:shade val="50000"/>
+            </a:schemeClr>
+          </a:lnRef>
+          <a:fillRef idx="1">
+            <a:schemeClr val="accent1"/>
+          </a:fillRef>
+          <a:effectRef idx="0">
+            <a:schemeClr val="accent1"/>
+          </a:effectRef>
+          <a:fontRef idx="minor">
+            <a:schemeClr val="lt1"/>
+          </a:fontRef>
+        </p:style>
+        <p:txBody>
+          <a:bodyPr rtlCol="0" anchor="ctr"/>
+          <a:lstStyle/>
+          <a:p>
+            <a:pPr algn="ctr"/>
+            <a:r>
+              <a:rPr lang="en-US" altLang="ja-JP" sz="2800" b="1" dirty="0">
+                <a:solidFill>
+                  <a:srgbClr val="607D8B"/>
+                </a:solidFill>
+                <a:latin typeface="Helvetica Neue Condensed" charset="0"/>
+                <a:ea typeface="Helvetica Neue Condensed" charset="0"/>
+                <a:cs typeface="Helvetica Neue Condensed" charset="0"/>
+              </a:rPr>
+              <a:t>+</a:t>
+            </a:r>
+            <a:endParaRPr kumimoji="1" lang="ja-JP" altLang="en-US" sz="2800" b="1" dirty="0">
+              <a:solidFill>
+                <a:srgbClr val="607D8B"/>
+              </a:solidFill>
+              <a:latin typeface="Helvetica Neue Condensed" charset="0"/>
+              <a:ea typeface="Helvetica Neue Condensed" charset="0"/>
+              <a:cs typeface="Helvetica Neue Condensed" charset="0"/>
+            </a:endParaRPr>
+          </a:p>
+        </p:txBody>
+      </p:sp>
+      <p:sp>
+        <p:nvSpPr>
+          <p:cNvPr id="15" name="テキスト ボックス 14"/>
+          <p:cNvSpPr txBox="1"/>
+          <p:nvPr/>
+        </p:nvSpPr>
+        <p:spPr>
+          <a:xfrm>
+            <a:off x="953187" y="4937965"/>
+            <a:ext cx="2574533" cy="461665"/>
+          </a:xfrm>
+          <a:prstGeom prst="rect">
+            <a:avLst/>
+          </a:prstGeom>
+          <a:noFill/>
+        </p:spPr>
+        <p:txBody>
+          <a:bodyPr wrap="square" rtlCol="0">
+            <a:spAutoFit/>
+          </a:bodyPr>
+          <a:lstStyle/>
+          <a:p>
+            <a:pPr algn="ctr"/>
+            <a:r>
+              <a:rPr lang="ja-JP" altLang="en-US" sz="2400" b="1" dirty="0" smtClean="0">
+                <a:solidFill>
+                  <a:srgbClr val="EC407A"/>
+                </a:solidFill>
+                <a:latin typeface="Hiragino Sans W6" charset="-128"/>
+                <a:ea typeface="Hiragino Sans W6" charset="-128"/>
+                <a:cs typeface="Hiragino Sans W6" charset="-128"/>
+              </a:rPr>
+              <a:t>フィードバック</a:t>
+            </a:r>
+            <a:endParaRPr kumimoji="1" lang="ja-JP" altLang="en-US" sz="2400" b="1" dirty="0">
+              <a:solidFill>
+                <a:srgbClr val="EC407A"/>
+              </a:solidFill>
+              <a:latin typeface="Hiragino Sans W6" charset="-128"/>
+              <a:ea typeface="Hiragino Sans W6" charset="-128"/>
+              <a:cs typeface="Hiragino Sans W6" charset="-128"/>
+            </a:endParaRPr>
+          </a:p>
+        </p:txBody>
+      </p:sp>
+      <p:sp>
+        <p:nvSpPr>
+          <p:cNvPr id="16" name="テキスト ボックス 15"/>
+          <p:cNvSpPr txBox="1"/>
+          <p:nvPr/>
+        </p:nvSpPr>
+        <p:spPr>
+          <a:xfrm>
+            <a:off x="3370033" y="3572154"/>
+            <a:ext cx="2574533" cy="461665"/>
+          </a:xfrm>
+          <a:prstGeom prst="rect">
+            <a:avLst/>
+          </a:prstGeom>
+          <a:noFill/>
+        </p:spPr>
+        <p:txBody>
+          <a:bodyPr wrap="square" rtlCol="0">
+            <a:spAutoFit/>
+          </a:bodyPr>
+          <a:lstStyle/>
+          <a:p>
+            <a:pPr algn="ctr"/>
+            <a:r>
+              <a:rPr lang="ja-JP" altLang="en-US" sz="2400" b="1" smtClean="0">
+                <a:solidFill>
+                  <a:srgbClr val="EC407A"/>
+                </a:solidFill>
+                <a:latin typeface="Hiragino Sans W6" charset="-128"/>
+                <a:ea typeface="Hiragino Sans W6" charset="-128"/>
+                <a:cs typeface="Hiragino Sans W6" charset="-128"/>
+              </a:rPr>
+              <a:t>改善</a:t>
+            </a:r>
+            <a:endParaRPr kumimoji="1" lang="ja-JP" altLang="en-US" sz="2400" b="1" dirty="0">
+              <a:solidFill>
+                <a:srgbClr val="EC407A"/>
+              </a:solidFill>
+              <a:latin typeface="Hiragino Sans W6" charset="-128"/>
+              <a:ea typeface="Hiragino Sans W6" charset="-128"/>
+              <a:cs typeface="Hiragino Sans W6" charset="-128"/>
+            </a:endParaRPr>
+          </a:p>
+        </p:txBody>
+      </p:sp>
+    </p:spTree>
+    <p:extLst>
+      <p:ext uri="{BB962C8B-B14F-4D97-AF65-F5344CB8AC3E}">
+        <p14:creationId xmlns:p14="http://schemas.microsoft.com/office/powerpoint/2010/main" val="817549510"/>
+      </p:ext>
+    </p:extLst>
+  </p:cSld>
+  <p:clrMapOvr>
+    <a:masterClrMapping/>
+  </p:clrMapOvr>
+</p:sld>
+</file>
+
+<file path=ppt/slides/slide5.xml><?xml version="1.0" encoding="utf-8"?>
+<p:sld xmlns:a="http://schemas.openxmlformats.org/drawingml/2006/main" xmlns:r="http://schemas.openxmlformats.org/officeDocument/2006/relationships" xmlns:p="http://schemas.openxmlformats.org/presentationml/2006/main">
+  <p:cSld>
+    <p:bg>
+      <p:bgPr>
+        <a:solidFill>
+          <a:schemeClr val="tx1">
+            <a:lumMod val="85000"/>
+            <a:lumOff val="15000"/>
+          </a:schemeClr>
+        </a:solidFill>
+        <a:effectLst/>
+      </p:bgPr>
+    </p:bg>
+    <p:spTree>
+      <p:nvGrpSpPr>
+        <p:cNvPr id="1" name=""/>
+        <p:cNvGrpSpPr/>
+        <p:nvPr/>
+      </p:nvGrpSpPr>
+      <p:grpSpPr>
+        <a:xfrm>
+          <a:off x="0" y="0"/>
+          <a:ext cx="0" cy="0"/>
+          <a:chOff x="0" y="0"/>
+          <a:chExt cx="0" cy="0"/>
+        </a:xfrm>
+      </p:grpSpPr>
+      <p:sp>
+        <p:nvSpPr>
+          <p:cNvPr id="2" name="タイトル 1"/>
+          <p:cNvSpPr>
+            <a:spLocks noGrp="1"/>
+          </p:cNvSpPr>
+          <p:nvPr>
+            <p:ph type="title"/>
+          </p:nvPr>
+        </p:nvSpPr>
+        <p:spPr/>
+        <p:txBody>
+          <a:bodyPr>
+            <a:normAutofit fontScale="90000"/>
+          </a:bodyPr>
+          <a:lstStyle/>
+          <a:p>
+            <a:r>
+              <a:rPr kumimoji="1" lang="ja-JP" altLang="en-US" dirty="0" smtClean="0"/>
+              <a:t>背景</a:t>
+            </a:r>
+            <a:endParaRPr kumimoji="1" lang="ja-JP" altLang="en-US" dirty="0"/>
+          </a:p>
+        </p:txBody>
+      </p:sp>
+      <p:sp>
+        <p:nvSpPr>
+          <p:cNvPr id="4" name="スライド番号プレースホルダー 3"/>
+          <p:cNvSpPr>
+            <a:spLocks noGrp="1"/>
+          </p:cNvSpPr>
+          <p:nvPr>
+            <p:ph type="sldNum" sz="quarter" idx="12"/>
+          </p:nvPr>
+        </p:nvSpPr>
+        <p:spPr/>
+        <p:txBody>
+          <a:bodyPr/>
+          <a:lstStyle/>
+          <a:p>
+            <a:r>
+              <a:rPr lang="en-US" altLang="ja-JP" smtClean="0"/>
+              <a:t>#</a:t>
+            </a:r>
+            <a:fld id="{F281072A-F9EF-F645-A589-9593A608EAA6}" type="slidenum">
+              <a:rPr lang="en-US" altLang="ja-JP" smtClean="0"/>
+              <a:pPr/>
+              <a:t>5</a:t>
+            </a:fld>
+            <a:endParaRPr lang="ja-JP" altLang="en-US" dirty="0"/>
+          </a:p>
+        </p:txBody>
+      </p:sp>
+      <p:sp>
+        <p:nvSpPr>
+          <p:cNvPr id="5" name="テキスト ボックス 4"/>
+          <p:cNvSpPr txBox="1"/>
+          <p:nvPr/>
+        </p:nvSpPr>
+        <p:spPr>
+          <a:xfrm>
+            <a:off x="829340" y="3186128"/>
+            <a:ext cx="7541048" cy="584775"/>
+          </a:xfrm>
+          <a:prstGeom prst="rect">
+            <a:avLst/>
+          </a:prstGeom>
+          <a:noFill/>
+        </p:spPr>
+        <p:txBody>
+          <a:bodyPr wrap="square" rtlCol="0">
+            <a:spAutoFit/>
+          </a:bodyPr>
+          <a:lstStyle/>
+          <a:p>
+            <a:r>
+              <a:rPr lang="ja-JP" altLang="en-US" sz="3200" smtClean="0">
+                <a:solidFill>
+                  <a:srgbClr val="26A69A"/>
+                </a:solidFill>
+                <a:latin typeface="Hiragino Sans W3" charset="-128"/>
+                <a:ea typeface="Hiragino Sans W3" charset="-128"/>
+                <a:cs typeface="Hiragino Sans W3" charset="-128"/>
+              </a:rPr>
+              <a:t>クソガキが知ったようなことを偉そうに</a:t>
+            </a:r>
+            <a:endParaRPr kumimoji="1" lang="ja-JP" altLang="en-US" sz="3200" dirty="0">
+              <a:solidFill>
+                <a:srgbClr val="26A69A"/>
+              </a:solidFill>
+              <a:latin typeface="Hiragino Sans W3" charset="-128"/>
+              <a:ea typeface="Hiragino Sans W3" charset="-128"/>
+              <a:cs typeface="Hiragino Sans W3" charset="-128"/>
+            </a:endParaRPr>
+          </a:p>
+        </p:txBody>
+      </p:sp>
+    </p:spTree>
+    <p:extLst>
+      <p:ext uri="{BB962C8B-B14F-4D97-AF65-F5344CB8AC3E}">
+        <p14:creationId xmlns:p14="http://schemas.microsoft.com/office/powerpoint/2010/main" val="812065826"/>
+      </p:ext>
+    </p:extLst>
+  </p:cSld>
+  <p:clrMapOvr>
+    <a:masterClrMapping/>
+  </p:clrMapOvr>
+</p:sld>
+</file>
+
+<file path=ppt/slides/slide6.xml><?xml version="1.0" encoding="utf-8"?>
+<p:sld xmlns:a="http://schemas.openxmlformats.org/drawingml/2006/main" xmlns:r="http://schemas.openxmlformats.org/officeDocument/2006/relationships" xmlns:p="http://schemas.openxmlformats.org/presentationml/2006/main">
+  <p:cSld>
+    <p:spTree>
+      <p:nvGrpSpPr>
+        <p:cNvPr id="1" name=""/>
+        <p:cNvGrpSpPr/>
+        <p:nvPr/>
+      </p:nvGrpSpPr>
+      <p:grpSpPr>
+        <a:xfrm>
+          <a:off x="0" y="0"/>
+          <a:ext cx="0" cy="0"/>
+          <a:chOff x="0" y="0"/>
+          <a:chExt cx="0" cy="0"/>
+        </a:xfrm>
+      </p:grpSpPr>
+      <p:sp>
+        <p:nvSpPr>
+          <p:cNvPr id="2" name="タイトル 1"/>
+          <p:cNvSpPr>
+            <a:spLocks noGrp="1"/>
+          </p:cNvSpPr>
+          <p:nvPr>
+            <p:ph type="title"/>
+          </p:nvPr>
+        </p:nvSpPr>
+        <p:spPr/>
+        <p:txBody>
+          <a:bodyPr>
+            <a:normAutofit fontScale="90000"/>
+          </a:bodyPr>
+          <a:lstStyle/>
+          <a:p>
+            <a:r>
+              <a:rPr kumimoji="1" lang="ja-JP" altLang="en-US" dirty="0" smtClean="0"/>
+              <a:t>背景</a:t>
+            </a:r>
+            <a:endParaRPr kumimoji="1" lang="ja-JP" altLang="en-US" dirty="0"/>
+          </a:p>
+        </p:txBody>
+      </p:sp>
+      <p:sp>
+        <p:nvSpPr>
+          <p:cNvPr id="4" name="スライド番号プレースホルダー 3"/>
+          <p:cNvSpPr>
+            <a:spLocks noGrp="1"/>
+          </p:cNvSpPr>
+          <p:nvPr>
+            <p:ph type="sldNum" sz="quarter" idx="12"/>
+          </p:nvPr>
+        </p:nvSpPr>
+        <p:spPr/>
+        <p:txBody>
+          <a:bodyPr/>
+          <a:lstStyle/>
+          <a:p>
+            <a:r>
+              <a:rPr lang="en-US" altLang="ja-JP" smtClean="0"/>
+              <a:t>#</a:t>
+            </a:r>
+            <a:fld id="{F281072A-F9EF-F645-A589-9593A608EAA6}" type="slidenum">
+              <a:rPr lang="en-US" altLang="ja-JP" smtClean="0"/>
+              <a:pPr/>
+              <a:t>6</a:t>
+            </a:fld>
+            <a:endParaRPr lang="ja-JP" altLang="en-US" dirty="0"/>
+          </a:p>
+        </p:txBody>
+      </p:sp>
+      <p:sp>
+        <p:nvSpPr>
+          <p:cNvPr id="6" name="正方形/長方形 5"/>
+          <p:cNvSpPr/>
+          <p:nvPr/>
+        </p:nvSpPr>
+        <p:spPr>
+          <a:xfrm>
+            <a:off x="634701" y="1257456"/>
+            <a:ext cx="7880649" cy="914400"/>
+          </a:xfrm>
+          <a:prstGeom prst="rect">
+            <a:avLst/>
+          </a:prstGeom>
+          <a:noFill/>
+          <a:ln w="28575">
+            <a:solidFill>
+              <a:srgbClr val="607D8B"/>
+            </a:solidFill>
+          </a:ln>
+        </p:spPr>
+        <p:style>
+          <a:lnRef idx="2">
+            <a:schemeClr val="accent1">
+              <a:shade val="50000"/>
+            </a:schemeClr>
+          </a:lnRef>
+          <a:fillRef idx="1">
+            <a:schemeClr val="accent1"/>
+          </a:fillRef>
+          <a:effectRef idx="0">
+            <a:schemeClr val="accent1"/>
+          </a:effectRef>
+          <a:fontRef idx="minor">
+            <a:schemeClr val="lt1"/>
+          </a:fontRef>
+        </p:style>
+        <p:txBody>
+          <a:bodyPr rtlCol="0" anchor="ctr"/>
+          <a:lstStyle/>
+          <a:p>
+            <a:pPr algn="ctr"/>
+            <a:r>
+              <a:rPr kumimoji="1" lang="ja-JP" altLang="en-US" sz="3200" dirty="0" smtClean="0">
+                <a:solidFill>
+                  <a:srgbClr val="607D8B"/>
+                </a:solidFill>
+                <a:latin typeface="Hiragino Sans W3" charset="-128"/>
+                <a:ea typeface="Hiragino Sans W3" charset="-128"/>
+                <a:cs typeface="Hiragino Sans W3" charset="-128"/>
+              </a:rPr>
+              <a:t>小テストの実施</a:t>
+            </a:r>
+            <a:endParaRPr kumimoji="1" lang="ja-JP" altLang="en-US" sz="3200" dirty="0">
+              <a:solidFill>
+                <a:srgbClr val="607D8B"/>
+              </a:solidFill>
+              <a:latin typeface="Hiragino Sans W3" charset="-128"/>
+              <a:ea typeface="Hiragino Sans W3" charset="-128"/>
+              <a:cs typeface="Hiragino Sans W3" charset="-128"/>
+            </a:endParaRPr>
+          </a:p>
+        </p:txBody>
+      </p:sp>
+      <p:sp>
+        <p:nvSpPr>
+          <p:cNvPr id="8" name="角丸四角形 7"/>
+          <p:cNvSpPr/>
+          <p:nvPr/>
+        </p:nvSpPr>
+        <p:spPr>
+          <a:xfrm>
+            <a:off x="634701" y="2394514"/>
+            <a:ext cx="2508550" cy="619689"/>
+          </a:xfrm>
+          <a:prstGeom prst="roundRect">
+            <a:avLst>
+              <a:gd name="adj" fmla="val 9804"/>
+            </a:avLst>
+          </a:prstGeom>
+          <a:solidFill>
+            <a:srgbClr val="CFD8DC"/>
+          </a:solidFill>
+          <a:ln>
+            <a:noFill/>
+          </a:ln>
+        </p:spPr>
+        <p:style>
+          <a:lnRef idx="2">
+            <a:schemeClr val="accent1">
+              <a:shade val="50000"/>
+            </a:schemeClr>
+          </a:lnRef>
+          <a:fillRef idx="1">
+            <a:schemeClr val="accent1"/>
+          </a:fillRef>
+          <a:effectRef idx="0">
+            <a:schemeClr val="accent1"/>
+          </a:effectRef>
+          <a:fontRef idx="minor">
+            <a:schemeClr val="lt1"/>
+          </a:fontRef>
+        </p:style>
+        <p:txBody>
+          <a:bodyPr rtlCol="0" anchor="ctr"/>
+          <a:lstStyle/>
+          <a:p>
+            <a:pPr algn="ctr"/>
+            <a:r>
+              <a:rPr kumimoji="1" lang="ja-JP" altLang="en-US" sz="2400" dirty="0" smtClean="0">
+                <a:solidFill>
+                  <a:srgbClr val="607D8B"/>
+                </a:solidFill>
+                <a:latin typeface="Hiragino Sans W3" charset="-128"/>
+                <a:ea typeface="Hiragino Sans W3" charset="-128"/>
+                <a:cs typeface="Hiragino Sans W3" charset="-128"/>
+              </a:rPr>
+              <a:t>問題作成</a:t>
+            </a:r>
+            <a:endParaRPr kumimoji="1" lang="ja-JP" altLang="en-US" sz="2400" dirty="0">
+              <a:solidFill>
+                <a:srgbClr val="607D8B"/>
+              </a:solidFill>
+              <a:latin typeface="Hiragino Sans W3" charset="-128"/>
+              <a:ea typeface="Hiragino Sans W3" charset="-128"/>
+              <a:cs typeface="Hiragino Sans W3" charset="-128"/>
+            </a:endParaRPr>
+          </a:p>
+        </p:txBody>
+      </p:sp>
+      <p:sp>
+        <p:nvSpPr>
+          <p:cNvPr id="9" name="角丸四角形 8"/>
+          <p:cNvSpPr/>
+          <p:nvPr/>
+        </p:nvSpPr>
+        <p:spPr>
+          <a:xfrm>
+            <a:off x="634701" y="3236861"/>
+            <a:ext cx="2508550" cy="619689"/>
+          </a:xfrm>
+          <a:prstGeom prst="roundRect">
+            <a:avLst>
+              <a:gd name="adj" fmla="val 9804"/>
+            </a:avLst>
+          </a:prstGeom>
+          <a:solidFill>
+            <a:srgbClr val="CFD8DC"/>
+          </a:solidFill>
+          <a:ln>
+            <a:noFill/>
+          </a:ln>
+        </p:spPr>
+        <p:style>
+          <a:lnRef idx="2">
+            <a:schemeClr val="accent1">
+              <a:shade val="50000"/>
+            </a:schemeClr>
+          </a:lnRef>
+          <a:fillRef idx="1">
+            <a:schemeClr val="accent1"/>
+          </a:fillRef>
+          <a:effectRef idx="0">
+            <a:schemeClr val="accent1"/>
+          </a:effectRef>
+          <a:fontRef idx="minor">
+            <a:schemeClr val="lt1"/>
+          </a:fontRef>
+        </p:style>
+        <p:txBody>
+          <a:bodyPr rtlCol="0" anchor="ctr"/>
+          <a:lstStyle/>
+          <a:p>
+            <a:pPr algn="ctr"/>
+            <a:r>
+              <a:rPr lang="ja-JP" altLang="en-US" sz="2400" dirty="0" smtClean="0">
+                <a:solidFill>
+                  <a:srgbClr val="607D8B"/>
+                </a:solidFill>
+                <a:latin typeface="Hiragino Sans W3" charset="-128"/>
+                <a:ea typeface="Hiragino Sans W3" charset="-128"/>
+                <a:cs typeface="Hiragino Sans W3" charset="-128"/>
+              </a:rPr>
+              <a:t>印刷</a:t>
+            </a:r>
+            <a:endParaRPr kumimoji="1" lang="ja-JP" altLang="en-US" sz="2400" dirty="0">
+              <a:solidFill>
+                <a:srgbClr val="607D8B"/>
+              </a:solidFill>
+              <a:latin typeface="Hiragino Sans W3" charset="-128"/>
+              <a:ea typeface="Hiragino Sans W3" charset="-128"/>
+              <a:cs typeface="Hiragino Sans W3" charset="-128"/>
+            </a:endParaRPr>
+          </a:p>
+        </p:txBody>
+      </p:sp>
+      <p:sp>
+        <p:nvSpPr>
+          <p:cNvPr id="10" name="角丸四角形 9"/>
+          <p:cNvSpPr/>
+          <p:nvPr/>
+        </p:nvSpPr>
+        <p:spPr>
+          <a:xfrm>
+            <a:off x="6006800" y="2394513"/>
+            <a:ext cx="2508550" cy="619689"/>
+          </a:xfrm>
+          <a:prstGeom prst="roundRect">
+            <a:avLst>
+              <a:gd name="adj" fmla="val 9804"/>
+            </a:avLst>
+          </a:prstGeom>
+          <a:solidFill>
+            <a:srgbClr val="CFD8DC"/>
+          </a:solidFill>
+          <a:ln>
+            <a:noFill/>
+          </a:ln>
+        </p:spPr>
+        <p:style>
+          <a:lnRef idx="2">
+            <a:schemeClr val="accent1">
+              <a:shade val="50000"/>
+            </a:schemeClr>
+          </a:lnRef>
+          <a:fillRef idx="1">
+            <a:schemeClr val="accent1"/>
+          </a:fillRef>
+          <a:effectRef idx="0">
+            <a:schemeClr val="accent1"/>
+          </a:effectRef>
+          <a:fontRef idx="minor">
+            <a:schemeClr val="lt1"/>
+          </a:fontRef>
+        </p:style>
+        <p:txBody>
+          <a:bodyPr rtlCol="0" anchor="ctr"/>
+          <a:lstStyle/>
+          <a:p>
+            <a:pPr algn="ctr"/>
+            <a:r>
+              <a:rPr lang="ja-JP" altLang="en-US" sz="2400" dirty="0" smtClean="0">
+                <a:solidFill>
+                  <a:srgbClr val="607D8B"/>
+                </a:solidFill>
+                <a:latin typeface="Hiragino Sans W3" charset="-128"/>
+                <a:ea typeface="Hiragino Sans W3" charset="-128"/>
+                <a:cs typeface="Hiragino Sans W3" charset="-128"/>
+              </a:rPr>
+              <a:t>統計</a:t>
+            </a:r>
+            <a:endParaRPr kumimoji="1" lang="ja-JP" altLang="en-US" sz="2400" dirty="0">
+              <a:solidFill>
+                <a:srgbClr val="607D8B"/>
+              </a:solidFill>
+              <a:latin typeface="Hiragino Sans W3" charset="-128"/>
+              <a:ea typeface="Hiragino Sans W3" charset="-128"/>
+              <a:cs typeface="Hiragino Sans W3" charset="-128"/>
+            </a:endParaRPr>
+          </a:p>
+        </p:txBody>
+      </p:sp>
+      <p:sp>
+        <p:nvSpPr>
+          <p:cNvPr id="11" name="正方形/長方形 10"/>
+          <p:cNvSpPr/>
+          <p:nvPr/>
+        </p:nvSpPr>
+        <p:spPr>
+          <a:xfrm>
+            <a:off x="3252572" y="5190794"/>
+            <a:ext cx="2576727" cy="192418"/>
+          </a:xfrm>
+          <a:prstGeom prst="rect">
+            <a:avLst/>
+          </a:prstGeom>
+          <a:solidFill>
+            <a:srgbClr val="FFE082"/>
+          </a:solidFill>
+          <a:ln>
+            <a:noFill/>
+          </a:ln>
+        </p:spPr>
+        <p:style>
+          <a:lnRef idx="2">
+            <a:schemeClr val="accent1">
+              <a:shade val="50000"/>
+            </a:schemeClr>
+          </a:lnRef>
+          <a:fillRef idx="1">
+            <a:schemeClr val="accent1"/>
+          </a:fillRef>
+          <a:effectRef idx="0">
+            <a:schemeClr val="accent1"/>
+          </a:effectRef>
+          <a:fontRef idx="minor">
+            <a:schemeClr val="lt1"/>
+          </a:fontRef>
+        </p:style>
+        <p:txBody>
+          <a:bodyPr rtlCol="0" anchor="ctr"/>
+          <a:lstStyle/>
+          <a:p>
+            <a:pPr algn="ctr"/>
+            <a:endParaRPr kumimoji="1" lang="ja-JP" altLang="en-US"/>
+          </a:p>
+        </p:txBody>
+      </p:sp>
+      <p:sp>
+        <p:nvSpPr>
+          <p:cNvPr id="12" name="テキスト ボックス 11"/>
+          <p:cNvSpPr txBox="1"/>
+          <p:nvPr/>
+        </p:nvSpPr>
+        <p:spPr>
+          <a:xfrm>
+            <a:off x="3286167" y="4921547"/>
+            <a:ext cx="2543132" cy="461665"/>
+          </a:xfrm>
+          <a:prstGeom prst="rect">
+            <a:avLst/>
+          </a:prstGeom>
+          <a:noFill/>
+        </p:spPr>
+        <p:txBody>
+          <a:bodyPr wrap="square" rtlCol="0">
+            <a:spAutoFit/>
+          </a:bodyPr>
+          <a:lstStyle/>
+          <a:p>
+            <a:pPr algn="ctr"/>
+            <a:r>
+              <a:rPr kumimoji="1" lang="ja-JP" altLang="en-US" sz="2400" b="1" dirty="0" smtClean="0">
+                <a:solidFill>
+                  <a:srgbClr val="EC407A"/>
+                </a:solidFill>
+                <a:latin typeface="Hiragino Sans W6" charset="-128"/>
+                <a:ea typeface="Hiragino Sans W6" charset="-128"/>
+                <a:cs typeface="Hiragino Sans W6" charset="-128"/>
+              </a:rPr>
+              <a:t>案外雑務が多い</a:t>
+            </a:r>
+            <a:endParaRPr kumimoji="1" lang="ja-JP" altLang="en-US" sz="2400" b="1" dirty="0">
+              <a:solidFill>
+                <a:srgbClr val="EC407A"/>
+              </a:solidFill>
+              <a:latin typeface="Hiragino Sans W6" charset="-128"/>
+              <a:ea typeface="Hiragino Sans W6" charset="-128"/>
+              <a:cs typeface="Hiragino Sans W6" charset="-128"/>
+            </a:endParaRPr>
+          </a:p>
+        </p:txBody>
+      </p:sp>
+      <p:sp>
+        <p:nvSpPr>
+          <p:cNvPr id="15" name="角丸四角形 14"/>
+          <p:cNvSpPr/>
+          <p:nvPr/>
+        </p:nvSpPr>
+        <p:spPr>
+          <a:xfrm>
+            <a:off x="634701" y="4079208"/>
+            <a:ext cx="2508550" cy="619689"/>
+          </a:xfrm>
+          <a:prstGeom prst="roundRect">
+            <a:avLst>
+              <a:gd name="adj" fmla="val 9804"/>
+            </a:avLst>
+          </a:prstGeom>
+          <a:solidFill>
+            <a:srgbClr val="CFD8DC"/>
+          </a:solidFill>
+          <a:ln>
+            <a:noFill/>
+          </a:ln>
+        </p:spPr>
+        <p:style>
+          <a:lnRef idx="2">
+            <a:schemeClr val="accent1">
+              <a:shade val="50000"/>
+            </a:schemeClr>
+          </a:lnRef>
+          <a:fillRef idx="1">
+            <a:schemeClr val="accent1"/>
+          </a:fillRef>
+          <a:effectRef idx="0">
+            <a:schemeClr val="accent1"/>
+          </a:effectRef>
+          <a:fontRef idx="minor">
+            <a:schemeClr val="lt1"/>
+          </a:fontRef>
+        </p:style>
+        <p:txBody>
+          <a:bodyPr rtlCol="0" anchor="ctr"/>
+          <a:lstStyle/>
+          <a:p>
+            <a:pPr algn="ctr"/>
+            <a:r>
+              <a:rPr lang="ja-JP" altLang="en-US" sz="2400" dirty="0" smtClean="0">
+                <a:solidFill>
+                  <a:srgbClr val="607D8B"/>
+                </a:solidFill>
+                <a:latin typeface="Hiragino Sans W3" charset="-128"/>
+                <a:ea typeface="Hiragino Sans W3" charset="-128"/>
+                <a:cs typeface="Hiragino Sans W3" charset="-128"/>
+              </a:rPr>
+              <a:t>配布</a:t>
+            </a:r>
+            <a:endParaRPr kumimoji="1" lang="ja-JP" altLang="en-US" sz="2400" dirty="0">
+              <a:solidFill>
+                <a:srgbClr val="607D8B"/>
+              </a:solidFill>
+              <a:latin typeface="Hiragino Sans W3" charset="-128"/>
+              <a:ea typeface="Hiragino Sans W3" charset="-128"/>
+              <a:cs typeface="Hiragino Sans W3" charset="-128"/>
+            </a:endParaRPr>
+          </a:p>
+        </p:txBody>
+      </p:sp>
+      <p:sp>
+        <p:nvSpPr>
+          <p:cNvPr id="16" name="角丸四角形 15"/>
+          <p:cNvSpPr/>
+          <p:nvPr/>
+        </p:nvSpPr>
+        <p:spPr>
+          <a:xfrm>
+            <a:off x="3320749" y="2394512"/>
+            <a:ext cx="2508550" cy="619689"/>
+          </a:xfrm>
+          <a:prstGeom prst="roundRect">
+            <a:avLst>
+              <a:gd name="adj" fmla="val 9804"/>
+            </a:avLst>
+          </a:prstGeom>
+          <a:solidFill>
+            <a:srgbClr val="CFD8DC"/>
+          </a:solidFill>
+          <a:ln>
+            <a:noFill/>
+          </a:ln>
+        </p:spPr>
+        <p:style>
+          <a:lnRef idx="2">
+            <a:schemeClr val="accent1">
+              <a:shade val="50000"/>
+            </a:schemeClr>
+          </a:lnRef>
+          <a:fillRef idx="1">
+            <a:schemeClr val="accent1"/>
+          </a:fillRef>
+          <a:effectRef idx="0">
+            <a:schemeClr val="accent1"/>
+          </a:effectRef>
+          <a:fontRef idx="minor">
+            <a:schemeClr val="lt1"/>
+          </a:fontRef>
+        </p:style>
+        <p:txBody>
+          <a:bodyPr rtlCol="0" anchor="ctr"/>
+          <a:lstStyle/>
+          <a:p>
+            <a:pPr algn="ctr"/>
+            <a:r>
+              <a:rPr lang="ja-JP" altLang="en-US" sz="2400" dirty="0" smtClean="0">
+                <a:solidFill>
+                  <a:srgbClr val="607D8B"/>
+                </a:solidFill>
+                <a:latin typeface="Hiragino Sans W3" charset="-128"/>
+                <a:ea typeface="Hiragino Sans W3" charset="-128"/>
+                <a:cs typeface="Hiragino Sans W3" charset="-128"/>
+              </a:rPr>
+              <a:t>回収</a:t>
+            </a:r>
+            <a:endParaRPr kumimoji="1" lang="ja-JP" altLang="en-US" sz="2400" dirty="0">
+              <a:solidFill>
+                <a:srgbClr val="607D8B"/>
+              </a:solidFill>
+              <a:latin typeface="Hiragino Sans W3" charset="-128"/>
+              <a:ea typeface="Hiragino Sans W3" charset="-128"/>
+              <a:cs typeface="Hiragino Sans W3" charset="-128"/>
+            </a:endParaRPr>
+          </a:p>
+        </p:txBody>
+      </p:sp>
+      <p:sp>
+        <p:nvSpPr>
+          <p:cNvPr id="17" name="角丸四角形 16"/>
+          <p:cNvSpPr/>
+          <p:nvPr/>
+        </p:nvSpPr>
+        <p:spPr>
+          <a:xfrm>
+            <a:off x="3320749" y="3236857"/>
+            <a:ext cx="2508550" cy="619689"/>
+          </a:xfrm>
+          <a:prstGeom prst="roundRect">
+            <a:avLst>
+              <a:gd name="adj" fmla="val 9804"/>
+            </a:avLst>
+          </a:prstGeom>
+          <a:solidFill>
+            <a:srgbClr val="CFD8DC"/>
+          </a:solidFill>
+          <a:ln>
+            <a:noFill/>
+          </a:ln>
+        </p:spPr>
+        <p:style>
+          <a:lnRef idx="2">
+            <a:schemeClr val="accent1">
+              <a:shade val="50000"/>
+            </a:schemeClr>
+          </a:lnRef>
+          <a:fillRef idx="1">
+            <a:schemeClr val="accent1"/>
+          </a:fillRef>
+          <a:effectRef idx="0">
+            <a:schemeClr val="accent1"/>
+          </a:effectRef>
+          <a:fontRef idx="minor">
+            <a:schemeClr val="lt1"/>
+          </a:fontRef>
+        </p:style>
+        <p:txBody>
+          <a:bodyPr rtlCol="0" anchor="ctr"/>
+          <a:lstStyle/>
+          <a:p>
+            <a:pPr algn="ctr"/>
+            <a:r>
+              <a:rPr lang="ja-JP" altLang="en-US" sz="2400" dirty="0" smtClean="0">
+                <a:solidFill>
+                  <a:srgbClr val="607D8B"/>
+                </a:solidFill>
+                <a:latin typeface="Hiragino Sans W3" charset="-128"/>
+                <a:ea typeface="Hiragino Sans W3" charset="-128"/>
+                <a:cs typeface="Hiragino Sans W3" charset="-128"/>
+              </a:rPr>
+              <a:t>採点</a:t>
+            </a:r>
+            <a:endParaRPr kumimoji="1" lang="ja-JP" altLang="en-US" sz="2400" dirty="0">
+              <a:solidFill>
+                <a:srgbClr val="607D8B"/>
+              </a:solidFill>
+              <a:latin typeface="Hiragino Sans W3" charset="-128"/>
+              <a:ea typeface="Hiragino Sans W3" charset="-128"/>
+              <a:cs typeface="Hiragino Sans W3" charset="-128"/>
+            </a:endParaRPr>
+          </a:p>
+        </p:txBody>
+      </p:sp>
+      <p:sp>
+        <p:nvSpPr>
+          <p:cNvPr id="18" name="角丸四角形 17"/>
+          <p:cNvSpPr/>
+          <p:nvPr/>
+        </p:nvSpPr>
+        <p:spPr>
+          <a:xfrm>
+            <a:off x="3320749" y="4079202"/>
+            <a:ext cx="2508550" cy="619689"/>
+          </a:xfrm>
+          <a:prstGeom prst="roundRect">
+            <a:avLst>
+              <a:gd name="adj" fmla="val 9804"/>
+            </a:avLst>
+          </a:prstGeom>
+          <a:solidFill>
+            <a:srgbClr val="CFD8DC"/>
+          </a:solidFill>
+          <a:ln>
+            <a:noFill/>
+          </a:ln>
+        </p:spPr>
+        <p:style>
+          <a:lnRef idx="2">
+            <a:schemeClr val="accent1">
+              <a:shade val="50000"/>
+            </a:schemeClr>
+          </a:lnRef>
+          <a:fillRef idx="1">
+            <a:schemeClr val="accent1"/>
+          </a:fillRef>
+          <a:effectRef idx="0">
+            <a:schemeClr val="accent1"/>
+          </a:effectRef>
+          <a:fontRef idx="minor">
+            <a:schemeClr val="lt1"/>
+          </a:fontRef>
+        </p:style>
+        <p:txBody>
+          <a:bodyPr rtlCol="0" anchor="ctr"/>
+          <a:lstStyle/>
+          <a:p>
+            <a:pPr algn="ctr"/>
+            <a:r>
+              <a:rPr lang="ja-JP" altLang="en-US" sz="2400" dirty="0" smtClean="0">
+                <a:solidFill>
+                  <a:srgbClr val="607D8B"/>
+                </a:solidFill>
+                <a:latin typeface="Hiragino Sans W3" charset="-128"/>
+                <a:ea typeface="Hiragino Sans W3" charset="-128"/>
+                <a:cs typeface="Hiragino Sans W3" charset="-128"/>
+              </a:rPr>
+              <a:t>返却</a:t>
+            </a:r>
+            <a:endParaRPr kumimoji="1" lang="ja-JP" altLang="en-US" sz="2400" dirty="0">
+              <a:solidFill>
+                <a:srgbClr val="607D8B"/>
+              </a:solidFill>
+              <a:latin typeface="Hiragino Sans W3" charset="-128"/>
+              <a:ea typeface="Hiragino Sans W3" charset="-128"/>
+              <a:cs typeface="Hiragino Sans W3" charset="-128"/>
+            </a:endParaRPr>
+          </a:p>
+        </p:txBody>
+      </p:sp>
+      <p:sp>
+        <p:nvSpPr>
+          <p:cNvPr id="19" name="角丸四角形 18"/>
+          <p:cNvSpPr/>
+          <p:nvPr/>
+        </p:nvSpPr>
+        <p:spPr>
+          <a:xfrm>
+            <a:off x="6006800" y="3236857"/>
+            <a:ext cx="2508550" cy="619689"/>
+          </a:xfrm>
+          <a:prstGeom prst="roundRect">
+            <a:avLst>
+              <a:gd name="adj" fmla="val 9804"/>
+            </a:avLst>
+          </a:prstGeom>
+          <a:solidFill>
+            <a:srgbClr val="CFD8DC"/>
+          </a:solidFill>
+          <a:ln>
+            <a:noFill/>
+          </a:ln>
+        </p:spPr>
+        <p:style>
+          <a:lnRef idx="2">
+            <a:schemeClr val="accent1">
+              <a:shade val="50000"/>
+            </a:schemeClr>
+          </a:lnRef>
+          <a:fillRef idx="1">
+            <a:schemeClr val="accent1"/>
+          </a:fillRef>
+          <a:effectRef idx="0">
+            <a:schemeClr val="accent1"/>
+          </a:effectRef>
+          <a:fontRef idx="minor">
+            <a:schemeClr val="lt1"/>
+          </a:fontRef>
+        </p:style>
+        <p:txBody>
+          <a:bodyPr rtlCol="0" anchor="ctr"/>
+          <a:lstStyle/>
+          <a:p>
+            <a:pPr algn="ctr"/>
+            <a:r>
+              <a:rPr lang="ja-JP" altLang="en-US" sz="2400" dirty="0" smtClean="0">
+                <a:solidFill>
+                  <a:srgbClr val="607D8B"/>
+                </a:solidFill>
+                <a:latin typeface="Hiragino Sans W3" charset="-128"/>
+                <a:ea typeface="Hiragino Sans W3" charset="-128"/>
+                <a:cs typeface="Hiragino Sans W3" charset="-128"/>
+              </a:rPr>
+              <a:t>分析</a:t>
+            </a:r>
+            <a:endParaRPr kumimoji="1" lang="ja-JP" altLang="en-US" sz="2400" dirty="0">
+              <a:solidFill>
+                <a:srgbClr val="607D8B"/>
+              </a:solidFill>
+              <a:latin typeface="Hiragino Sans W3" charset="-128"/>
+              <a:ea typeface="Hiragino Sans W3" charset="-128"/>
+              <a:cs typeface="Hiragino Sans W3" charset="-128"/>
+            </a:endParaRPr>
+          </a:p>
+        </p:txBody>
+      </p:sp>
+      <p:sp>
+        <p:nvSpPr>
+          <p:cNvPr id="20" name="角丸四角形 19"/>
+          <p:cNvSpPr/>
+          <p:nvPr/>
+        </p:nvSpPr>
+        <p:spPr>
+          <a:xfrm>
+            <a:off x="6006797" y="4079201"/>
+            <a:ext cx="2508550" cy="619689"/>
+          </a:xfrm>
+          <a:prstGeom prst="roundRect">
+            <a:avLst>
+              <a:gd name="adj" fmla="val 9804"/>
+            </a:avLst>
+          </a:prstGeom>
+          <a:solidFill>
+            <a:srgbClr val="CFD8DC"/>
+          </a:solidFill>
+          <a:ln>
+            <a:noFill/>
+          </a:ln>
+        </p:spPr>
+        <p:style>
+          <a:lnRef idx="2">
+            <a:schemeClr val="accent1">
+              <a:shade val="50000"/>
+            </a:schemeClr>
+          </a:lnRef>
+          <a:fillRef idx="1">
+            <a:schemeClr val="accent1"/>
+          </a:fillRef>
+          <a:effectRef idx="0">
+            <a:schemeClr val="accent1"/>
+          </a:effectRef>
+          <a:fontRef idx="minor">
+            <a:schemeClr val="lt1"/>
+          </a:fontRef>
+        </p:style>
+        <p:txBody>
+          <a:bodyPr rtlCol="0" anchor="ctr"/>
+          <a:lstStyle/>
+          <a:p>
+            <a:pPr algn="ctr"/>
+            <a:r>
+              <a:rPr lang="ja-JP" altLang="en-US" sz="2400" dirty="0" smtClean="0">
+                <a:solidFill>
+                  <a:srgbClr val="607D8B"/>
+                </a:solidFill>
+                <a:latin typeface="Hiragino Sans W3" charset="-128"/>
+                <a:ea typeface="Hiragino Sans W3" charset="-128"/>
+                <a:cs typeface="Hiragino Sans W3" charset="-128"/>
+              </a:rPr>
+              <a:t>授業計画</a:t>
+            </a:r>
+            <a:endParaRPr kumimoji="1" lang="ja-JP" altLang="en-US" sz="2400" dirty="0">
+              <a:solidFill>
+                <a:srgbClr val="607D8B"/>
+              </a:solidFill>
+              <a:latin typeface="Hiragino Sans W3" charset="-128"/>
+              <a:ea typeface="Hiragino Sans W3" charset="-128"/>
+              <a:cs typeface="Hiragino Sans W3" charset="-128"/>
+            </a:endParaRPr>
+          </a:p>
+        </p:txBody>
+      </p:sp>
+    </p:spTree>
+    <p:extLst>
+      <p:ext uri="{BB962C8B-B14F-4D97-AF65-F5344CB8AC3E}">
+        <p14:creationId xmlns:p14="http://schemas.microsoft.com/office/powerpoint/2010/main" val="1368520165"/>
+      </p:ext>
+    </p:extLst>
+  </p:cSld>
+  <p:clrMapOvr>
+    <a:masterClrMapping/>
+  </p:clrMapOvr>
+</p:sld>
+</file>
+
+<file path=ppt/slides/slide7.xml><?xml version="1.0" encoding="utf-8"?>
+<p:sld xmlns:a="http://schemas.openxmlformats.org/drawingml/2006/main" xmlns:r="http://schemas.openxmlformats.org/officeDocument/2006/relationships" xmlns:p="http://schemas.openxmlformats.org/presentationml/2006/main">
+  <p:cSld>
+    <p:spTree>
+      <p:nvGrpSpPr>
+        <p:cNvPr id="1" name=""/>
+        <p:cNvGrpSpPr/>
+        <p:nvPr/>
+      </p:nvGrpSpPr>
+      <p:grpSpPr>
+        <a:xfrm>
+          <a:off x="0" y="0"/>
+          <a:ext cx="0" cy="0"/>
+          <a:chOff x="0" y="0"/>
+          <a:chExt cx="0" cy="0"/>
+        </a:xfrm>
+      </p:grpSpPr>
+      <p:sp>
+        <p:nvSpPr>
+          <p:cNvPr id="2" name="タイトル 1"/>
+          <p:cNvSpPr>
+            <a:spLocks noGrp="1"/>
+          </p:cNvSpPr>
+          <p:nvPr>
+            <p:ph type="title"/>
+          </p:nvPr>
+        </p:nvSpPr>
+        <p:spPr/>
+        <p:txBody>
+          <a:bodyPr>
+            <a:normAutofit fontScale="90000"/>
+          </a:bodyPr>
+          <a:lstStyle/>
+          <a:p>
+            <a:r>
+              <a:rPr kumimoji="1" lang="ja-JP" altLang="en-US" dirty="0" smtClean="0"/>
+              <a:t>背景</a:t>
+            </a:r>
+            <a:endParaRPr kumimoji="1" lang="ja-JP" altLang="en-US" dirty="0"/>
+          </a:p>
+        </p:txBody>
+      </p:sp>
+      <p:sp>
+        <p:nvSpPr>
+          <p:cNvPr id="4" name="スライド番号プレースホルダー 3"/>
+          <p:cNvSpPr>
+            <a:spLocks noGrp="1"/>
+          </p:cNvSpPr>
+          <p:nvPr>
+            <p:ph type="sldNum" sz="quarter" idx="12"/>
+          </p:nvPr>
+        </p:nvSpPr>
+        <p:spPr/>
+        <p:txBody>
+          <a:bodyPr/>
+          <a:lstStyle/>
+          <a:p>
+            <a:r>
+              <a:rPr lang="en-US" altLang="ja-JP" smtClean="0"/>
+              <a:t>#</a:t>
+            </a:r>
+            <a:fld id="{F281072A-F9EF-F645-A589-9593A608EAA6}" type="slidenum">
+              <a:rPr lang="en-US" altLang="ja-JP" smtClean="0"/>
+              <a:pPr/>
+              <a:t>7</a:t>
+            </a:fld>
+            <a:endParaRPr lang="ja-JP" altLang="en-US" dirty="0"/>
+          </a:p>
+        </p:txBody>
+      </p:sp>
+      <p:sp>
+        <p:nvSpPr>
+          <p:cNvPr id="6" name="正方形/長方形 5"/>
+          <p:cNvSpPr/>
+          <p:nvPr/>
+        </p:nvSpPr>
+        <p:spPr>
+          <a:xfrm>
+            <a:off x="634701" y="1257456"/>
+            <a:ext cx="7880649" cy="914400"/>
+          </a:xfrm>
+          <a:prstGeom prst="rect">
+            <a:avLst/>
+          </a:prstGeom>
+          <a:noFill/>
+          <a:ln w="28575">
+            <a:solidFill>
+              <a:srgbClr val="607D8B"/>
+            </a:solidFill>
+          </a:ln>
+        </p:spPr>
+        <p:style>
+          <a:lnRef idx="2">
+            <a:schemeClr val="accent1">
+              <a:shade val="50000"/>
+            </a:schemeClr>
+          </a:lnRef>
+          <a:fillRef idx="1">
+            <a:schemeClr val="accent1"/>
+          </a:fillRef>
+          <a:effectRef idx="0">
+            <a:schemeClr val="accent1"/>
+          </a:effectRef>
+          <a:fontRef idx="minor">
+            <a:schemeClr val="lt1"/>
+          </a:fontRef>
+        </p:style>
+        <p:txBody>
+          <a:bodyPr rtlCol="0" anchor="ctr"/>
+          <a:lstStyle/>
+          <a:p>
+            <a:pPr algn="ctr"/>
+            <a:r>
+              <a:rPr kumimoji="1" lang="ja-JP" altLang="en-US" sz="3200" dirty="0" smtClean="0">
+                <a:solidFill>
+                  <a:srgbClr val="607D8B"/>
+                </a:solidFill>
+                <a:latin typeface="Hiragino Sans W3" charset="-128"/>
+                <a:ea typeface="Hiragino Sans W3" charset="-128"/>
+                <a:cs typeface="Hiragino Sans W3" charset="-128"/>
+              </a:rPr>
+              <a:t>小テストの実施</a:t>
+            </a:r>
+            <a:endParaRPr kumimoji="1" lang="ja-JP" altLang="en-US" sz="3200" dirty="0">
+              <a:solidFill>
+                <a:srgbClr val="607D8B"/>
+              </a:solidFill>
+              <a:latin typeface="Hiragino Sans W3" charset="-128"/>
+              <a:ea typeface="Hiragino Sans W3" charset="-128"/>
+              <a:cs typeface="Hiragino Sans W3" charset="-128"/>
+            </a:endParaRPr>
+          </a:p>
+        </p:txBody>
+      </p:sp>
+      <p:sp>
+        <p:nvSpPr>
+          <p:cNvPr id="8" name="角丸四角形 7"/>
+          <p:cNvSpPr/>
+          <p:nvPr/>
+        </p:nvSpPr>
+        <p:spPr>
+          <a:xfrm>
+            <a:off x="634701" y="2394514"/>
+            <a:ext cx="2508550" cy="619689"/>
+          </a:xfrm>
+          <a:prstGeom prst="roundRect">
+            <a:avLst>
+              <a:gd name="adj" fmla="val 9804"/>
+            </a:avLst>
+          </a:prstGeom>
+          <a:solidFill>
+            <a:srgbClr val="EC4079"/>
+          </a:solidFill>
+          <a:ln>
+            <a:noFill/>
+          </a:ln>
+        </p:spPr>
+        <p:style>
+          <a:lnRef idx="2">
+            <a:schemeClr val="accent1">
+              <a:shade val="50000"/>
+            </a:schemeClr>
+          </a:lnRef>
+          <a:fillRef idx="1">
+            <a:schemeClr val="accent1"/>
+          </a:fillRef>
+          <a:effectRef idx="0">
+            <a:schemeClr val="accent1"/>
+          </a:effectRef>
+          <a:fontRef idx="minor">
+            <a:schemeClr val="lt1"/>
+          </a:fontRef>
+        </p:style>
+        <p:txBody>
+          <a:bodyPr rtlCol="0" anchor="ctr"/>
+          <a:lstStyle/>
+          <a:p>
+            <a:pPr algn="ctr"/>
+            <a:r>
+              <a:rPr kumimoji="1" lang="ja-JP" altLang="en-US" sz="2400" dirty="0" smtClean="0">
+                <a:solidFill>
+                  <a:srgbClr val="ECEFF1"/>
+                </a:solidFill>
+                <a:latin typeface="Hiragino Sans W3" charset="-128"/>
+                <a:ea typeface="Hiragino Sans W3" charset="-128"/>
+                <a:cs typeface="Hiragino Sans W3" charset="-128"/>
+              </a:rPr>
+              <a:t>問題作成</a:t>
+            </a:r>
+            <a:endParaRPr kumimoji="1" lang="ja-JP" altLang="en-US" sz="2400" dirty="0">
+              <a:solidFill>
+                <a:srgbClr val="ECEFF1"/>
+              </a:solidFill>
+              <a:latin typeface="Hiragino Sans W3" charset="-128"/>
+              <a:ea typeface="Hiragino Sans W3" charset="-128"/>
+              <a:cs typeface="Hiragino Sans W3" charset="-128"/>
+            </a:endParaRPr>
+          </a:p>
+        </p:txBody>
+      </p:sp>
+      <p:sp>
+        <p:nvSpPr>
+          <p:cNvPr id="9" name="角丸四角形 8"/>
+          <p:cNvSpPr/>
+          <p:nvPr/>
+        </p:nvSpPr>
+        <p:spPr>
+          <a:xfrm>
+            <a:off x="634701" y="3236861"/>
+            <a:ext cx="2508550" cy="619689"/>
+          </a:xfrm>
+          <a:prstGeom prst="roundRect">
+            <a:avLst>
+              <a:gd name="adj" fmla="val 9804"/>
+            </a:avLst>
+          </a:prstGeom>
+          <a:solidFill>
+            <a:srgbClr val="EC4079"/>
+          </a:solidFill>
+          <a:ln>
+            <a:noFill/>
+          </a:ln>
+        </p:spPr>
+        <p:style>
+          <a:lnRef idx="2">
+            <a:schemeClr val="accent1">
+              <a:shade val="50000"/>
+            </a:schemeClr>
+          </a:lnRef>
+          <a:fillRef idx="1">
+            <a:schemeClr val="accent1"/>
+          </a:fillRef>
+          <a:effectRef idx="0">
+            <a:schemeClr val="accent1"/>
+          </a:effectRef>
+          <a:fontRef idx="minor">
+            <a:schemeClr val="lt1"/>
+          </a:fontRef>
+        </p:style>
+        <p:txBody>
+          <a:bodyPr rtlCol="0" anchor="ctr"/>
+          <a:lstStyle/>
+          <a:p>
+            <a:pPr algn="ctr"/>
+            <a:r>
+              <a:rPr lang="ja-JP" altLang="en-US" sz="2400" dirty="0" smtClean="0">
+                <a:solidFill>
+                  <a:srgbClr val="ECEFF1"/>
+                </a:solidFill>
+                <a:latin typeface="Hiragino Sans W3" charset="-128"/>
+                <a:ea typeface="Hiragino Sans W3" charset="-128"/>
+                <a:cs typeface="Hiragino Sans W3" charset="-128"/>
+              </a:rPr>
+              <a:t>印刷</a:t>
+            </a:r>
+            <a:endParaRPr kumimoji="1" lang="ja-JP" altLang="en-US" sz="2400" dirty="0">
+              <a:solidFill>
+                <a:srgbClr val="ECEFF1"/>
+              </a:solidFill>
+              <a:latin typeface="Hiragino Sans W3" charset="-128"/>
+              <a:ea typeface="Hiragino Sans W3" charset="-128"/>
+              <a:cs typeface="Hiragino Sans W3" charset="-128"/>
+            </a:endParaRPr>
+          </a:p>
+        </p:txBody>
+      </p:sp>
+      <p:sp>
+        <p:nvSpPr>
+          <p:cNvPr id="10" name="角丸四角形 9"/>
+          <p:cNvSpPr/>
+          <p:nvPr/>
+        </p:nvSpPr>
+        <p:spPr>
+          <a:xfrm>
+            <a:off x="6006800" y="2394513"/>
+            <a:ext cx="2508550" cy="619689"/>
+          </a:xfrm>
+          <a:prstGeom prst="roundRect">
+            <a:avLst>
+              <a:gd name="adj" fmla="val 9804"/>
+            </a:avLst>
+          </a:prstGeom>
+          <a:solidFill>
+            <a:srgbClr val="EC4079"/>
+          </a:solidFill>
+          <a:ln>
+            <a:noFill/>
+          </a:ln>
+        </p:spPr>
+        <p:style>
+          <a:lnRef idx="2">
+            <a:schemeClr val="accent1">
+              <a:shade val="50000"/>
+            </a:schemeClr>
+          </a:lnRef>
+          <a:fillRef idx="1">
+            <a:schemeClr val="accent1"/>
+          </a:fillRef>
+          <a:effectRef idx="0">
+            <a:schemeClr val="accent1"/>
+          </a:effectRef>
+          <a:fontRef idx="minor">
+            <a:schemeClr val="lt1"/>
+          </a:fontRef>
+        </p:style>
+        <p:txBody>
+          <a:bodyPr rtlCol="0" anchor="ctr"/>
+          <a:lstStyle/>
+          <a:p>
+            <a:pPr algn="ctr"/>
+            <a:r>
+              <a:rPr lang="ja-JP" altLang="en-US" sz="2400" dirty="0" smtClean="0">
+                <a:solidFill>
+                  <a:srgbClr val="ECEFF1"/>
+                </a:solidFill>
+                <a:latin typeface="Hiragino Sans W3" charset="-128"/>
+                <a:ea typeface="Hiragino Sans W3" charset="-128"/>
+                <a:cs typeface="Hiragino Sans W3" charset="-128"/>
+              </a:rPr>
+              <a:t>統計</a:t>
+            </a:r>
+            <a:endParaRPr kumimoji="1" lang="ja-JP" altLang="en-US" sz="2400" dirty="0">
+              <a:solidFill>
+                <a:srgbClr val="ECEFF1"/>
+              </a:solidFill>
+              <a:latin typeface="Hiragino Sans W3" charset="-128"/>
+              <a:ea typeface="Hiragino Sans W3" charset="-128"/>
+              <a:cs typeface="Hiragino Sans W3" charset="-128"/>
+            </a:endParaRPr>
+          </a:p>
+        </p:txBody>
+      </p:sp>
+      <p:sp>
+        <p:nvSpPr>
+          <p:cNvPr id="11" name="正方形/長方形 10"/>
+          <p:cNvSpPr/>
+          <p:nvPr/>
+        </p:nvSpPr>
+        <p:spPr>
+          <a:xfrm>
+            <a:off x="3252572" y="5190794"/>
+            <a:ext cx="2576727" cy="192418"/>
+          </a:xfrm>
+          <a:prstGeom prst="rect">
+            <a:avLst/>
+          </a:prstGeom>
+          <a:solidFill>
+            <a:srgbClr val="FFE082"/>
+          </a:solidFill>
+          <a:ln>
+            <a:noFill/>
+          </a:ln>
+        </p:spPr>
+        <p:style>
+          <a:lnRef idx="2">
+            <a:schemeClr val="accent1">
+              <a:shade val="50000"/>
+            </a:schemeClr>
+          </a:lnRef>
+          <a:fillRef idx="1">
+            <a:schemeClr val="accent1"/>
+          </a:fillRef>
+          <a:effectRef idx="0">
+            <a:schemeClr val="accent1"/>
+          </a:effectRef>
+          <a:fontRef idx="minor">
+            <a:schemeClr val="lt1"/>
+          </a:fontRef>
+        </p:style>
+        <p:txBody>
+          <a:bodyPr rtlCol="0" anchor="ctr"/>
+          <a:lstStyle/>
+          <a:p>
+            <a:pPr algn="ctr"/>
+            <a:endParaRPr kumimoji="1" lang="ja-JP" altLang="en-US"/>
+          </a:p>
+        </p:txBody>
+      </p:sp>
+      <p:sp>
+        <p:nvSpPr>
+          <p:cNvPr id="12" name="テキスト ボックス 11"/>
+          <p:cNvSpPr txBox="1"/>
+          <p:nvPr/>
+        </p:nvSpPr>
+        <p:spPr>
+          <a:xfrm>
+            <a:off x="3286167" y="4921547"/>
+            <a:ext cx="2543132" cy="461665"/>
+          </a:xfrm>
+          <a:prstGeom prst="rect">
+            <a:avLst/>
+          </a:prstGeom>
+          <a:noFill/>
+        </p:spPr>
+        <p:txBody>
+          <a:bodyPr wrap="square" rtlCol="0">
+            <a:spAutoFit/>
+          </a:bodyPr>
+          <a:lstStyle/>
+          <a:p>
+            <a:pPr algn="ctr"/>
+            <a:r>
+              <a:rPr lang="ja-JP" altLang="en-US" sz="2400" b="1" dirty="0" smtClean="0">
+                <a:solidFill>
+                  <a:srgbClr val="EC407A"/>
+                </a:solidFill>
+                <a:latin typeface="Hiragino Sans W6" charset="-128"/>
+                <a:ea typeface="Hiragino Sans W6" charset="-128"/>
+                <a:cs typeface="Hiragino Sans W6" charset="-128"/>
+              </a:rPr>
+              <a:t>給料が出ない</a:t>
+            </a:r>
+            <a:endParaRPr kumimoji="1" lang="ja-JP" altLang="en-US" sz="2400" b="1" dirty="0">
+              <a:solidFill>
+                <a:srgbClr val="EC407A"/>
+              </a:solidFill>
+              <a:latin typeface="Hiragino Sans W6" charset="-128"/>
+              <a:ea typeface="Hiragino Sans W6" charset="-128"/>
+              <a:cs typeface="Hiragino Sans W6" charset="-128"/>
+            </a:endParaRPr>
+          </a:p>
+        </p:txBody>
+      </p:sp>
+      <p:sp>
+        <p:nvSpPr>
+          <p:cNvPr id="15" name="角丸四角形 14"/>
+          <p:cNvSpPr/>
+          <p:nvPr/>
+        </p:nvSpPr>
+        <p:spPr>
+          <a:xfrm>
+            <a:off x="634701" y="4079208"/>
+            <a:ext cx="2508550" cy="619689"/>
+          </a:xfrm>
+          <a:prstGeom prst="roundRect">
+            <a:avLst>
+              <a:gd name="adj" fmla="val 9804"/>
+            </a:avLst>
+          </a:prstGeom>
+          <a:solidFill>
+            <a:srgbClr val="CFD8DC"/>
+          </a:solidFill>
+          <a:ln>
+            <a:noFill/>
+          </a:ln>
+        </p:spPr>
+        <p:style>
+          <a:lnRef idx="2">
+            <a:schemeClr val="accent1">
+              <a:shade val="50000"/>
+            </a:schemeClr>
+          </a:lnRef>
+          <a:fillRef idx="1">
+            <a:schemeClr val="accent1"/>
+          </a:fillRef>
+          <a:effectRef idx="0">
+            <a:schemeClr val="accent1"/>
+          </a:effectRef>
+          <a:fontRef idx="minor">
+            <a:schemeClr val="lt1"/>
+          </a:fontRef>
+        </p:style>
+        <p:txBody>
+          <a:bodyPr rtlCol="0" anchor="ctr"/>
+          <a:lstStyle/>
+          <a:p>
+            <a:pPr algn="ctr"/>
+            <a:r>
+              <a:rPr lang="ja-JP" altLang="en-US" sz="2400" dirty="0" smtClean="0">
+                <a:solidFill>
+                  <a:srgbClr val="607D8B"/>
+                </a:solidFill>
+                <a:latin typeface="Hiragino Sans W3" charset="-128"/>
+                <a:ea typeface="Hiragino Sans W3" charset="-128"/>
+                <a:cs typeface="Hiragino Sans W3" charset="-128"/>
+              </a:rPr>
+              <a:t>配布</a:t>
+            </a:r>
+            <a:endParaRPr kumimoji="1" lang="ja-JP" altLang="en-US" sz="2400" dirty="0">
+              <a:solidFill>
+                <a:srgbClr val="607D8B"/>
+              </a:solidFill>
+              <a:latin typeface="Hiragino Sans W3" charset="-128"/>
+              <a:ea typeface="Hiragino Sans W3" charset="-128"/>
+              <a:cs typeface="Hiragino Sans W3" charset="-128"/>
+            </a:endParaRPr>
+          </a:p>
+        </p:txBody>
+      </p:sp>
+      <p:sp>
+        <p:nvSpPr>
+          <p:cNvPr id="16" name="角丸四角形 15"/>
+          <p:cNvSpPr/>
+          <p:nvPr/>
+        </p:nvSpPr>
+        <p:spPr>
+          <a:xfrm>
+            <a:off x="3320749" y="2394512"/>
+            <a:ext cx="2508550" cy="619689"/>
+          </a:xfrm>
+          <a:prstGeom prst="roundRect">
+            <a:avLst>
+              <a:gd name="adj" fmla="val 9804"/>
+            </a:avLst>
+          </a:prstGeom>
+          <a:solidFill>
+            <a:srgbClr val="CFD8DC"/>
+          </a:solidFill>
+          <a:ln>
+            <a:noFill/>
+          </a:ln>
+        </p:spPr>
+        <p:style>
+          <a:lnRef idx="2">
+            <a:schemeClr val="accent1">
+              <a:shade val="50000"/>
+            </a:schemeClr>
+          </a:lnRef>
+          <a:fillRef idx="1">
+            <a:schemeClr val="accent1"/>
+          </a:fillRef>
+          <a:effectRef idx="0">
+            <a:schemeClr val="accent1"/>
+          </a:effectRef>
+          <a:fontRef idx="minor">
+            <a:schemeClr val="lt1"/>
+          </a:fontRef>
+        </p:style>
+        <p:txBody>
+          <a:bodyPr rtlCol="0" anchor="ctr"/>
+          <a:lstStyle/>
+          <a:p>
+            <a:pPr algn="ctr"/>
+            <a:r>
+              <a:rPr lang="ja-JP" altLang="en-US" sz="2400" dirty="0" smtClean="0">
+                <a:solidFill>
+                  <a:srgbClr val="607D8B"/>
+                </a:solidFill>
+                <a:latin typeface="Hiragino Sans W3" charset="-128"/>
+                <a:ea typeface="Hiragino Sans W3" charset="-128"/>
+                <a:cs typeface="Hiragino Sans W3" charset="-128"/>
+              </a:rPr>
+              <a:t>回収</a:t>
+            </a:r>
+            <a:endParaRPr kumimoji="1" lang="ja-JP" altLang="en-US" sz="2400" dirty="0">
+              <a:solidFill>
+                <a:srgbClr val="607D8B"/>
+              </a:solidFill>
+              <a:latin typeface="Hiragino Sans W3" charset="-128"/>
+              <a:ea typeface="Hiragino Sans W3" charset="-128"/>
+              <a:cs typeface="Hiragino Sans W3" charset="-128"/>
+            </a:endParaRPr>
+          </a:p>
+        </p:txBody>
+      </p:sp>
+      <p:sp>
+        <p:nvSpPr>
+          <p:cNvPr id="17" name="角丸四角形 16"/>
+          <p:cNvSpPr/>
+          <p:nvPr/>
+        </p:nvSpPr>
+        <p:spPr>
+          <a:xfrm>
+            <a:off x="3320749" y="3236857"/>
+            <a:ext cx="2508550" cy="619689"/>
+          </a:xfrm>
+          <a:prstGeom prst="roundRect">
+            <a:avLst>
+              <a:gd name="adj" fmla="val 9804"/>
+            </a:avLst>
+          </a:prstGeom>
+          <a:solidFill>
+            <a:srgbClr val="CFD8DC"/>
+          </a:solidFill>
+          <a:ln>
+            <a:noFill/>
+          </a:ln>
+        </p:spPr>
+        <p:style>
+          <a:lnRef idx="2">
+            <a:schemeClr val="accent1">
+              <a:shade val="50000"/>
+            </a:schemeClr>
+          </a:lnRef>
+          <a:fillRef idx="1">
+            <a:schemeClr val="accent1"/>
+          </a:fillRef>
+          <a:effectRef idx="0">
+            <a:schemeClr val="accent1"/>
+          </a:effectRef>
+          <a:fontRef idx="minor">
+            <a:schemeClr val="lt1"/>
+          </a:fontRef>
+        </p:style>
+        <p:txBody>
+          <a:bodyPr rtlCol="0" anchor="ctr"/>
+          <a:lstStyle/>
+          <a:p>
+            <a:pPr algn="ctr"/>
+            <a:r>
+              <a:rPr lang="ja-JP" altLang="en-US" sz="2400" dirty="0" smtClean="0">
+                <a:solidFill>
+                  <a:srgbClr val="607D8B"/>
+                </a:solidFill>
+                <a:latin typeface="Hiragino Sans W3" charset="-128"/>
+                <a:ea typeface="Hiragino Sans W3" charset="-128"/>
+                <a:cs typeface="Hiragino Sans W3" charset="-128"/>
+              </a:rPr>
+              <a:t>採点</a:t>
+            </a:r>
+            <a:endParaRPr kumimoji="1" lang="ja-JP" altLang="en-US" sz="2400" dirty="0">
+              <a:solidFill>
+                <a:srgbClr val="607D8B"/>
+              </a:solidFill>
+              <a:latin typeface="Hiragino Sans W3" charset="-128"/>
+              <a:ea typeface="Hiragino Sans W3" charset="-128"/>
+              <a:cs typeface="Hiragino Sans W3" charset="-128"/>
+            </a:endParaRPr>
+          </a:p>
+        </p:txBody>
+      </p:sp>
+      <p:sp>
+        <p:nvSpPr>
+          <p:cNvPr id="18" name="角丸四角形 17"/>
+          <p:cNvSpPr/>
+          <p:nvPr/>
+        </p:nvSpPr>
+        <p:spPr>
+          <a:xfrm>
+            <a:off x="3320749" y="4079202"/>
+            <a:ext cx="2508550" cy="619689"/>
+          </a:xfrm>
+          <a:prstGeom prst="roundRect">
+            <a:avLst>
+              <a:gd name="adj" fmla="val 9804"/>
+            </a:avLst>
+          </a:prstGeom>
+          <a:solidFill>
+            <a:srgbClr val="CFD8DC"/>
+          </a:solidFill>
+          <a:ln>
+            <a:noFill/>
+          </a:ln>
+        </p:spPr>
+        <p:style>
+          <a:lnRef idx="2">
+            <a:schemeClr val="accent1">
+              <a:shade val="50000"/>
+            </a:schemeClr>
+          </a:lnRef>
+          <a:fillRef idx="1">
+            <a:schemeClr val="accent1"/>
+          </a:fillRef>
+          <a:effectRef idx="0">
+            <a:schemeClr val="accent1"/>
+          </a:effectRef>
+          <a:fontRef idx="minor">
+            <a:schemeClr val="lt1"/>
+          </a:fontRef>
+        </p:style>
+        <p:txBody>
+          <a:bodyPr rtlCol="0" anchor="ctr"/>
+          <a:lstStyle/>
+          <a:p>
+            <a:pPr algn="ctr"/>
+            <a:r>
+              <a:rPr lang="ja-JP" altLang="en-US" sz="2400" dirty="0" smtClean="0">
+                <a:solidFill>
+                  <a:srgbClr val="607D8B"/>
+                </a:solidFill>
+                <a:latin typeface="Hiragino Sans W3" charset="-128"/>
+                <a:ea typeface="Hiragino Sans W3" charset="-128"/>
+                <a:cs typeface="Hiragino Sans W3" charset="-128"/>
+              </a:rPr>
+              <a:t>返却</a:t>
+            </a:r>
+            <a:endParaRPr kumimoji="1" lang="ja-JP" altLang="en-US" sz="2400" dirty="0">
+              <a:solidFill>
+                <a:srgbClr val="607D8B"/>
+              </a:solidFill>
+              <a:latin typeface="Hiragino Sans W3" charset="-128"/>
+              <a:ea typeface="Hiragino Sans W3" charset="-128"/>
+              <a:cs typeface="Hiragino Sans W3" charset="-128"/>
+            </a:endParaRPr>
+          </a:p>
+        </p:txBody>
+      </p:sp>
+      <p:sp>
+        <p:nvSpPr>
+          <p:cNvPr id="19" name="角丸四角形 18"/>
+          <p:cNvSpPr/>
+          <p:nvPr/>
+        </p:nvSpPr>
+        <p:spPr>
+          <a:xfrm>
+            <a:off x="6006800" y="3236857"/>
+            <a:ext cx="2508550" cy="619689"/>
+          </a:xfrm>
+          <a:prstGeom prst="roundRect">
+            <a:avLst>
+              <a:gd name="adj" fmla="val 9804"/>
+            </a:avLst>
+          </a:prstGeom>
+          <a:solidFill>
+            <a:srgbClr val="EC4079"/>
+          </a:solidFill>
+          <a:ln>
+            <a:noFill/>
+          </a:ln>
+        </p:spPr>
+        <p:style>
+          <a:lnRef idx="2">
+            <a:schemeClr val="accent1">
+              <a:shade val="50000"/>
+            </a:schemeClr>
+          </a:lnRef>
+          <a:fillRef idx="1">
+            <a:schemeClr val="accent1"/>
+          </a:fillRef>
+          <a:effectRef idx="0">
+            <a:schemeClr val="accent1"/>
+          </a:effectRef>
+          <a:fontRef idx="minor">
+            <a:schemeClr val="lt1"/>
+          </a:fontRef>
+        </p:style>
+        <p:txBody>
+          <a:bodyPr rtlCol="0" anchor="ctr"/>
+          <a:lstStyle/>
+          <a:p>
+            <a:pPr algn="ctr"/>
+            <a:r>
+              <a:rPr lang="ja-JP" altLang="en-US" sz="2400" dirty="0" smtClean="0">
+                <a:solidFill>
+                  <a:srgbClr val="ECEFF1"/>
+                </a:solidFill>
+                <a:latin typeface="Hiragino Sans W3" charset="-128"/>
+                <a:ea typeface="Hiragino Sans W3" charset="-128"/>
+                <a:cs typeface="Hiragino Sans W3" charset="-128"/>
+              </a:rPr>
+              <a:t>分析</a:t>
+            </a:r>
+            <a:endParaRPr kumimoji="1" lang="ja-JP" altLang="en-US" sz="2400" dirty="0">
+              <a:solidFill>
+                <a:srgbClr val="ECEFF1"/>
+              </a:solidFill>
+              <a:latin typeface="Hiragino Sans W3" charset="-128"/>
+              <a:ea typeface="Hiragino Sans W3" charset="-128"/>
+              <a:cs typeface="Hiragino Sans W3" charset="-128"/>
+            </a:endParaRPr>
+          </a:p>
+        </p:txBody>
+      </p:sp>
+      <p:sp>
+        <p:nvSpPr>
+          <p:cNvPr id="20" name="角丸四角形 19"/>
+          <p:cNvSpPr/>
+          <p:nvPr/>
+        </p:nvSpPr>
+        <p:spPr>
+          <a:xfrm>
+            <a:off x="6006797" y="4079201"/>
+            <a:ext cx="2508550" cy="619689"/>
+          </a:xfrm>
+          <a:prstGeom prst="roundRect">
+            <a:avLst>
+              <a:gd name="adj" fmla="val 9804"/>
+            </a:avLst>
+          </a:prstGeom>
+          <a:solidFill>
+            <a:srgbClr val="EC4079"/>
+          </a:solidFill>
+          <a:ln>
+            <a:noFill/>
+          </a:ln>
+        </p:spPr>
+        <p:style>
+          <a:lnRef idx="2">
+            <a:schemeClr val="accent1">
+              <a:shade val="50000"/>
+            </a:schemeClr>
+          </a:lnRef>
+          <a:fillRef idx="1">
+            <a:schemeClr val="accent1"/>
+          </a:fillRef>
+          <a:effectRef idx="0">
+            <a:schemeClr val="accent1"/>
+          </a:effectRef>
+          <a:fontRef idx="minor">
+            <a:schemeClr val="lt1"/>
+          </a:fontRef>
+        </p:style>
+        <p:txBody>
+          <a:bodyPr rtlCol="0" anchor="ctr"/>
+          <a:lstStyle/>
+          <a:p>
+            <a:pPr algn="ctr"/>
+            <a:r>
+              <a:rPr lang="ja-JP" altLang="en-US" sz="2400" dirty="0" smtClean="0">
+                <a:solidFill>
+                  <a:srgbClr val="ECEFF1"/>
+                </a:solidFill>
+                <a:latin typeface="Hiragino Sans W3" charset="-128"/>
+                <a:ea typeface="Hiragino Sans W3" charset="-128"/>
+                <a:cs typeface="Hiragino Sans W3" charset="-128"/>
+              </a:rPr>
+              <a:t>授業計画</a:t>
+            </a:r>
+            <a:endParaRPr kumimoji="1" lang="ja-JP" altLang="en-US" sz="2400" dirty="0">
+              <a:solidFill>
+                <a:srgbClr val="ECEFF1"/>
+              </a:solidFill>
+              <a:latin typeface="Hiragino Sans W3" charset="-128"/>
+              <a:ea typeface="Hiragino Sans W3" charset="-128"/>
+              <a:cs typeface="Hiragino Sans W3" charset="-128"/>
+            </a:endParaRPr>
+          </a:p>
+        </p:txBody>
+      </p:sp>
+    </p:spTree>
+    <p:extLst>
+      <p:ext uri="{BB962C8B-B14F-4D97-AF65-F5344CB8AC3E}">
+        <p14:creationId xmlns:p14="http://schemas.microsoft.com/office/powerpoint/2010/main" val="1194091215"/>
+      </p:ext>
+    </p:extLst>
+  </p:cSld>
+  <p:clrMapOvr>
+    <a:masterClrMapping/>
+  </p:clrMapOvr>
+</p:sld>
+</file>
+
+<file path=ppt/slides/slide8.xml><?xml version="1.0" encoding="utf-8"?>
+<p:sld xmlns:a="http://schemas.openxmlformats.org/drawingml/2006/main" xmlns:r="http://schemas.openxmlformats.org/officeDocument/2006/relationships" xmlns:p="http://schemas.openxmlformats.org/presentationml/2006/main">
+  <p:cSld>
+    <p:spTree>
+      <p:nvGrpSpPr>
+        <p:cNvPr id="1" name=""/>
+        <p:cNvGrpSpPr/>
+        <p:nvPr/>
+      </p:nvGrpSpPr>
+      <p:grpSpPr>
+        <a:xfrm>
+          <a:off x="0" y="0"/>
+          <a:ext cx="0" cy="0"/>
+          <a:chOff x="0" y="0"/>
+          <a:chExt cx="0" cy="0"/>
+        </a:xfrm>
+      </p:grpSpPr>
+      <p:sp>
+        <p:nvSpPr>
+          <p:cNvPr id="2" name="タイトル 1"/>
+          <p:cNvSpPr>
+            <a:spLocks noGrp="1"/>
+          </p:cNvSpPr>
+          <p:nvPr>
+            <p:ph type="title"/>
+          </p:nvPr>
+        </p:nvSpPr>
+        <p:spPr/>
+        <p:txBody>
+          <a:bodyPr>
+            <a:normAutofit fontScale="90000"/>
+          </a:bodyPr>
+          <a:lstStyle/>
+          <a:p>
+            <a:r>
+              <a:rPr kumimoji="1" lang="ja-JP" altLang="en-US" dirty="0" smtClean="0"/>
+              <a:t>背景</a:t>
+            </a:r>
+            <a:endParaRPr kumimoji="1" lang="ja-JP" altLang="en-US" dirty="0"/>
+          </a:p>
+        </p:txBody>
+      </p:sp>
+      <p:sp>
+        <p:nvSpPr>
+          <p:cNvPr id="4" name="スライド番号プレースホルダー 3"/>
+          <p:cNvSpPr>
+            <a:spLocks noGrp="1"/>
+          </p:cNvSpPr>
+          <p:nvPr>
+            <p:ph type="sldNum" sz="quarter" idx="12"/>
+          </p:nvPr>
+        </p:nvSpPr>
+        <p:spPr/>
+        <p:txBody>
+          <a:bodyPr/>
+          <a:lstStyle/>
+          <a:p>
+            <a:r>
+              <a:rPr lang="en-US" altLang="ja-JP" smtClean="0"/>
+              <a:t>#</a:t>
+            </a:r>
+            <a:fld id="{F281072A-F9EF-F645-A589-9593A608EAA6}" type="slidenum">
+              <a:rPr lang="en-US" altLang="ja-JP" smtClean="0"/>
+              <a:pPr/>
+              <a:t>8</a:t>
+            </a:fld>
+            <a:endParaRPr lang="ja-JP" altLang="en-US" dirty="0"/>
+          </a:p>
+        </p:txBody>
+      </p:sp>
+      <p:sp>
+        <p:nvSpPr>
+          <p:cNvPr id="6" name="正方形/長方形 5"/>
+          <p:cNvSpPr/>
+          <p:nvPr/>
+        </p:nvSpPr>
+        <p:spPr>
+          <a:xfrm>
+            <a:off x="634701" y="1257456"/>
+            <a:ext cx="7880649" cy="914400"/>
+          </a:xfrm>
+          <a:prstGeom prst="rect">
+            <a:avLst/>
+          </a:prstGeom>
+          <a:noFill/>
+          <a:ln w="28575">
+            <a:solidFill>
+              <a:srgbClr val="607D8B"/>
+            </a:solidFill>
+          </a:ln>
+        </p:spPr>
+        <p:style>
+          <a:lnRef idx="2">
+            <a:schemeClr val="accent1">
+              <a:shade val="50000"/>
+            </a:schemeClr>
+          </a:lnRef>
+          <a:fillRef idx="1">
+            <a:schemeClr val="accent1"/>
+          </a:fillRef>
+          <a:effectRef idx="0">
+            <a:schemeClr val="accent1"/>
+          </a:effectRef>
+          <a:fontRef idx="minor">
+            <a:schemeClr val="lt1"/>
+          </a:fontRef>
+        </p:style>
+        <p:txBody>
+          <a:bodyPr rtlCol="0" anchor="ctr"/>
+          <a:lstStyle/>
+          <a:p>
+            <a:pPr algn="ctr"/>
+            <a:r>
+              <a:rPr kumimoji="1" lang="ja-JP" altLang="en-US" sz="3200" dirty="0" smtClean="0">
+                <a:solidFill>
+                  <a:srgbClr val="607D8B"/>
+                </a:solidFill>
+                <a:latin typeface="Hiragino Sans W3" charset="-128"/>
+                <a:ea typeface="Hiragino Sans W3" charset="-128"/>
+                <a:cs typeface="Hiragino Sans W3" charset="-128"/>
+              </a:rPr>
+              <a:t>小テストの実施</a:t>
+            </a:r>
+            <a:endParaRPr kumimoji="1" lang="ja-JP" altLang="en-US" sz="3200" dirty="0">
+              <a:solidFill>
+                <a:srgbClr val="607D8B"/>
+              </a:solidFill>
+              <a:latin typeface="Hiragino Sans W3" charset="-128"/>
+              <a:ea typeface="Hiragino Sans W3" charset="-128"/>
+              <a:cs typeface="Hiragino Sans W3" charset="-128"/>
+            </a:endParaRPr>
+          </a:p>
+        </p:txBody>
+      </p:sp>
+      <p:sp>
+        <p:nvSpPr>
+          <p:cNvPr id="8" name="角丸四角形 7"/>
+          <p:cNvSpPr/>
+          <p:nvPr/>
+        </p:nvSpPr>
+        <p:spPr>
+          <a:xfrm>
+            <a:off x="634701" y="2394514"/>
+            <a:ext cx="2508550" cy="619689"/>
+          </a:xfrm>
+          <a:prstGeom prst="roundRect">
+            <a:avLst>
+              <a:gd name="adj" fmla="val 9804"/>
+            </a:avLst>
+          </a:prstGeom>
+          <a:solidFill>
+            <a:srgbClr val="CFD8DC"/>
+          </a:solidFill>
+          <a:ln>
+            <a:noFill/>
+          </a:ln>
+        </p:spPr>
+        <p:style>
+          <a:lnRef idx="2">
+            <a:schemeClr val="accent1">
+              <a:shade val="50000"/>
+            </a:schemeClr>
+          </a:lnRef>
+          <a:fillRef idx="1">
+            <a:schemeClr val="accent1"/>
+          </a:fillRef>
+          <a:effectRef idx="0">
+            <a:schemeClr val="accent1"/>
+          </a:effectRef>
+          <a:fontRef idx="minor">
+            <a:schemeClr val="lt1"/>
+          </a:fontRef>
+        </p:style>
+        <p:txBody>
+          <a:bodyPr rtlCol="0" anchor="ctr"/>
+          <a:lstStyle/>
+          <a:p>
+            <a:pPr algn="ctr"/>
+            <a:r>
+              <a:rPr kumimoji="1" lang="ja-JP" altLang="en-US" sz="2400" dirty="0" smtClean="0">
+                <a:solidFill>
+                  <a:srgbClr val="607D8B"/>
+                </a:solidFill>
+                <a:latin typeface="Hiragino Sans W3" charset="-128"/>
+                <a:ea typeface="Hiragino Sans W3" charset="-128"/>
+                <a:cs typeface="Hiragino Sans W3" charset="-128"/>
+              </a:rPr>
+              <a:t>問題作成</a:t>
+            </a:r>
+            <a:endParaRPr kumimoji="1" lang="ja-JP" altLang="en-US" sz="2400" dirty="0">
+              <a:solidFill>
+                <a:srgbClr val="607D8B"/>
+              </a:solidFill>
+              <a:latin typeface="Hiragino Sans W3" charset="-128"/>
+              <a:ea typeface="Hiragino Sans W3" charset="-128"/>
+              <a:cs typeface="Hiragino Sans W3" charset="-128"/>
+            </a:endParaRPr>
+          </a:p>
+        </p:txBody>
+      </p:sp>
+      <p:sp>
+        <p:nvSpPr>
+          <p:cNvPr id="9" name="角丸四角形 8"/>
+          <p:cNvSpPr/>
+          <p:nvPr/>
+        </p:nvSpPr>
+        <p:spPr>
+          <a:xfrm>
+            <a:off x="634701" y="3236861"/>
+            <a:ext cx="2508550" cy="619689"/>
+          </a:xfrm>
+          <a:prstGeom prst="roundRect">
+            <a:avLst>
+              <a:gd name="adj" fmla="val 9804"/>
+            </a:avLst>
+          </a:prstGeom>
+          <a:solidFill>
+            <a:srgbClr val="26A69B"/>
+          </a:solidFill>
+          <a:ln>
+            <a:noFill/>
+          </a:ln>
+        </p:spPr>
+        <p:style>
+          <a:lnRef idx="2">
+            <a:schemeClr val="accent1">
+              <a:shade val="50000"/>
+            </a:schemeClr>
+          </a:lnRef>
+          <a:fillRef idx="1">
+            <a:schemeClr val="accent1"/>
+          </a:fillRef>
+          <a:effectRef idx="0">
+            <a:schemeClr val="accent1"/>
+          </a:effectRef>
+          <a:fontRef idx="minor">
+            <a:schemeClr val="lt1"/>
+          </a:fontRef>
+        </p:style>
+        <p:txBody>
+          <a:bodyPr rtlCol="0" anchor="ctr"/>
+          <a:lstStyle/>
+          <a:p>
+            <a:pPr algn="ctr"/>
+            <a:r>
+              <a:rPr lang="ja-JP" altLang="en-US" sz="2400" dirty="0" smtClean="0">
+                <a:solidFill>
+                  <a:srgbClr val="ECEFF1"/>
+                </a:solidFill>
+                <a:latin typeface="Hiragino Sans W3" charset="-128"/>
+                <a:ea typeface="Hiragino Sans W3" charset="-128"/>
+                <a:cs typeface="Hiragino Sans W3" charset="-128"/>
+              </a:rPr>
+              <a:t>印刷</a:t>
+            </a:r>
+            <a:endParaRPr kumimoji="1" lang="ja-JP" altLang="en-US" sz="2400" dirty="0">
+              <a:solidFill>
+                <a:srgbClr val="ECEFF1"/>
+              </a:solidFill>
+              <a:latin typeface="Hiragino Sans W3" charset="-128"/>
+              <a:ea typeface="Hiragino Sans W3" charset="-128"/>
+              <a:cs typeface="Hiragino Sans W3" charset="-128"/>
+            </a:endParaRPr>
+          </a:p>
+        </p:txBody>
+      </p:sp>
+      <p:sp>
+        <p:nvSpPr>
+          <p:cNvPr id="10" name="角丸四角形 9"/>
+          <p:cNvSpPr/>
+          <p:nvPr/>
+        </p:nvSpPr>
+        <p:spPr>
+          <a:xfrm>
+            <a:off x="6006800" y="2394513"/>
+            <a:ext cx="2508550" cy="619689"/>
+          </a:xfrm>
+          <a:prstGeom prst="roundRect">
+            <a:avLst>
+              <a:gd name="adj" fmla="val 9804"/>
+            </a:avLst>
+          </a:prstGeom>
+          <a:solidFill>
+            <a:srgbClr val="26A69B"/>
+          </a:solidFill>
+          <a:ln>
+            <a:noFill/>
+          </a:ln>
+        </p:spPr>
+        <p:style>
+          <a:lnRef idx="2">
+            <a:schemeClr val="accent1">
+              <a:shade val="50000"/>
+            </a:schemeClr>
+          </a:lnRef>
+          <a:fillRef idx="1">
+            <a:schemeClr val="accent1"/>
+          </a:fillRef>
+          <a:effectRef idx="0">
+            <a:schemeClr val="accent1"/>
+          </a:effectRef>
+          <a:fontRef idx="minor">
+            <a:schemeClr val="lt1"/>
+          </a:fontRef>
+        </p:style>
+        <p:txBody>
+          <a:bodyPr rtlCol="0" anchor="ctr"/>
+          <a:lstStyle/>
+          <a:p>
+            <a:pPr algn="ctr"/>
+            <a:r>
+              <a:rPr lang="ja-JP" altLang="en-US" sz="2400" dirty="0" smtClean="0">
+                <a:solidFill>
+                  <a:srgbClr val="ECEFF1"/>
+                </a:solidFill>
+                <a:latin typeface="Hiragino Sans W3" charset="-128"/>
+                <a:ea typeface="Hiragino Sans W3" charset="-128"/>
+                <a:cs typeface="Hiragino Sans W3" charset="-128"/>
+              </a:rPr>
+              <a:t>統計</a:t>
+            </a:r>
+            <a:endParaRPr kumimoji="1" lang="ja-JP" altLang="en-US" sz="2400" dirty="0">
+              <a:solidFill>
+                <a:srgbClr val="ECEFF1"/>
+              </a:solidFill>
+              <a:latin typeface="Hiragino Sans W3" charset="-128"/>
+              <a:ea typeface="Hiragino Sans W3" charset="-128"/>
+              <a:cs typeface="Hiragino Sans W3" charset="-128"/>
+            </a:endParaRPr>
+          </a:p>
+        </p:txBody>
+      </p:sp>
+      <p:sp>
+        <p:nvSpPr>
+          <p:cNvPr id="11" name="正方形/長方形 10"/>
+          <p:cNvSpPr/>
+          <p:nvPr/>
+        </p:nvSpPr>
+        <p:spPr>
+          <a:xfrm>
+            <a:off x="3252572" y="5190794"/>
+            <a:ext cx="2576727" cy="192418"/>
+          </a:xfrm>
+          <a:prstGeom prst="rect">
+            <a:avLst/>
+          </a:prstGeom>
+          <a:solidFill>
+            <a:srgbClr val="FFE082"/>
+          </a:solidFill>
+          <a:ln>
+            <a:noFill/>
+          </a:ln>
+        </p:spPr>
+        <p:style>
+          <a:lnRef idx="2">
+            <a:schemeClr val="accent1">
+              <a:shade val="50000"/>
+            </a:schemeClr>
+          </a:lnRef>
+          <a:fillRef idx="1">
+            <a:schemeClr val="accent1"/>
+          </a:fillRef>
+          <a:effectRef idx="0">
+            <a:schemeClr val="accent1"/>
+          </a:effectRef>
+          <a:fontRef idx="minor">
+            <a:schemeClr val="lt1"/>
+          </a:fontRef>
+        </p:style>
+        <p:txBody>
+          <a:bodyPr rtlCol="0" anchor="ctr"/>
+          <a:lstStyle/>
+          <a:p>
+            <a:pPr algn="ctr"/>
+            <a:endParaRPr kumimoji="1" lang="ja-JP" altLang="en-US"/>
+          </a:p>
+        </p:txBody>
+      </p:sp>
+      <p:sp>
+        <p:nvSpPr>
+          <p:cNvPr id="12" name="テキスト ボックス 11"/>
+          <p:cNvSpPr txBox="1"/>
+          <p:nvPr/>
+        </p:nvSpPr>
+        <p:spPr>
+          <a:xfrm>
+            <a:off x="3286167" y="4921547"/>
+            <a:ext cx="2543132" cy="461665"/>
+          </a:xfrm>
+          <a:prstGeom prst="rect">
+            <a:avLst/>
+          </a:prstGeom>
+          <a:noFill/>
+        </p:spPr>
+        <p:txBody>
+          <a:bodyPr wrap="square" rtlCol="0">
+            <a:spAutoFit/>
+          </a:bodyPr>
+          <a:lstStyle/>
+          <a:p>
+            <a:pPr algn="ctr"/>
+            <a:r>
+              <a:rPr lang="ja-JP" altLang="en-US" sz="2400" b="1" dirty="0" smtClean="0">
+                <a:solidFill>
+                  <a:srgbClr val="EC407A"/>
+                </a:solidFill>
+                <a:latin typeface="Hiragino Sans W6" charset="-128"/>
+                <a:ea typeface="Hiragino Sans W6" charset="-128"/>
+                <a:cs typeface="Hiragino Sans W6" charset="-128"/>
+              </a:rPr>
+              <a:t>単純作業</a:t>
+            </a:r>
+            <a:endParaRPr kumimoji="1" lang="ja-JP" altLang="en-US" sz="2400" b="1" dirty="0">
+              <a:solidFill>
+                <a:srgbClr val="EC407A"/>
+              </a:solidFill>
+              <a:latin typeface="Hiragino Sans W6" charset="-128"/>
+              <a:ea typeface="Hiragino Sans W6" charset="-128"/>
+              <a:cs typeface="Hiragino Sans W6" charset="-128"/>
+            </a:endParaRPr>
+          </a:p>
+        </p:txBody>
+      </p:sp>
+      <p:sp>
+        <p:nvSpPr>
+          <p:cNvPr id="15" name="角丸四角形 14"/>
+          <p:cNvSpPr/>
+          <p:nvPr/>
+        </p:nvSpPr>
+        <p:spPr>
+          <a:xfrm>
+            <a:off x="634701" y="4079208"/>
+            <a:ext cx="2508550" cy="619689"/>
+          </a:xfrm>
+          <a:prstGeom prst="roundRect">
+            <a:avLst>
+              <a:gd name="adj" fmla="val 9804"/>
+            </a:avLst>
+          </a:prstGeom>
+          <a:solidFill>
+            <a:srgbClr val="26A69B"/>
+          </a:solidFill>
+          <a:ln>
+            <a:noFill/>
+          </a:ln>
+        </p:spPr>
+        <p:style>
+          <a:lnRef idx="2">
+            <a:schemeClr val="accent1">
+              <a:shade val="50000"/>
+            </a:schemeClr>
+          </a:lnRef>
+          <a:fillRef idx="1">
+            <a:schemeClr val="accent1"/>
+          </a:fillRef>
+          <a:effectRef idx="0">
+            <a:schemeClr val="accent1"/>
+          </a:effectRef>
+          <a:fontRef idx="minor">
+            <a:schemeClr val="lt1"/>
+          </a:fontRef>
+        </p:style>
+        <p:txBody>
+          <a:bodyPr rtlCol="0" anchor="ctr"/>
+          <a:lstStyle/>
+          <a:p>
+            <a:pPr algn="ctr"/>
+            <a:r>
+              <a:rPr lang="ja-JP" altLang="en-US" sz="2400" dirty="0" smtClean="0">
+                <a:solidFill>
+                  <a:srgbClr val="ECEFF1"/>
+                </a:solidFill>
+                <a:latin typeface="Hiragino Sans W3" charset="-128"/>
+                <a:ea typeface="Hiragino Sans W3" charset="-128"/>
+                <a:cs typeface="Hiragino Sans W3" charset="-128"/>
+              </a:rPr>
+              <a:t>配布</a:t>
+            </a:r>
+            <a:endParaRPr kumimoji="1" lang="ja-JP" altLang="en-US" sz="2400" dirty="0">
+              <a:solidFill>
+                <a:srgbClr val="ECEFF1"/>
+              </a:solidFill>
+              <a:latin typeface="Hiragino Sans W3" charset="-128"/>
+              <a:ea typeface="Hiragino Sans W3" charset="-128"/>
+              <a:cs typeface="Hiragino Sans W3" charset="-128"/>
+            </a:endParaRPr>
+          </a:p>
+        </p:txBody>
+      </p:sp>
+      <p:sp>
+        <p:nvSpPr>
+          <p:cNvPr id="16" name="角丸四角形 15"/>
+          <p:cNvSpPr/>
+          <p:nvPr/>
+        </p:nvSpPr>
+        <p:spPr>
+          <a:xfrm>
+            <a:off x="3320749" y="2394512"/>
+            <a:ext cx="2508550" cy="619689"/>
+          </a:xfrm>
+          <a:prstGeom prst="roundRect">
+            <a:avLst>
+              <a:gd name="adj" fmla="val 9804"/>
+            </a:avLst>
+          </a:prstGeom>
+          <a:solidFill>
+            <a:srgbClr val="26A69B"/>
+          </a:solidFill>
+          <a:ln>
+            <a:noFill/>
+          </a:ln>
+        </p:spPr>
+        <p:style>
+          <a:lnRef idx="2">
+            <a:schemeClr val="accent1">
+              <a:shade val="50000"/>
+            </a:schemeClr>
+          </a:lnRef>
+          <a:fillRef idx="1">
+            <a:schemeClr val="accent1"/>
+          </a:fillRef>
+          <a:effectRef idx="0">
+            <a:schemeClr val="accent1"/>
+          </a:effectRef>
+          <a:fontRef idx="minor">
+            <a:schemeClr val="lt1"/>
+          </a:fontRef>
+        </p:style>
+        <p:txBody>
+          <a:bodyPr rtlCol="0" anchor="ctr"/>
+          <a:lstStyle/>
+          <a:p>
+            <a:pPr algn="ctr"/>
+            <a:r>
+              <a:rPr lang="ja-JP" altLang="en-US" sz="2400" dirty="0" smtClean="0">
+                <a:solidFill>
+                  <a:srgbClr val="ECEFF1"/>
+                </a:solidFill>
+                <a:latin typeface="Hiragino Sans W3" charset="-128"/>
+                <a:ea typeface="Hiragino Sans W3" charset="-128"/>
+                <a:cs typeface="Hiragino Sans W3" charset="-128"/>
+              </a:rPr>
+              <a:t>回収</a:t>
+            </a:r>
+            <a:endParaRPr kumimoji="1" lang="ja-JP" altLang="en-US" sz="2400" dirty="0">
+              <a:solidFill>
+                <a:srgbClr val="ECEFF1"/>
+              </a:solidFill>
+              <a:latin typeface="Hiragino Sans W3" charset="-128"/>
+              <a:ea typeface="Hiragino Sans W3" charset="-128"/>
+              <a:cs typeface="Hiragino Sans W3" charset="-128"/>
+            </a:endParaRPr>
+          </a:p>
+        </p:txBody>
+      </p:sp>
+      <p:sp>
+        <p:nvSpPr>
+          <p:cNvPr id="17" name="角丸四角形 16"/>
+          <p:cNvSpPr/>
+          <p:nvPr/>
+        </p:nvSpPr>
+        <p:spPr>
+          <a:xfrm>
+            <a:off x="3320749" y="3236857"/>
+            <a:ext cx="2508550" cy="619689"/>
+          </a:xfrm>
+          <a:prstGeom prst="roundRect">
+            <a:avLst>
+              <a:gd name="adj" fmla="val 9804"/>
+            </a:avLst>
+          </a:prstGeom>
+          <a:solidFill>
+            <a:srgbClr val="26A69B"/>
+          </a:solidFill>
+          <a:ln>
+            <a:noFill/>
+          </a:ln>
+        </p:spPr>
+        <p:style>
+          <a:lnRef idx="2">
+            <a:schemeClr val="accent1">
+              <a:shade val="50000"/>
+            </a:schemeClr>
+          </a:lnRef>
+          <a:fillRef idx="1">
+            <a:schemeClr val="accent1"/>
+          </a:fillRef>
+          <a:effectRef idx="0">
+            <a:schemeClr val="accent1"/>
+          </a:effectRef>
+          <a:fontRef idx="minor">
+            <a:schemeClr val="lt1"/>
+          </a:fontRef>
+        </p:style>
+        <p:txBody>
+          <a:bodyPr rtlCol="0" anchor="ctr"/>
+          <a:lstStyle/>
+          <a:p>
+            <a:pPr algn="ctr"/>
+            <a:r>
+              <a:rPr lang="ja-JP" altLang="en-US" sz="2400" dirty="0" smtClean="0">
+                <a:solidFill>
+                  <a:srgbClr val="ECEFF1"/>
+                </a:solidFill>
+                <a:latin typeface="Hiragino Sans W3" charset="-128"/>
+                <a:ea typeface="Hiragino Sans W3" charset="-128"/>
+                <a:cs typeface="Hiragino Sans W3" charset="-128"/>
+              </a:rPr>
+              <a:t>採点</a:t>
+            </a:r>
+            <a:endParaRPr kumimoji="1" lang="ja-JP" altLang="en-US" sz="2400" dirty="0">
+              <a:solidFill>
+                <a:srgbClr val="ECEFF1"/>
+              </a:solidFill>
+              <a:latin typeface="Hiragino Sans W3" charset="-128"/>
+              <a:ea typeface="Hiragino Sans W3" charset="-128"/>
+              <a:cs typeface="Hiragino Sans W3" charset="-128"/>
+            </a:endParaRPr>
+          </a:p>
+        </p:txBody>
+      </p:sp>
+      <p:sp>
+        <p:nvSpPr>
+          <p:cNvPr id="18" name="角丸四角形 17"/>
+          <p:cNvSpPr/>
+          <p:nvPr/>
+        </p:nvSpPr>
+        <p:spPr>
+          <a:xfrm>
+            <a:off x="3320749" y="4079202"/>
+            <a:ext cx="2508550" cy="619689"/>
+          </a:xfrm>
+          <a:prstGeom prst="roundRect">
+            <a:avLst>
+              <a:gd name="adj" fmla="val 9804"/>
+            </a:avLst>
+          </a:prstGeom>
+          <a:solidFill>
+            <a:srgbClr val="26A69B"/>
+          </a:solidFill>
+          <a:ln>
+            <a:noFill/>
+          </a:ln>
+        </p:spPr>
+        <p:style>
+          <a:lnRef idx="2">
+            <a:schemeClr val="accent1">
+              <a:shade val="50000"/>
+            </a:schemeClr>
+          </a:lnRef>
+          <a:fillRef idx="1">
+            <a:schemeClr val="accent1"/>
+          </a:fillRef>
+          <a:effectRef idx="0">
+            <a:schemeClr val="accent1"/>
+          </a:effectRef>
+          <a:fontRef idx="minor">
+            <a:schemeClr val="lt1"/>
+          </a:fontRef>
+        </p:style>
+        <p:txBody>
+          <a:bodyPr rtlCol="0" anchor="ctr"/>
+          <a:lstStyle/>
+          <a:p>
+            <a:pPr algn="ctr"/>
+            <a:r>
+              <a:rPr lang="ja-JP" altLang="en-US" sz="2400" dirty="0" smtClean="0">
+                <a:solidFill>
+                  <a:srgbClr val="ECEFF1"/>
+                </a:solidFill>
+                <a:latin typeface="Hiragino Sans W3" charset="-128"/>
+                <a:ea typeface="Hiragino Sans W3" charset="-128"/>
+                <a:cs typeface="Hiragino Sans W3" charset="-128"/>
+              </a:rPr>
+              <a:t>返却</a:t>
+            </a:r>
+            <a:endParaRPr kumimoji="1" lang="ja-JP" altLang="en-US" sz="2400" dirty="0">
+              <a:solidFill>
+                <a:srgbClr val="ECEFF1"/>
+              </a:solidFill>
+              <a:latin typeface="Hiragino Sans W3" charset="-128"/>
+              <a:ea typeface="Hiragino Sans W3" charset="-128"/>
+              <a:cs typeface="Hiragino Sans W3" charset="-128"/>
+            </a:endParaRPr>
+          </a:p>
+        </p:txBody>
+      </p:sp>
+      <p:sp>
+        <p:nvSpPr>
+          <p:cNvPr id="19" name="角丸四角形 18"/>
+          <p:cNvSpPr/>
+          <p:nvPr/>
+        </p:nvSpPr>
+        <p:spPr>
+          <a:xfrm>
+            <a:off x="6006800" y="3236857"/>
+            <a:ext cx="2508550" cy="619689"/>
+          </a:xfrm>
+          <a:prstGeom prst="roundRect">
+            <a:avLst>
+              <a:gd name="adj" fmla="val 9804"/>
+            </a:avLst>
+          </a:prstGeom>
+          <a:solidFill>
+            <a:srgbClr val="26A69B"/>
+          </a:solidFill>
+          <a:ln>
+            <a:noFill/>
+          </a:ln>
+        </p:spPr>
+        <p:style>
+          <a:lnRef idx="2">
+            <a:schemeClr val="accent1">
+              <a:shade val="50000"/>
+            </a:schemeClr>
+          </a:lnRef>
+          <a:fillRef idx="1">
+            <a:schemeClr val="accent1"/>
+          </a:fillRef>
+          <a:effectRef idx="0">
+            <a:schemeClr val="accent1"/>
+          </a:effectRef>
+          <a:fontRef idx="minor">
+            <a:schemeClr val="lt1"/>
+          </a:fontRef>
+        </p:style>
+        <p:txBody>
+          <a:bodyPr rtlCol="0" anchor="ctr"/>
+          <a:lstStyle/>
+          <a:p>
+            <a:pPr algn="ctr"/>
+            <a:r>
+              <a:rPr lang="ja-JP" altLang="en-US" sz="2400" dirty="0" smtClean="0">
+                <a:solidFill>
+                  <a:srgbClr val="ECEFF1"/>
+                </a:solidFill>
+                <a:latin typeface="Hiragino Sans W3" charset="-128"/>
+                <a:ea typeface="Hiragino Sans W3" charset="-128"/>
+                <a:cs typeface="Hiragino Sans W3" charset="-128"/>
+              </a:rPr>
+              <a:t>分析</a:t>
+            </a:r>
+            <a:endParaRPr kumimoji="1" lang="ja-JP" altLang="en-US" sz="2400" dirty="0">
+              <a:solidFill>
+                <a:srgbClr val="ECEFF1"/>
+              </a:solidFill>
+              <a:latin typeface="Hiragino Sans W3" charset="-128"/>
+              <a:ea typeface="Hiragino Sans W3" charset="-128"/>
+              <a:cs typeface="Hiragino Sans W3" charset="-128"/>
+            </a:endParaRPr>
+          </a:p>
+        </p:txBody>
+      </p:sp>
+      <p:sp>
+        <p:nvSpPr>
+          <p:cNvPr id="20" name="角丸四角形 19"/>
+          <p:cNvSpPr/>
+          <p:nvPr/>
+        </p:nvSpPr>
+        <p:spPr>
+          <a:xfrm>
+            <a:off x="6006797" y="4079201"/>
+            <a:ext cx="2508550" cy="619689"/>
+          </a:xfrm>
+          <a:prstGeom prst="roundRect">
+            <a:avLst>
+              <a:gd name="adj" fmla="val 9804"/>
+            </a:avLst>
+          </a:prstGeom>
+          <a:solidFill>
+            <a:srgbClr val="CFD8DC"/>
+          </a:solidFill>
+          <a:ln>
+            <a:noFill/>
+          </a:ln>
+        </p:spPr>
+        <p:style>
+          <a:lnRef idx="2">
+            <a:schemeClr val="accent1">
+              <a:shade val="50000"/>
+            </a:schemeClr>
+          </a:lnRef>
+          <a:fillRef idx="1">
+            <a:schemeClr val="accent1"/>
+          </a:fillRef>
+          <a:effectRef idx="0">
+            <a:schemeClr val="accent1"/>
+          </a:effectRef>
+          <a:fontRef idx="minor">
+            <a:schemeClr val="lt1"/>
+          </a:fontRef>
+        </p:style>
+        <p:txBody>
+          <a:bodyPr rtlCol="0" anchor="ctr"/>
+          <a:lstStyle/>
+          <a:p>
+            <a:pPr algn="ctr"/>
+            <a:r>
+              <a:rPr lang="ja-JP" altLang="en-US" sz="2400" dirty="0" smtClean="0">
+                <a:solidFill>
+                  <a:srgbClr val="607D8B"/>
+                </a:solidFill>
+                <a:latin typeface="Hiragino Sans W3" charset="-128"/>
+                <a:ea typeface="Hiragino Sans W3" charset="-128"/>
+                <a:cs typeface="Hiragino Sans W3" charset="-128"/>
+              </a:rPr>
+              <a:t>授業計画</a:t>
+            </a:r>
+            <a:endParaRPr kumimoji="1" lang="ja-JP" altLang="en-US" sz="2400" dirty="0">
+              <a:solidFill>
+                <a:srgbClr val="607D8B"/>
+              </a:solidFill>
+              <a:latin typeface="Hiragino Sans W3" charset="-128"/>
+              <a:ea typeface="Hiragino Sans W3" charset="-128"/>
+              <a:cs typeface="Hiragino Sans W3" charset="-128"/>
+            </a:endParaRPr>
+          </a:p>
+        </p:txBody>
+      </p:sp>
+    </p:spTree>
+    <p:extLst>
+      <p:ext uri="{BB962C8B-B14F-4D97-AF65-F5344CB8AC3E}">
+        <p14:creationId xmlns:p14="http://schemas.microsoft.com/office/powerpoint/2010/main" val="17343647"/>
+      </p:ext>
+    </p:extLst>
+  </p:cSld>
+  <p:clrMapOvr>
+    <a:masterClrMapping/>
+  </p:clrMapOvr>
+</p:sld>
+</file>
+
+<file path=ppt/slides/slide9.xml><?xml version="1.0" encoding="utf-8"?>
+<p:sld xmlns:a="http://schemas.openxmlformats.org/drawingml/2006/main" xmlns:r="http://schemas.openxmlformats.org/officeDocument/2006/relationships" xmlns:p="http://schemas.openxmlformats.org/presentationml/2006/main">
+  <p:cSld>
+    <p:bg>
+      <p:bgPr>
+        <a:solidFill>
+          <a:schemeClr val="tx1">
+            <a:lumMod val="85000"/>
+            <a:lumOff val="15000"/>
+          </a:schemeClr>
+        </a:solidFill>
+        <a:effectLst/>
+      </p:bgPr>
+    </p:bg>
+    <p:spTree>
+      <p:nvGrpSpPr>
+        <p:cNvPr id="1" name=""/>
+        <p:cNvGrpSpPr/>
+        <p:nvPr/>
+      </p:nvGrpSpPr>
+      <p:grpSpPr>
+        <a:xfrm>
+          <a:off x="0" y="0"/>
+          <a:ext cx="0" cy="0"/>
+          <a:chOff x="0" y="0"/>
+          <a:chExt cx="0" cy="0"/>
+        </a:xfrm>
+      </p:grpSpPr>
+      <p:sp>
+        <p:nvSpPr>
+          <p:cNvPr id="2" name="タイトル 1"/>
+          <p:cNvSpPr>
+            <a:spLocks noGrp="1"/>
+          </p:cNvSpPr>
+          <p:nvPr>
+            <p:ph type="title"/>
+          </p:nvPr>
+        </p:nvSpPr>
+        <p:spPr/>
+        <p:txBody>
+          <a:bodyPr>
+            <a:normAutofit fontScale="90000"/>
+          </a:bodyPr>
+          <a:lstStyle/>
+          <a:p>
+            <a:r>
+              <a:rPr kumimoji="1" lang="ja-JP" altLang="en-US" dirty="0" smtClean="0"/>
+              <a:t>背景</a:t>
+            </a:r>
+            <a:endParaRPr kumimoji="1" lang="ja-JP" altLang="en-US" dirty="0"/>
+          </a:p>
+        </p:txBody>
+      </p:sp>
+      <p:sp>
+        <p:nvSpPr>
+          <p:cNvPr id="4" name="スライド番号プレースホルダー 3"/>
+          <p:cNvSpPr>
+            <a:spLocks noGrp="1"/>
+          </p:cNvSpPr>
+          <p:nvPr>
+            <p:ph type="sldNum" sz="quarter" idx="12"/>
+          </p:nvPr>
+        </p:nvSpPr>
+        <p:spPr/>
+        <p:txBody>
+          <a:bodyPr/>
+          <a:lstStyle/>
+          <a:p>
+            <a:r>
+              <a:rPr lang="en-US" altLang="ja-JP" smtClean="0"/>
+              <a:t>#</a:t>
+            </a:r>
+            <a:fld id="{F281072A-F9EF-F645-A589-9593A608EAA6}" type="slidenum">
+              <a:rPr lang="en-US" altLang="ja-JP" smtClean="0"/>
+              <a:pPr/>
+              <a:t>9</a:t>
+            </a:fld>
+            <a:endParaRPr lang="ja-JP" altLang="en-US" dirty="0"/>
+          </a:p>
+        </p:txBody>
+      </p:sp>
+      <p:sp>
+        <p:nvSpPr>
+          <p:cNvPr id="5" name="テキスト ボックス 4"/>
+          <p:cNvSpPr txBox="1"/>
+          <p:nvPr/>
+        </p:nvSpPr>
+        <p:spPr>
+          <a:xfrm>
+            <a:off x="974302" y="1582797"/>
+            <a:ext cx="7541048" cy="1077218"/>
+          </a:xfrm>
+          <a:prstGeom prst="rect">
+            <a:avLst/>
+          </a:prstGeom>
+          <a:noFill/>
+        </p:spPr>
+        <p:txBody>
+          <a:bodyPr wrap="square" rtlCol="0">
+            <a:spAutoFit/>
+          </a:bodyPr>
+          <a:lstStyle/>
+          <a:p>
+            <a:r>
+              <a:rPr lang="ja-JP" altLang="en-US" sz="3200" dirty="0" smtClean="0">
+                <a:solidFill>
+                  <a:srgbClr val="26A69A"/>
+                </a:solidFill>
+                <a:latin typeface="Hiragino Sans W3" charset="-128"/>
+                <a:ea typeface="Hiragino Sans W3" charset="-128"/>
+                <a:cs typeface="Hiragino Sans W3" charset="-128"/>
+              </a:rPr>
+              <a:t>小テストも自動化できないくせに</a:t>
+            </a:r>
+            <a:endParaRPr lang="en-US" altLang="ja-JP" sz="3200" dirty="0" smtClean="0">
+              <a:solidFill>
+                <a:srgbClr val="26A69A"/>
+              </a:solidFill>
+              <a:latin typeface="Hiragino Sans W3" charset="-128"/>
+              <a:ea typeface="Hiragino Sans W3" charset="-128"/>
+              <a:cs typeface="Hiragino Sans W3" charset="-128"/>
+            </a:endParaRPr>
+          </a:p>
+          <a:p>
+            <a:r>
+              <a:rPr kumimoji="1" lang="en-US" altLang="ja-JP" sz="3200" dirty="0" smtClean="0">
+                <a:solidFill>
+                  <a:srgbClr val="26A69A"/>
+                </a:solidFill>
+                <a:latin typeface="Hiragino Sans W3" charset="-128"/>
+                <a:ea typeface="Hiragino Sans W3" charset="-128"/>
+                <a:cs typeface="Hiragino Sans W3" charset="-128"/>
+              </a:rPr>
+              <a:t>ICT</a:t>
+            </a:r>
+            <a:r>
+              <a:rPr kumimoji="1" lang="ja-JP" altLang="en-US" sz="3200" dirty="0" smtClean="0">
+                <a:solidFill>
+                  <a:srgbClr val="26A69A"/>
+                </a:solidFill>
+                <a:latin typeface="Hiragino Sans W3" charset="-128"/>
+                <a:ea typeface="Hiragino Sans W3" charset="-128"/>
+                <a:cs typeface="Hiragino Sans W3" charset="-128"/>
+              </a:rPr>
+              <a:t>教育って</a:t>
+            </a:r>
+            <a:endParaRPr kumimoji="1" lang="ja-JP" altLang="en-US" sz="3200" dirty="0">
+              <a:solidFill>
+                <a:srgbClr val="26A69A"/>
+              </a:solidFill>
+              <a:latin typeface="Hiragino Sans W3" charset="-128"/>
+              <a:ea typeface="Hiragino Sans W3" charset="-128"/>
+              <a:cs typeface="Hiragino Sans W3" charset="-128"/>
+            </a:endParaRPr>
+          </a:p>
+        </p:txBody>
+      </p:sp>
+      <p:pic>
+        <p:nvPicPr>
+          <p:cNvPr id="1026" name="Picture 2" descr="ttps://pbs.twimg.com/media/DLlU3YPUQAEcLvh.jpg"/>
+          <p:cNvPicPr>
+            <a:picLocks noChangeAspect="1" noChangeArrowheads="1"/>
+          </p:cNvPicPr>
+          <p:nvPr/>
+        </p:nvPicPr>
+        <p:blipFill>
+          <a:blip r:embed="rId2">
+            <a:extLst>
+              <a:ext uri="{BEBA8EAE-BF5A-486C-A8C5-ECC9F3942E4B}">
+                <a14:imgProps xmlns:a14="http://schemas.microsoft.com/office/drawing/2010/main">
+                  <a14:imgLayer r:embed="rId3">
+                    <a14:imgEffect>
+                      <a14:artisticGlowEdges/>
+                    </a14:imgEffect>
+                  </a14:imgLayer>
+                </a14:imgProps>
+              </a:ext>
+              <a:ext uri="{28A0092B-C50C-407E-A947-70E740481C1C}">
+                <a14:useLocalDpi xmlns:a14="http://schemas.microsoft.com/office/drawing/2010/main" val="0"/>
+              </a:ext>
+            </a:extLst>
+          </a:blip>
+          <a:srcRect/>
+          <a:stretch>
+            <a:fillRect/>
+          </a:stretch>
+        </p:blipFill>
+        <p:spPr bwMode="auto">
+          <a:xfrm>
+            <a:off x="2934815" y="2839800"/>
+            <a:ext cx="3620022" cy="3336765"/>
+          </a:xfrm>
+          <a:prstGeom prst="rect">
+            <a:avLst/>
+          </a:prstGeom>
+          <a:noFill/>
+          <a:extLst>
+            <a:ext uri="{909E8E84-426E-40DD-AFC4-6F175D3DCCD1}">
+              <a14:hiddenFill xmlns:a14="http://schemas.microsoft.com/office/drawing/2010/main">
+                <a:solidFill>
+                  <a:srgbClr val="FFFFFF"/>
+                </a:solidFill>
+              </a14:hiddenFill>
+            </a:ext>
+          </a:extLst>
+        </p:spPr>
+      </p:pic>
+    </p:spTree>
+    <p:extLst>
+      <p:ext uri="{BB962C8B-B14F-4D97-AF65-F5344CB8AC3E}">
+        <p14:creationId xmlns:p14="http://schemas.microsoft.com/office/powerpoint/2010/main" val="1086998363"/>
       </p:ext>
     </p:extLst>
   </p:cSld>

--- a/slide.pptx
+++ b/slide.pptx
@@ -5,7 +5,7 @@
     <p:sldMasterId id="2147483660" r:id="rId1"/>
   </p:sldMasterIdLst>
   <p:notesMasterIdLst>
-    <p:notesMasterId r:id="rId14"/>
+    <p:notesMasterId r:id="rId27"/>
   </p:notesMasterIdLst>
   <p:sldIdLst>
     <p:sldId id="256" r:id="rId2"/>
@@ -16,10 +16,23 @@
     <p:sldId id="259" r:id="rId7"/>
     <p:sldId id="263" r:id="rId8"/>
     <p:sldId id="264" r:id="rId9"/>
-    <p:sldId id="265" r:id="rId10"/>
-    <p:sldId id="260" r:id="rId11"/>
-    <p:sldId id="266" r:id="rId12"/>
-    <p:sldId id="267" r:id="rId13"/>
+    <p:sldId id="268" r:id="rId10"/>
+    <p:sldId id="269" r:id="rId11"/>
+    <p:sldId id="270" r:id="rId12"/>
+    <p:sldId id="260" r:id="rId13"/>
+    <p:sldId id="267" r:id="rId14"/>
+    <p:sldId id="265" r:id="rId15"/>
+    <p:sldId id="271" r:id="rId16"/>
+    <p:sldId id="272" r:id="rId17"/>
+    <p:sldId id="273" r:id="rId18"/>
+    <p:sldId id="274" r:id="rId19"/>
+    <p:sldId id="266" r:id="rId20"/>
+    <p:sldId id="275" r:id="rId21"/>
+    <p:sldId id="276" r:id="rId22"/>
+    <p:sldId id="277" r:id="rId23"/>
+    <p:sldId id="278" r:id="rId24"/>
+    <p:sldId id="279" r:id="rId25"/>
+    <p:sldId id="280" r:id="rId26"/>
   </p:sldIdLst>
   <p:sldSz cx="9144000" cy="6858000" type="screen4x3"/>
   <p:notesSz cx="6858000" cy="9144000"/>
@@ -208,7 +221,7 @@
           <a:p>
             <a:fld id="{75B6277B-ABA5-FB45-A6F5-F97F9F01B61A}" type="datetimeFigureOut">
               <a:rPr kumimoji="1" lang="ja-JP" altLang="en-US" smtClean="0"/>
-              <a:t>2018/12/2</a:t>
+              <a:t>2018/12/3</a:t>
             </a:fld>
             <a:endParaRPr kumimoji="1" lang="ja-JP" altLang="en-US"/>
           </a:p>
@@ -737,7 +750,7 @@
           <a:p>
             <a:fld id="{0E6F5B68-1902-ED46-BF96-F7B137C50173}" type="datetime1">
               <a:rPr kumimoji="1" lang="ja-JP" altLang="en-US" smtClean="0"/>
-              <a:t>2018/12/2</a:t>
+              <a:t>2018/12/3</a:t>
             </a:fld>
             <a:endParaRPr kumimoji="1" lang="ja-JP" altLang="en-US"/>
           </a:p>
@@ -992,7 +1005,7 @@
           <a:p>
             <a:fld id="{9A408ADD-488A-9F44-AFF1-3CE4552D7F6B}" type="datetime1">
               <a:rPr kumimoji="1" lang="ja-JP" altLang="en-US" smtClean="0"/>
-              <a:t>2018/12/2</a:t>
+              <a:t>2018/12/3</a:t>
             </a:fld>
             <a:endParaRPr kumimoji="1" lang="ja-JP" altLang="en-US"/>
           </a:p>
@@ -1204,7 +1217,7 @@
           <a:p>
             <a:fld id="{9EDC21CB-61AD-9F4B-8653-FF776FE37A09}" type="datetime1">
               <a:rPr kumimoji="1" lang="ja-JP" altLang="en-US" smtClean="0"/>
-              <a:t>2018/12/2</a:t>
+              <a:t>2018/12/3</a:t>
             </a:fld>
             <a:endParaRPr kumimoji="1" lang="ja-JP" altLang="en-US"/>
           </a:p>
@@ -1477,7 +1490,7 @@
           <a:p>
             <a:fld id="{876D844B-9D9C-4A4A-B912-40A0488EE98A}" type="datetime1">
               <a:rPr kumimoji="1" lang="ja-JP" altLang="en-US" smtClean="0"/>
-              <a:t>2018/12/2</a:t>
+              <a:t>2018/12/3</a:t>
             </a:fld>
             <a:endParaRPr kumimoji="1" lang="ja-JP" altLang="en-US"/>
           </a:p>
@@ -1790,7 +1803,7 @@
           <a:p>
             <a:fld id="{3F254779-E3A0-3E45-B7FE-40683A236E34}" type="datetime1">
               <a:rPr kumimoji="1" lang="ja-JP" altLang="en-US" smtClean="0"/>
-              <a:t>2018/12/2</a:t>
+              <a:t>2018/12/3</a:t>
             </a:fld>
             <a:endParaRPr kumimoji="1" lang="ja-JP" altLang="en-US"/>
           </a:p>
@@ -2093,7 +2106,7 @@
           <a:p>
             <a:fld id="{BFD18357-6EE8-B14F-8DE2-F4E88804BB4A}" type="datetime1">
               <a:rPr kumimoji="1" lang="ja-JP" altLang="en-US" smtClean="0"/>
-              <a:t>2018/12/2</a:t>
+              <a:t>2018/12/3</a:t>
             </a:fld>
             <a:endParaRPr kumimoji="1" lang="ja-JP" altLang="en-US"/>
           </a:p>
@@ -2524,7 +2537,7 @@
           <a:p>
             <a:fld id="{08AA8705-43BA-B14F-B40D-EF869D084074}" type="datetime1">
               <a:rPr kumimoji="1" lang="ja-JP" altLang="en-US" smtClean="0"/>
-              <a:t>2018/12/2</a:t>
+              <a:t>2018/12/3</a:t>
             </a:fld>
             <a:endParaRPr kumimoji="1" lang="ja-JP" altLang="en-US"/>
           </a:p>
@@ -2642,7 +2655,7 @@
           <a:p>
             <a:fld id="{5F778ACB-3F89-8045-B1EA-50A0F30F4524}" type="datetime1">
               <a:rPr kumimoji="1" lang="ja-JP" altLang="en-US" smtClean="0"/>
-              <a:t>2018/12/2</a:t>
+              <a:t>2018/12/3</a:t>
             </a:fld>
             <a:endParaRPr kumimoji="1" lang="ja-JP" altLang="en-US"/>
           </a:p>
@@ -2737,7 +2750,7 @@
           <a:p>
             <a:fld id="{AB54528D-A0BB-D646-84AE-A50106D8F9B3}" type="datetime1">
               <a:rPr kumimoji="1" lang="ja-JP" altLang="en-US" smtClean="0"/>
-              <a:t>2018/12/2</a:t>
+              <a:t>2018/12/3</a:t>
             </a:fld>
             <a:endParaRPr kumimoji="1" lang="ja-JP" altLang="en-US"/>
           </a:p>
@@ -3046,7 +3059,7 @@
           <a:p>
             <a:fld id="{929BD82F-E364-EA42-A2EC-4DEB1C85D467}" type="datetime1">
               <a:rPr kumimoji="1" lang="ja-JP" altLang="en-US" smtClean="0"/>
-              <a:t>2018/12/2</a:t>
+              <a:t>2018/12/3</a:t>
             </a:fld>
             <a:endParaRPr kumimoji="1" lang="ja-JP" altLang="en-US"/>
           </a:p>
@@ -3303,7 +3316,7 @@
           <a:p>
             <a:fld id="{EE74D8B9-FB51-834F-8EDD-078C8F681F68}" type="datetime1">
               <a:rPr kumimoji="1" lang="ja-JP" altLang="en-US" smtClean="0"/>
-              <a:t>2018/12/2</a:t>
+              <a:t>2018/12/3</a:t>
             </a:fld>
             <a:endParaRPr kumimoji="1" lang="ja-JP" altLang="en-US"/>
           </a:p>
@@ -3551,7 +3564,7 @@
           <a:p>
             <a:fld id="{0F59BB6B-97F0-EF4F-9BF5-A4519F422D95}" type="datetime1">
               <a:rPr kumimoji="1" lang="ja-JP" altLang="en-US" smtClean="0"/>
-              <a:t>2018/12/2</a:t>
+              <a:t>2018/12/3</a:t>
             </a:fld>
             <a:endParaRPr kumimoji="1" lang="ja-JP" altLang="en-US"/>
           </a:p>
@@ -4062,6 +4075,52 @@
       </p:grpSpPr>
       <p:sp>
         <p:nvSpPr>
+          <p:cNvPr id="21" name="右矢印 20"/>
+          <p:cNvSpPr/>
+          <p:nvPr/>
+        </p:nvSpPr>
+        <p:spPr>
+          <a:xfrm>
+            <a:off x="634701" y="3371264"/>
+            <a:ext cx="7880646" cy="350874"/>
+          </a:xfrm>
+          <a:prstGeom prst="rightArrow">
+            <a:avLst/>
+          </a:prstGeom>
+          <a:solidFill>
+            <a:srgbClr val="607D8B"/>
+          </a:solidFill>
+          <a:ln>
+            <a:noFill/>
+          </a:ln>
+        </p:spPr>
+        <p:style>
+          <a:lnRef idx="2">
+            <a:schemeClr val="accent1">
+              <a:shade val="50000"/>
+            </a:schemeClr>
+          </a:lnRef>
+          <a:fillRef idx="1">
+            <a:schemeClr val="accent1"/>
+          </a:fillRef>
+          <a:effectRef idx="0">
+            <a:schemeClr val="accent1"/>
+          </a:effectRef>
+          <a:fontRef idx="minor">
+            <a:schemeClr val="lt1"/>
+          </a:fontRef>
+        </p:style>
+        <p:txBody>
+          <a:bodyPr rtlCol="0" anchor="ctr"/>
+          <a:lstStyle/>
+          <a:p>
+            <a:pPr algn="ctr"/>
+            <a:endParaRPr kumimoji="1" lang="ja-JP" altLang="en-US"/>
+          </a:p>
+        </p:txBody>
+      </p:sp>
+      <p:sp>
+        <p:nvSpPr>
           <p:cNvPr id="2" name="タイトル 1"/>
           <p:cNvSpPr>
             <a:spLocks noGrp="1"/>
@@ -4078,7 +4137,7 @@
           <a:lstStyle/>
           <a:p>
             <a:r>
-              <a:rPr kumimoji="1" lang="ja-JP" altLang="en-US" dirty="0" smtClean="0"/>
+              <a:rPr lang="ja-JP" altLang="en-US" dirty="0" smtClean="0"/>
               <a:t>背景</a:t>
             </a:r>
             <a:endParaRPr kumimoji="1" lang="ja-JP" altLang="en-US" dirty="0"/>
@@ -4115,41 +4174,60 @@
       </p:sp>
       <p:sp>
         <p:nvSpPr>
-          <p:cNvPr id="5" name="テキスト ボックス 4"/>
-          <p:cNvSpPr txBox="1"/>
+          <p:cNvPr id="6" name="正方形/長方形 5"/>
+          <p:cNvSpPr/>
           <p:nvPr/>
         </p:nvSpPr>
         <p:spPr>
           <a:xfrm>
-            <a:off x="661151" y="3098446"/>
-            <a:ext cx="7541048" cy="584775"/>
+            <a:off x="634701" y="1257456"/>
+            <a:ext cx="7880649" cy="914400"/>
           </a:xfrm>
           <a:prstGeom prst="rect">
             <a:avLst/>
           </a:prstGeom>
           <a:noFill/>
-        </p:spPr>
-        <p:txBody>
-          <a:bodyPr wrap="square" rtlCol="0">
-            <a:spAutoFit/>
-          </a:bodyPr>
+          <a:ln w="28575">
+            <a:solidFill>
+              <a:srgbClr val="607D8B"/>
+            </a:solidFill>
+          </a:ln>
+        </p:spPr>
+        <p:style>
+          <a:lnRef idx="2">
+            <a:schemeClr val="accent1">
+              <a:shade val="50000"/>
+            </a:schemeClr>
+          </a:lnRef>
+          <a:fillRef idx="1">
+            <a:schemeClr val="accent1"/>
+          </a:fillRef>
+          <a:effectRef idx="0">
+            <a:schemeClr val="accent1"/>
+          </a:effectRef>
+          <a:fontRef idx="minor">
+            <a:schemeClr val="lt1"/>
+          </a:fontRef>
+        </p:style>
+        <p:txBody>
+          <a:bodyPr rtlCol="0" anchor="ctr"/>
           <a:lstStyle/>
           <a:p>
             <a:pPr algn="ctr"/>
             <a:r>
-              <a:rPr lang="ja-JP" altLang="en-US" sz="3200" dirty="0" smtClean="0">
+              <a:rPr kumimoji="1" lang="ja-JP" altLang="en-US" sz="3200" dirty="0" smtClean="0">
                 <a:solidFill>
-                  <a:srgbClr val="26A69A"/>
+                  <a:srgbClr val="607D8B"/>
                 </a:solidFill>
                 <a:latin typeface="Hiragino Sans W3" charset="-128"/>
                 <a:ea typeface="Hiragino Sans W3" charset="-128"/>
                 <a:cs typeface="Hiragino Sans W3" charset="-128"/>
               </a:rPr>
-              <a:t>じゃあ作るか</a:t>
+              <a:t>小テストの実施</a:t>
             </a:r>
             <a:endParaRPr kumimoji="1" lang="ja-JP" altLang="en-US" sz="3200" dirty="0">
               <a:solidFill>
-                <a:srgbClr val="26A69A"/>
+                <a:srgbClr val="607D8B"/>
               </a:solidFill>
               <a:latin typeface="Hiragino Sans W3" charset="-128"/>
               <a:ea typeface="Hiragino Sans W3" charset="-128"/>
@@ -4158,10 +4236,299 @@
           </a:p>
         </p:txBody>
       </p:sp>
+      <p:sp>
+        <p:nvSpPr>
+          <p:cNvPr id="10" name="角丸四角形 9"/>
+          <p:cNvSpPr/>
+          <p:nvPr/>
+        </p:nvSpPr>
+        <p:spPr>
+          <a:xfrm>
+            <a:off x="3399814" y="2945980"/>
+            <a:ext cx="2220520" cy="1201437"/>
+          </a:xfrm>
+          <a:prstGeom prst="roundRect">
+            <a:avLst>
+              <a:gd name="adj" fmla="val 9804"/>
+            </a:avLst>
+          </a:prstGeom>
+          <a:solidFill>
+            <a:srgbClr val="CFD8DC"/>
+          </a:solidFill>
+          <a:ln>
+            <a:noFill/>
+          </a:ln>
+        </p:spPr>
+        <p:style>
+          <a:lnRef idx="2">
+            <a:schemeClr val="accent1">
+              <a:shade val="50000"/>
+            </a:schemeClr>
+          </a:lnRef>
+          <a:fillRef idx="1">
+            <a:schemeClr val="accent1"/>
+          </a:fillRef>
+          <a:effectRef idx="0">
+            <a:schemeClr val="accent1"/>
+          </a:effectRef>
+          <a:fontRef idx="minor">
+            <a:schemeClr val="lt1"/>
+          </a:fontRef>
+        </p:style>
+        <p:txBody>
+          <a:bodyPr rtlCol="0" anchor="ctr"/>
+          <a:lstStyle/>
+          <a:p>
+            <a:pPr algn="ctr"/>
+            <a:r>
+              <a:rPr lang="ja-JP" altLang="en-US" sz="2400" dirty="0" smtClean="0">
+                <a:solidFill>
+                  <a:srgbClr val="607D8B"/>
+                </a:solidFill>
+                <a:latin typeface="Hiragino Sans W3" charset="-128"/>
+                <a:ea typeface="Hiragino Sans W3" charset="-128"/>
+                <a:cs typeface="Hiragino Sans W3" charset="-128"/>
+              </a:rPr>
+              <a:t>統計</a:t>
+            </a:r>
+            <a:endParaRPr kumimoji="1" lang="ja-JP" altLang="en-US" sz="2400" dirty="0">
+              <a:solidFill>
+                <a:srgbClr val="607D8B"/>
+              </a:solidFill>
+              <a:latin typeface="Hiragino Sans W3" charset="-128"/>
+              <a:ea typeface="Hiragino Sans W3" charset="-128"/>
+              <a:cs typeface="Hiragino Sans W3" charset="-128"/>
+            </a:endParaRPr>
+          </a:p>
+        </p:txBody>
+      </p:sp>
+      <p:sp>
+        <p:nvSpPr>
+          <p:cNvPr id="11" name="正方形/長方形 10"/>
+          <p:cNvSpPr/>
+          <p:nvPr/>
+        </p:nvSpPr>
+        <p:spPr>
+          <a:xfrm>
+            <a:off x="3252572" y="5190794"/>
+            <a:ext cx="2576727" cy="192418"/>
+          </a:xfrm>
+          <a:prstGeom prst="rect">
+            <a:avLst/>
+          </a:prstGeom>
+          <a:solidFill>
+            <a:srgbClr val="FFE082"/>
+          </a:solidFill>
+          <a:ln>
+            <a:noFill/>
+          </a:ln>
+        </p:spPr>
+        <p:style>
+          <a:lnRef idx="2">
+            <a:schemeClr val="accent1">
+              <a:shade val="50000"/>
+            </a:schemeClr>
+          </a:lnRef>
+          <a:fillRef idx="1">
+            <a:schemeClr val="accent1"/>
+          </a:fillRef>
+          <a:effectRef idx="0">
+            <a:schemeClr val="accent1"/>
+          </a:effectRef>
+          <a:fontRef idx="minor">
+            <a:schemeClr val="lt1"/>
+          </a:fontRef>
+        </p:style>
+        <p:txBody>
+          <a:bodyPr rtlCol="0" anchor="ctr"/>
+          <a:lstStyle/>
+          <a:p>
+            <a:pPr algn="ctr"/>
+            <a:endParaRPr kumimoji="1" lang="ja-JP" altLang="en-US"/>
+          </a:p>
+        </p:txBody>
+      </p:sp>
+      <p:sp>
+        <p:nvSpPr>
+          <p:cNvPr id="12" name="テキスト ボックス 11"/>
+          <p:cNvSpPr txBox="1"/>
+          <p:nvPr/>
+        </p:nvSpPr>
+        <p:spPr>
+          <a:xfrm>
+            <a:off x="3286167" y="4921547"/>
+            <a:ext cx="2543132" cy="461665"/>
+          </a:xfrm>
+          <a:prstGeom prst="rect">
+            <a:avLst/>
+          </a:prstGeom>
+          <a:noFill/>
+        </p:spPr>
+        <p:txBody>
+          <a:bodyPr wrap="square" rtlCol="0">
+            <a:spAutoFit/>
+          </a:bodyPr>
+          <a:lstStyle/>
+          <a:p>
+            <a:pPr algn="ctr"/>
+            <a:r>
+              <a:rPr kumimoji="1" lang="ja-JP" altLang="en-US" sz="2400" b="1" dirty="0" smtClean="0">
+                <a:solidFill>
+                  <a:srgbClr val="EC407A"/>
+                </a:solidFill>
+                <a:latin typeface="Hiragino Sans W6" charset="-128"/>
+                <a:ea typeface="Hiragino Sans W6" charset="-128"/>
+                <a:cs typeface="Hiragino Sans W6" charset="-128"/>
+              </a:rPr>
+              <a:t>時間がかかる</a:t>
+            </a:r>
+            <a:endParaRPr kumimoji="1" lang="ja-JP" altLang="en-US" sz="2400" b="1" dirty="0">
+              <a:solidFill>
+                <a:srgbClr val="EC407A"/>
+              </a:solidFill>
+              <a:latin typeface="Hiragino Sans W6" charset="-128"/>
+              <a:ea typeface="Hiragino Sans W6" charset="-128"/>
+              <a:cs typeface="Hiragino Sans W6" charset="-128"/>
+            </a:endParaRPr>
+          </a:p>
+        </p:txBody>
+      </p:sp>
+      <p:sp>
+        <p:nvSpPr>
+          <p:cNvPr id="17" name="角丸四角形 16"/>
+          <p:cNvSpPr/>
+          <p:nvPr/>
+        </p:nvSpPr>
+        <p:spPr>
+          <a:xfrm>
+            <a:off x="890226" y="2945981"/>
+            <a:ext cx="2220520" cy="1201437"/>
+          </a:xfrm>
+          <a:prstGeom prst="roundRect">
+            <a:avLst>
+              <a:gd name="adj" fmla="val 9804"/>
+            </a:avLst>
+          </a:prstGeom>
+          <a:solidFill>
+            <a:srgbClr val="CFD8DC"/>
+          </a:solidFill>
+          <a:ln>
+            <a:noFill/>
+          </a:ln>
+        </p:spPr>
+        <p:style>
+          <a:lnRef idx="2">
+            <a:schemeClr val="accent1">
+              <a:shade val="50000"/>
+            </a:schemeClr>
+          </a:lnRef>
+          <a:fillRef idx="1">
+            <a:schemeClr val="accent1"/>
+          </a:fillRef>
+          <a:effectRef idx="0">
+            <a:schemeClr val="accent1"/>
+          </a:effectRef>
+          <a:fontRef idx="minor">
+            <a:schemeClr val="lt1"/>
+          </a:fontRef>
+        </p:style>
+        <p:txBody>
+          <a:bodyPr rtlCol="0" anchor="ctr"/>
+          <a:lstStyle/>
+          <a:p>
+            <a:pPr algn="ctr"/>
+            <a:r>
+              <a:rPr lang="ja-JP" altLang="en-US" sz="2400" dirty="0" smtClean="0">
+                <a:solidFill>
+                  <a:srgbClr val="607D8B"/>
+                </a:solidFill>
+                <a:latin typeface="Hiragino Sans W3" charset="-128"/>
+                <a:ea typeface="Hiragino Sans W3" charset="-128"/>
+                <a:cs typeface="Hiragino Sans W3" charset="-128"/>
+              </a:rPr>
+              <a:t>採点</a:t>
+            </a:r>
+            <a:endParaRPr kumimoji="1" lang="ja-JP" altLang="en-US" sz="2400" dirty="0">
+              <a:solidFill>
+                <a:srgbClr val="607D8B"/>
+              </a:solidFill>
+              <a:latin typeface="Hiragino Sans W3" charset="-128"/>
+              <a:ea typeface="Hiragino Sans W3" charset="-128"/>
+              <a:cs typeface="Hiragino Sans W3" charset="-128"/>
+            </a:endParaRPr>
+          </a:p>
+        </p:txBody>
+      </p:sp>
+      <p:sp>
+        <p:nvSpPr>
+          <p:cNvPr id="20" name="角丸四角形 19"/>
+          <p:cNvSpPr/>
+          <p:nvPr/>
+        </p:nvSpPr>
+        <p:spPr>
+          <a:xfrm>
+            <a:off x="5909402" y="2945981"/>
+            <a:ext cx="2220520" cy="1201437"/>
+          </a:xfrm>
+          <a:prstGeom prst="roundRect">
+            <a:avLst>
+              <a:gd name="adj" fmla="val 9804"/>
+            </a:avLst>
+          </a:prstGeom>
+          <a:solidFill>
+            <a:srgbClr val="CFD8DC"/>
+          </a:solidFill>
+          <a:ln>
+            <a:noFill/>
+          </a:ln>
+        </p:spPr>
+        <p:style>
+          <a:lnRef idx="2">
+            <a:schemeClr val="accent1">
+              <a:shade val="50000"/>
+            </a:schemeClr>
+          </a:lnRef>
+          <a:fillRef idx="1">
+            <a:schemeClr val="accent1"/>
+          </a:fillRef>
+          <a:effectRef idx="0">
+            <a:schemeClr val="accent1"/>
+          </a:effectRef>
+          <a:fontRef idx="minor">
+            <a:schemeClr val="lt1"/>
+          </a:fontRef>
+        </p:style>
+        <p:txBody>
+          <a:bodyPr rtlCol="0" anchor="ctr"/>
+          <a:lstStyle/>
+          <a:p>
+            <a:pPr algn="ctr"/>
+            <a:r>
+              <a:rPr lang="ja-JP" altLang="en-US" sz="2400" dirty="0" smtClean="0">
+                <a:solidFill>
+                  <a:srgbClr val="607D8B"/>
+                </a:solidFill>
+                <a:latin typeface="Hiragino Sans W3" charset="-128"/>
+                <a:ea typeface="Hiragino Sans W3" charset="-128"/>
+                <a:cs typeface="Hiragino Sans W3" charset="-128"/>
+              </a:rPr>
+              <a:t>授業計画</a:t>
+            </a:r>
+            <a:endParaRPr kumimoji="1" lang="ja-JP" altLang="en-US" sz="2400" dirty="0">
+              <a:solidFill>
+                <a:srgbClr val="607D8B"/>
+              </a:solidFill>
+              <a:latin typeface="Hiragino Sans W3" charset="-128"/>
+              <a:ea typeface="Hiragino Sans W3" charset="-128"/>
+              <a:cs typeface="Hiragino Sans W3" charset="-128"/>
+            </a:endParaRPr>
+          </a:p>
+        </p:txBody>
+      </p:sp>
     </p:spTree>
     <p:extLst>
       <p:ext uri="{BB962C8B-B14F-4D97-AF65-F5344CB8AC3E}">
-        <p14:creationId xmlns:p14="http://schemas.microsoft.com/office/powerpoint/2010/main" val="445799438"/>
+        <p14:creationId xmlns:p14="http://schemas.microsoft.com/office/powerpoint/2010/main" val="261308364"/>
       </p:ext>
     </p:extLst>
   </p:cSld>
@@ -4190,75 +4557,20 @@
       </p:grpSpPr>
       <p:sp>
         <p:nvSpPr>
-          <p:cNvPr id="2" name="タイトル 1"/>
-          <p:cNvSpPr>
-            <a:spLocks noGrp="1"/>
-          </p:cNvSpPr>
-          <p:nvPr>
-            <p:ph type="title"/>
-          </p:nvPr>
-        </p:nvSpPr>
-        <p:spPr/>
-        <p:txBody>
-          <a:bodyPr>
-            <a:normAutofit fontScale="90000"/>
-          </a:bodyPr>
-          <a:lstStyle/>
-          <a:p>
-            <a:r>
-              <a:rPr lang="ja-JP" altLang="en-US" dirty="0" smtClean="0"/>
-              <a:t>ターゲット</a:t>
-            </a:r>
-            <a:endParaRPr kumimoji="1" lang="ja-JP" altLang="en-US" dirty="0"/>
-          </a:p>
-        </p:txBody>
-      </p:sp>
-      <p:sp>
-        <p:nvSpPr>
-          <p:cNvPr id="4" name="スライド番号プレースホルダー 3"/>
-          <p:cNvSpPr>
-            <a:spLocks noGrp="1"/>
-          </p:cNvSpPr>
-          <p:nvPr>
-            <p:ph type="sldNum" sz="quarter" idx="12"/>
-          </p:nvPr>
-        </p:nvSpPr>
-        <p:spPr/>
-        <p:txBody>
-          <a:bodyPr/>
-          <a:lstStyle/>
-          <a:p>
-            <a:r>
-              <a:rPr lang="en-US" altLang="ja-JP" smtClean="0"/>
-              <a:t>#</a:t>
-            </a:r>
-            <a:fld id="{F281072A-F9EF-F645-A589-9593A608EAA6}" type="slidenum">
-              <a:rPr lang="en-US" altLang="ja-JP" smtClean="0"/>
-              <a:pPr/>
-              <a:t>11</a:t>
-            </a:fld>
-            <a:endParaRPr lang="ja-JP" altLang="en-US" dirty="0"/>
-          </a:p>
-        </p:txBody>
-      </p:sp>
-      <p:sp>
-        <p:nvSpPr>
-          <p:cNvPr id="10" name="角丸四角形 9"/>
+          <p:cNvPr id="21" name="右矢印 20"/>
           <p:cNvSpPr/>
           <p:nvPr/>
         </p:nvSpPr>
         <p:spPr>
           <a:xfrm>
-            <a:off x="1780049" y="2262911"/>
-            <a:ext cx="2508550" cy="619689"/>
-          </a:xfrm>
-          <a:prstGeom prst="roundRect">
-            <a:avLst>
-              <a:gd name="adj" fmla="val 9804"/>
-            </a:avLst>
+            <a:off x="634701" y="3371264"/>
+            <a:ext cx="7880646" cy="350874"/>
+          </a:xfrm>
+          <a:prstGeom prst="rightArrow">
+            <a:avLst/>
           </a:prstGeom>
           <a:solidFill>
-            <a:srgbClr val="26A69B"/>
+            <a:srgbClr val="607D8B"/>
           </a:solidFill>
           <a:ln>
             <a:noFill/>
@@ -4285,49 +4597,82 @@
           <a:lstStyle/>
           <a:p>
             <a:pPr algn="ctr"/>
-            <a:r>
-              <a:rPr lang="ja-JP" altLang="en-US" sz="2400" dirty="0" smtClean="0">
-                <a:solidFill>
-                  <a:srgbClr val="ECEFF1"/>
-                </a:solidFill>
-                <a:latin typeface="Hiragino Sans W3" charset="-128"/>
-                <a:ea typeface="Hiragino Sans W3" charset="-128"/>
-                <a:cs typeface="Hiragino Sans W3" charset="-128"/>
-              </a:rPr>
-              <a:t>算数</a:t>
-            </a:r>
-            <a:endParaRPr kumimoji="1" lang="ja-JP" altLang="en-US" sz="2400" dirty="0">
-              <a:solidFill>
-                <a:srgbClr val="ECEFF1"/>
-              </a:solidFill>
-              <a:latin typeface="Hiragino Sans W3" charset="-128"/>
-              <a:ea typeface="Hiragino Sans W3" charset="-128"/>
-              <a:cs typeface="Hiragino Sans W3" charset="-128"/>
-            </a:endParaRPr>
-          </a:p>
-        </p:txBody>
-      </p:sp>
-      <p:sp>
-        <p:nvSpPr>
-          <p:cNvPr id="11" name="角丸四角形 10"/>
+            <a:endParaRPr kumimoji="1" lang="ja-JP" altLang="en-US"/>
+          </a:p>
+        </p:txBody>
+      </p:sp>
+      <p:sp>
+        <p:nvSpPr>
+          <p:cNvPr id="2" name="タイトル 1"/>
+          <p:cNvSpPr>
+            <a:spLocks noGrp="1"/>
+          </p:cNvSpPr>
+          <p:nvPr>
+            <p:ph type="title"/>
+          </p:nvPr>
+        </p:nvSpPr>
+        <p:spPr/>
+        <p:txBody>
+          <a:bodyPr>
+            <a:normAutofit fontScale="90000"/>
+          </a:bodyPr>
+          <a:lstStyle/>
+          <a:p>
+            <a:r>
+              <a:rPr lang="ja-JP" altLang="en-US" dirty="0" smtClean="0"/>
+              <a:t>背景</a:t>
+            </a:r>
+            <a:endParaRPr kumimoji="1" lang="ja-JP" altLang="en-US" dirty="0"/>
+          </a:p>
+        </p:txBody>
+      </p:sp>
+      <p:sp>
+        <p:nvSpPr>
+          <p:cNvPr id="4" name="スライド番号プレースホルダー 3"/>
+          <p:cNvSpPr>
+            <a:spLocks noGrp="1"/>
+          </p:cNvSpPr>
+          <p:nvPr>
+            <p:ph type="sldNum" sz="quarter" idx="12"/>
+          </p:nvPr>
+        </p:nvSpPr>
+        <p:spPr/>
+        <p:txBody>
+          <a:bodyPr/>
+          <a:lstStyle/>
+          <a:p>
+            <a:r>
+              <a:rPr lang="en-US" altLang="ja-JP" smtClean="0"/>
+              <a:t>#</a:t>
+            </a:r>
+            <a:fld id="{F281072A-F9EF-F645-A589-9593A608EAA6}" type="slidenum">
+              <a:rPr lang="en-US" altLang="ja-JP" smtClean="0"/>
+              <a:pPr/>
+              <a:t>11</a:t>
+            </a:fld>
+            <a:endParaRPr lang="ja-JP" altLang="en-US" dirty="0"/>
+          </a:p>
+        </p:txBody>
+      </p:sp>
+      <p:sp>
+        <p:nvSpPr>
+          <p:cNvPr id="6" name="正方形/長方形 5"/>
           <p:cNvSpPr/>
           <p:nvPr/>
         </p:nvSpPr>
         <p:spPr>
           <a:xfrm>
-            <a:off x="4672345" y="2262911"/>
-            <a:ext cx="2508550" cy="619689"/>
-          </a:xfrm>
-          <a:prstGeom prst="roundRect">
-            <a:avLst>
-              <a:gd name="adj" fmla="val 9804"/>
-            </a:avLst>
+            <a:off x="634701" y="1257456"/>
+            <a:ext cx="7880649" cy="914400"/>
+          </a:xfrm>
+          <a:prstGeom prst="rect">
+            <a:avLst/>
           </a:prstGeom>
-          <a:solidFill>
-            <a:srgbClr val="26A69B"/>
-          </a:solidFill>
-          <a:ln>
-            <a:noFill/>
+          <a:noFill/>
+          <a:ln w="28575">
+            <a:solidFill>
+              <a:srgbClr val="607D8B"/>
+            </a:solidFill>
           </a:ln>
         </p:spPr>
         <p:style>
@@ -4352,19 +4697,19 @@
           <a:p>
             <a:pPr algn="ctr"/>
             <a:r>
-              <a:rPr lang="ja-JP" altLang="en-US" sz="2400" dirty="0" smtClean="0">
+              <a:rPr kumimoji="1" lang="ja-JP" altLang="en-US" sz="3200" dirty="0" smtClean="0">
                 <a:solidFill>
-                  <a:srgbClr val="ECEFF1"/>
+                  <a:srgbClr val="607D8B"/>
                 </a:solidFill>
                 <a:latin typeface="Hiragino Sans W3" charset="-128"/>
                 <a:ea typeface="Hiragino Sans W3" charset="-128"/>
                 <a:cs typeface="Hiragino Sans W3" charset="-128"/>
               </a:rPr>
-              <a:t>数学</a:t>
-            </a:r>
-            <a:endParaRPr kumimoji="1" lang="ja-JP" altLang="en-US" sz="2400" dirty="0">
+              <a:t>小テストの実施</a:t>
+            </a:r>
+            <a:endParaRPr kumimoji="1" lang="ja-JP" altLang="en-US" sz="3200" dirty="0">
               <a:solidFill>
-                <a:srgbClr val="ECEFF1"/>
+                <a:srgbClr val="607D8B"/>
               </a:solidFill>
               <a:latin typeface="Hiragino Sans W3" charset="-128"/>
               <a:ea typeface="Hiragino Sans W3" charset="-128"/>
@@ -4375,41 +4720,62 @@
       </p:sp>
       <p:sp>
         <p:nvSpPr>
-          <p:cNvPr id="12" name="テキスト ボックス 11"/>
-          <p:cNvSpPr txBox="1"/>
+          <p:cNvPr id="10" name="角丸四角形 9"/>
+          <p:cNvSpPr/>
           <p:nvPr/>
         </p:nvSpPr>
         <p:spPr>
           <a:xfrm>
-            <a:off x="661151" y="3098446"/>
-            <a:ext cx="7541048" cy="584775"/>
-          </a:xfrm>
-          <a:prstGeom prst="rect">
-            <a:avLst/>
+            <a:off x="3399814" y="2945980"/>
+            <a:ext cx="2220520" cy="1201437"/>
+          </a:xfrm>
+          <a:prstGeom prst="roundRect">
+            <a:avLst>
+              <a:gd name="adj" fmla="val 9804"/>
+            </a:avLst>
           </a:prstGeom>
-          <a:noFill/>
-        </p:spPr>
-        <p:txBody>
-          <a:bodyPr wrap="square" rtlCol="0">
-            <a:spAutoFit/>
-          </a:bodyPr>
+          <a:solidFill>
+            <a:srgbClr val="CFD8DC"/>
+          </a:solidFill>
+          <a:ln>
+            <a:noFill/>
+          </a:ln>
+        </p:spPr>
+        <p:style>
+          <a:lnRef idx="2">
+            <a:schemeClr val="accent1">
+              <a:shade val="50000"/>
+            </a:schemeClr>
+          </a:lnRef>
+          <a:fillRef idx="1">
+            <a:schemeClr val="accent1"/>
+          </a:fillRef>
+          <a:effectRef idx="0">
+            <a:schemeClr val="accent1"/>
+          </a:effectRef>
+          <a:fontRef idx="minor">
+            <a:schemeClr val="lt1"/>
+          </a:fontRef>
+        </p:style>
+        <p:txBody>
+          <a:bodyPr rtlCol="0" anchor="ctr"/>
           <a:lstStyle/>
           <a:p>
             <a:pPr algn="ctr"/>
             <a:r>
-              <a:rPr lang="ja-JP" altLang="en-US" sz="3200" dirty="0" smtClean="0">
+              <a:rPr lang="ja-JP" altLang="en-US" sz="2400" dirty="0" smtClean="0">
                 <a:solidFill>
-                  <a:srgbClr val="26A69A"/>
+                  <a:srgbClr val="607D8B"/>
                 </a:solidFill>
                 <a:latin typeface="Hiragino Sans W3" charset="-128"/>
                 <a:ea typeface="Hiragino Sans W3" charset="-128"/>
                 <a:cs typeface="Hiragino Sans W3" charset="-128"/>
               </a:rPr>
-              <a:t>を担当している先生</a:t>
-            </a:r>
-            <a:endParaRPr kumimoji="1" lang="ja-JP" altLang="en-US" sz="3200" dirty="0">
+              <a:t>統計</a:t>
+            </a:r>
+            <a:endParaRPr kumimoji="1" lang="ja-JP" altLang="en-US" sz="2400" dirty="0">
               <a:solidFill>
-                <a:srgbClr val="26A69A"/>
+                <a:srgbClr val="607D8B"/>
               </a:solidFill>
               <a:latin typeface="Hiragino Sans W3" charset="-128"/>
               <a:ea typeface="Hiragino Sans W3" charset="-128"/>
@@ -4418,10 +4784,330 @@
           </a:p>
         </p:txBody>
       </p:sp>
+      <p:sp>
+        <p:nvSpPr>
+          <p:cNvPr id="11" name="正方形/長方形 10"/>
+          <p:cNvSpPr/>
+          <p:nvPr/>
+        </p:nvSpPr>
+        <p:spPr>
+          <a:xfrm>
+            <a:off x="3252572" y="5190794"/>
+            <a:ext cx="2576727" cy="192418"/>
+          </a:xfrm>
+          <a:prstGeom prst="rect">
+            <a:avLst/>
+          </a:prstGeom>
+          <a:solidFill>
+            <a:srgbClr val="FFE082"/>
+          </a:solidFill>
+          <a:ln>
+            <a:noFill/>
+          </a:ln>
+        </p:spPr>
+        <p:style>
+          <a:lnRef idx="2">
+            <a:schemeClr val="accent1">
+              <a:shade val="50000"/>
+            </a:schemeClr>
+          </a:lnRef>
+          <a:fillRef idx="1">
+            <a:schemeClr val="accent1"/>
+          </a:fillRef>
+          <a:effectRef idx="0">
+            <a:schemeClr val="accent1"/>
+          </a:effectRef>
+          <a:fontRef idx="minor">
+            <a:schemeClr val="lt1"/>
+          </a:fontRef>
+        </p:style>
+        <p:txBody>
+          <a:bodyPr rtlCol="0" anchor="ctr"/>
+          <a:lstStyle/>
+          <a:p>
+            <a:pPr algn="ctr"/>
+            <a:endParaRPr kumimoji="1" lang="ja-JP" altLang="en-US"/>
+          </a:p>
+        </p:txBody>
+      </p:sp>
+      <p:sp>
+        <p:nvSpPr>
+          <p:cNvPr id="12" name="テキスト ボックス 11"/>
+          <p:cNvSpPr txBox="1"/>
+          <p:nvPr/>
+        </p:nvSpPr>
+        <p:spPr>
+          <a:xfrm>
+            <a:off x="3286167" y="4921547"/>
+            <a:ext cx="2543132" cy="461665"/>
+          </a:xfrm>
+          <a:prstGeom prst="rect">
+            <a:avLst/>
+          </a:prstGeom>
+          <a:noFill/>
+        </p:spPr>
+        <p:txBody>
+          <a:bodyPr wrap="square" rtlCol="0">
+            <a:spAutoFit/>
+          </a:bodyPr>
+          <a:lstStyle/>
+          <a:p>
+            <a:pPr algn="ctr"/>
+            <a:r>
+              <a:rPr kumimoji="1" lang="ja-JP" altLang="en-US" sz="2400" b="1" dirty="0" smtClean="0">
+                <a:solidFill>
+                  <a:srgbClr val="EC407A"/>
+                </a:solidFill>
+                <a:latin typeface="Hiragino Sans W6" charset="-128"/>
+                <a:ea typeface="Hiragino Sans W6" charset="-128"/>
+                <a:cs typeface="Hiragino Sans W6" charset="-128"/>
+              </a:rPr>
+              <a:t>授業に生かせる</a:t>
+            </a:r>
+            <a:endParaRPr kumimoji="1" lang="ja-JP" altLang="en-US" sz="2400" b="1" dirty="0">
+              <a:solidFill>
+                <a:srgbClr val="EC407A"/>
+              </a:solidFill>
+              <a:latin typeface="Hiragino Sans W6" charset="-128"/>
+              <a:ea typeface="Hiragino Sans W6" charset="-128"/>
+              <a:cs typeface="Hiragino Sans W6" charset="-128"/>
+            </a:endParaRPr>
+          </a:p>
+        </p:txBody>
+      </p:sp>
+      <p:sp>
+        <p:nvSpPr>
+          <p:cNvPr id="17" name="角丸四角形 16"/>
+          <p:cNvSpPr/>
+          <p:nvPr/>
+        </p:nvSpPr>
+        <p:spPr>
+          <a:xfrm>
+            <a:off x="890226" y="2945981"/>
+            <a:ext cx="2220520" cy="1201437"/>
+          </a:xfrm>
+          <a:prstGeom prst="roundRect">
+            <a:avLst>
+              <a:gd name="adj" fmla="val 9804"/>
+            </a:avLst>
+          </a:prstGeom>
+          <a:solidFill>
+            <a:srgbClr val="CFD8DC"/>
+          </a:solidFill>
+          <a:ln>
+            <a:noFill/>
+          </a:ln>
+        </p:spPr>
+        <p:style>
+          <a:lnRef idx="2">
+            <a:schemeClr val="accent1">
+              <a:shade val="50000"/>
+            </a:schemeClr>
+          </a:lnRef>
+          <a:fillRef idx="1">
+            <a:schemeClr val="accent1"/>
+          </a:fillRef>
+          <a:effectRef idx="0">
+            <a:schemeClr val="accent1"/>
+          </a:effectRef>
+          <a:fontRef idx="minor">
+            <a:schemeClr val="lt1"/>
+          </a:fontRef>
+        </p:style>
+        <p:txBody>
+          <a:bodyPr rtlCol="0" anchor="ctr"/>
+          <a:lstStyle/>
+          <a:p>
+            <a:pPr algn="ctr"/>
+            <a:r>
+              <a:rPr lang="ja-JP" altLang="en-US" sz="2400" dirty="0" smtClean="0">
+                <a:solidFill>
+                  <a:srgbClr val="607D8B"/>
+                </a:solidFill>
+                <a:latin typeface="Hiragino Sans W3" charset="-128"/>
+                <a:ea typeface="Hiragino Sans W3" charset="-128"/>
+                <a:cs typeface="Hiragino Sans W3" charset="-128"/>
+              </a:rPr>
+              <a:t>採点</a:t>
+            </a:r>
+            <a:endParaRPr kumimoji="1" lang="ja-JP" altLang="en-US" sz="2400" dirty="0">
+              <a:solidFill>
+                <a:srgbClr val="607D8B"/>
+              </a:solidFill>
+              <a:latin typeface="Hiragino Sans W3" charset="-128"/>
+              <a:ea typeface="Hiragino Sans W3" charset="-128"/>
+              <a:cs typeface="Hiragino Sans W3" charset="-128"/>
+            </a:endParaRPr>
+          </a:p>
+        </p:txBody>
+      </p:sp>
+      <p:sp>
+        <p:nvSpPr>
+          <p:cNvPr id="20" name="角丸四角形 19"/>
+          <p:cNvSpPr/>
+          <p:nvPr/>
+        </p:nvSpPr>
+        <p:spPr>
+          <a:xfrm>
+            <a:off x="5909402" y="2945981"/>
+            <a:ext cx="2220520" cy="1201437"/>
+          </a:xfrm>
+          <a:prstGeom prst="roundRect">
+            <a:avLst>
+              <a:gd name="adj" fmla="val 9804"/>
+            </a:avLst>
+          </a:prstGeom>
+          <a:solidFill>
+            <a:srgbClr val="CFD8DC"/>
+          </a:solidFill>
+          <a:ln>
+            <a:noFill/>
+          </a:ln>
+        </p:spPr>
+        <p:style>
+          <a:lnRef idx="2">
+            <a:schemeClr val="accent1">
+              <a:shade val="50000"/>
+            </a:schemeClr>
+          </a:lnRef>
+          <a:fillRef idx="1">
+            <a:schemeClr val="accent1"/>
+          </a:fillRef>
+          <a:effectRef idx="0">
+            <a:schemeClr val="accent1"/>
+          </a:effectRef>
+          <a:fontRef idx="minor">
+            <a:schemeClr val="lt1"/>
+          </a:fontRef>
+        </p:style>
+        <p:txBody>
+          <a:bodyPr rtlCol="0" anchor="ctr"/>
+          <a:lstStyle/>
+          <a:p>
+            <a:pPr algn="ctr"/>
+            <a:r>
+              <a:rPr lang="ja-JP" altLang="en-US" sz="2400" dirty="0" smtClean="0">
+                <a:solidFill>
+                  <a:srgbClr val="607D8B"/>
+                </a:solidFill>
+                <a:latin typeface="Hiragino Sans W3" charset="-128"/>
+                <a:ea typeface="Hiragino Sans W3" charset="-128"/>
+                <a:cs typeface="Hiragino Sans W3" charset="-128"/>
+              </a:rPr>
+              <a:t>授業計画</a:t>
+            </a:r>
+            <a:endParaRPr kumimoji="1" lang="ja-JP" altLang="en-US" sz="2400" dirty="0">
+              <a:solidFill>
+                <a:srgbClr val="607D8B"/>
+              </a:solidFill>
+              <a:latin typeface="Hiragino Sans W3" charset="-128"/>
+              <a:ea typeface="Hiragino Sans W3" charset="-128"/>
+              <a:cs typeface="Hiragino Sans W3" charset="-128"/>
+            </a:endParaRPr>
+          </a:p>
+        </p:txBody>
+      </p:sp>
+      <p:sp>
+        <p:nvSpPr>
+          <p:cNvPr id="13" name="正方形/長方形 12"/>
+          <p:cNvSpPr/>
+          <p:nvPr/>
+        </p:nvSpPr>
+        <p:spPr>
+          <a:xfrm>
+            <a:off x="732020" y="2644900"/>
+            <a:ext cx="5097279" cy="2154476"/>
+          </a:xfrm>
+          <a:prstGeom prst="rect">
+            <a:avLst/>
+          </a:prstGeom>
+          <a:noFill/>
+          <a:ln w="28575">
+            <a:solidFill>
+              <a:srgbClr val="EC4079"/>
+            </a:solidFill>
+          </a:ln>
+        </p:spPr>
+        <p:style>
+          <a:lnRef idx="2">
+            <a:schemeClr val="accent1">
+              <a:shade val="50000"/>
+            </a:schemeClr>
+          </a:lnRef>
+          <a:fillRef idx="1">
+            <a:schemeClr val="accent1"/>
+          </a:fillRef>
+          <a:effectRef idx="0">
+            <a:schemeClr val="accent1"/>
+          </a:effectRef>
+          <a:fontRef idx="minor">
+            <a:schemeClr val="lt1"/>
+          </a:fontRef>
+        </p:style>
+        <p:txBody>
+          <a:bodyPr rtlCol="0" anchor="ctr"/>
+          <a:lstStyle/>
+          <a:p>
+            <a:pPr algn="ctr"/>
+            <a:endParaRPr kumimoji="1" lang="en-US" altLang="ja-JP" sz="3200" dirty="0" smtClean="0">
+              <a:solidFill>
+                <a:srgbClr val="EC4079"/>
+              </a:solidFill>
+              <a:latin typeface="Hiragino Sans W3" charset="-128"/>
+              <a:ea typeface="Hiragino Sans W3" charset="-128"/>
+              <a:cs typeface="Hiragino Sans W3" charset="-128"/>
+            </a:endParaRPr>
+          </a:p>
+          <a:p>
+            <a:pPr algn="ctr"/>
+            <a:endParaRPr lang="en-US" altLang="ja-JP" sz="3200" dirty="0">
+              <a:solidFill>
+                <a:srgbClr val="EC4079"/>
+              </a:solidFill>
+              <a:latin typeface="Hiragino Sans W3" charset="-128"/>
+              <a:ea typeface="Hiragino Sans W3" charset="-128"/>
+              <a:cs typeface="Hiragino Sans W3" charset="-128"/>
+            </a:endParaRPr>
+          </a:p>
+          <a:p>
+            <a:pPr algn="ctr"/>
+            <a:endParaRPr kumimoji="1" lang="en-US" altLang="ja-JP" sz="3200" dirty="0" smtClean="0">
+              <a:solidFill>
+                <a:srgbClr val="EC4079"/>
+              </a:solidFill>
+              <a:latin typeface="Hiragino Sans W3" charset="-128"/>
+              <a:ea typeface="Hiragino Sans W3" charset="-128"/>
+              <a:cs typeface="Hiragino Sans W3" charset="-128"/>
+            </a:endParaRPr>
+          </a:p>
+          <a:p>
+            <a:pPr algn="ctr"/>
+            <a:r>
+              <a:rPr lang="ja-JP" altLang="en-US" sz="3200" dirty="0" smtClean="0">
+                <a:solidFill>
+                  <a:srgbClr val="EC4079"/>
+                </a:solidFill>
+                <a:latin typeface="Hiragino Sans W3" charset="-128"/>
+                <a:ea typeface="Hiragino Sans W3" charset="-128"/>
+                <a:cs typeface="Hiragino Sans W3" charset="-128"/>
+              </a:rPr>
+              <a:t>自動化：リアルタイム</a:t>
+            </a:r>
+            <a:endParaRPr kumimoji="1" lang="ja-JP" altLang="en-US" sz="3200" dirty="0">
+              <a:solidFill>
+                <a:srgbClr val="EC4079"/>
+              </a:solidFill>
+              <a:latin typeface="Hiragino Sans W3" charset="-128"/>
+              <a:ea typeface="Hiragino Sans W3" charset="-128"/>
+              <a:cs typeface="Hiragino Sans W3" charset="-128"/>
+            </a:endParaRPr>
+          </a:p>
+        </p:txBody>
+      </p:sp>
     </p:spTree>
     <p:extLst>
       <p:ext uri="{BB962C8B-B14F-4D97-AF65-F5344CB8AC3E}">
-        <p14:creationId xmlns:p14="http://schemas.microsoft.com/office/powerpoint/2010/main" val="1044788124"/>
+        <p14:creationId xmlns:p14="http://schemas.microsoft.com/office/powerpoint/2010/main" val="34018438"/>
       </p:ext>
     </p:extLst>
   </p:cSld>
@@ -4466,8 +5152,8 @@
           <a:lstStyle/>
           <a:p>
             <a:r>
-              <a:rPr lang="ja-JP" altLang="en-US" dirty="0" smtClean="0"/>
-              <a:t>課題</a:t>
+              <a:rPr kumimoji="1" lang="ja-JP" altLang="en-US" dirty="0" smtClean="0"/>
+              <a:t>背景</a:t>
             </a:r>
             <a:endParaRPr kumimoji="1" lang="ja-JP" altLang="en-US" dirty="0"/>
           </a:p>
@@ -4503,14 +5189,14 @@
       </p:sp>
       <p:sp>
         <p:nvSpPr>
-          <p:cNvPr id="7" name="テキスト ボックス 6"/>
+          <p:cNvPr id="5" name="テキスト ボックス 4"/>
           <p:cNvSpPr txBox="1"/>
           <p:nvPr/>
         </p:nvSpPr>
         <p:spPr>
           <a:xfrm>
-            <a:off x="632757" y="1116259"/>
-            <a:ext cx="6138238" cy="584775"/>
+            <a:off x="661151" y="3098446"/>
+            <a:ext cx="7541048" cy="584775"/>
           </a:xfrm>
           <a:prstGeom prst="rect">
             <a:avLst/>
@@ -4523,8 +5209,9 @@
           </a:bodyPr>
           <a:lstStyle/>
           <a:p>
-            <a:r>
-              <a:rPr kumimoji="1" lang="ja-JP" altLang="en-US" sz="3200" smtClean="0">
+            <a:pPr algn="ctr"/>
+            <a:r>
+              <a:rPr lang="ja-JP" altLang="en-US" sz="3200" dirty="0" smtClean="0">
                 <a:solidFill>
                   <a:srgbClr val="26A69A"/>
                 </a:solidFill>
@@ -4532,7 +5219,7 @@
                 <a:ea typeface="Hiragino Sans W3" charset="-128"/>
                 <a:cs typeface="Hiragino Sans W3" charset="-128"/>
               </a:rPr>
-              <a:t>数式入力の問題</a:t>
+              <a:t>じゃあ作るか</a:t>
             </a:r>
             <a:endParaRPr kumimoji="1" lang="ja-JP" altLang="en-US" sz="3200" dirty="0">
               <a:solidFill>
@@ -4548,7 +5235,1069 @@
     </p:spTree>
     <p:extLst>
       <p:ext uri="{BB962C8B-B14F-4D97-AF65-F5344CB8AC3E}">
+        <p14:creationId xmlns:p14="http://schemas.microsoft.com/office/powerpoint/2010/main" val="445799438"/>
+      </p:ext>
+    </p:extLst>
+  </p:cSld>
+  <p:clrMapOvr>
+    <a:masterClrMapping/>
+  </p:clrMapOvr>
+</p:sld>
+</file>
+
+<file path=ppt/slides/slide13.xml><?xml version="1.0" encoding="utf-8"?>
+<p:sld xmlns:a="http://schemas.openxmlformats.org/drawingml/2006/main" xmlns:r="http://schemas.openxmlformats.org/officeDocument/2006/relationships" xmlns:p="http://schemas.openxmlformats.org/presentationml/2006/main">
+  <p:cSld>
+    <p:spTree>
+      <p:nvGrpSpPr>
+        <p:cNvPr id="1" name=""/>
+        <p:cNvGrpSpPr/>
+        <p:nvPr/>
+      </p:nvGrpSpPr>
+      <p:grpSpPr>
+        <a:xfrm>
+          <a:off x="0" y="0"/>
+          <a:ext cx="0" cy="0"/>
+          <a:chOff x="0" y="0"/>
+          <a:chExt cx="0" cy="0"/>
+        </a:xfrm>
+      </p:grpSpPr>
+      <p:sp>
+        <p:nvSpPr>
+          <p:cNvPr id="2" name="タイトル 1"/>
+          <p:cNvSpPr>
+            <a:spLocks noGrp="1"/>
+          </p:cNvSpPr>
+          <p:nvPr>
+            <p:ph type="title"/>
+          </p:nvPr>
+        </p:nvSpPr>
+        <p:spPr/>
+        <p:txBody>
+          <a:bodyPr>
+            <a:normAutofit fontScale="90000"/>
+          </a:bodyPr>
+          <a:lstStyle/>
+          <a:p>
+            <a:r>
+              <a:rPr lang="ja-JP" altLang="en-US" dirty="0" smtClean="0"/>
+              <a:t>課題</a:t>
+            </a:r>
+            <a:endParaRPr kumimoji="1" lang="ja-JP" altLang="en-US" dirty="0"/>
+          </a:p>
+        </p:txBody>
+      </p:sp>
+      <p:sp>
+        <p:nvSpPr>
+          <p:cNvPr id="4" name="スライド番号プレースホルダー 3"/>
+          <p:cNvSpPr>
+            <a:spLocks noGrp="1"/>
+          </p:cNvSpPr>
+          <p:nvPr>
+            <p:ph type="sldNum" sz="quarter" idx="12"/>
+          </p:nvPr>
+        </p:nvSpPr>
+        <p:spPr/>
+        <p:txBody>
+          <a:bodyPr/>
+          <a:lstStyle/>
+          <a:p>
+            <a:r>
+              <a:rPr lang="en-US" altLang="ja-JP" smtClean="0"/>
+              <a:t>#</a:t>
+            </a:r>
+            <a:fld id="{F281072A-F9EF-F645-A589-9593A608EAA6}" type="slidenum">
+              <a:rPr lang="en-US" altLang="ja-JP" smtClean="0"/>
+              <a:pPr/>
+              <a:t>13</a:t>
+            </a:fld>
+            <a:endParaRPr lang="ja-JP" altLang="en-US" dirty="0"/>
+          </a:p>
+        </p:txBody>
+      </p:sp>
+      <p:sp>
+        <p:nvSpPr>
+          <p:cNvPr id="7" name="テキスト ボックス 6"/>
+          <p:cNvSpPr txBox="1"/>
+          <p:nvPr/>
+        </p:nvSpPr>
+        <p:spPr>
+          <a:xfrm>
+            <a:off x="1603226" y="3098446"/>
+            <a:ext cx="6138238" cy="584775"/>
+          </a:xfrm>
+          <a:prstGeom prst="rect">
+            <a:avLst/>
+          </a:prstGeom>
+          <a:noFill/>
+        </p:spPr>
+        <p:txBody>
+          <a:bodyPr wrap="square" rtlCol="0">
+            <a:spAutoFit/>
+          </a:bodyPr>
+          <a:lstStyle/>
+          <a:p>
+            <a:pPr algn="ctr"/>
+            <a:r>
+              <a:rPr lang="ja-JP" altLang="en-US" sz="3200" smtClean="0">
+                <a:solidFill>
+                  <a:srgbClr val="26A69A"/>
+                </a:solidFill>
+                <a:latin typeface="Hiragino Sans W3" charset="-128"/>
+                <a:ea typeface="Hiragino Sans W3" charset="-128"/>
+                <a:cs typeface="Hiragino Sans W3" charset="-128"/>
+              </a:rPr>
+              <a:t>技術面</a:t>
+            </a:r>
+            <a:endParaRPr kumimoji="1" lang="ja-JP" altLang="en-US" sz="3200" dirty="0">
+              <a:solidFill>
+                <a:srgbClr val="26A69A"/>
+              </a:solidFill>
+              <a:latin typeface="Hiragino Sans W3" charset="-128"/>
+              <a:ea typeface="Hiragino Sans W3" charset="-128"/>
+              <a:cs typeface="Hiragino Sans W3" charset="-128"/>
+            </a:endParaRPr>
+          </a:p>
+        </p:txBody>
+      </p:sp>
+    </p:spTree>
+    <p:extLst>
+      <p:ext uri="{BB962C8B-B14F-4D97-AF65-F5344CB8AC3E}">
         <p14:creationId xmlns:p14="http://schemas.microsoft.com/office/powerpoint/2010/main" val="1595850963"/>
+      </p:ext>
+    </p:extLst>
+  </p:cSld>
+  <p:clrMapOvr>
+    <a:masterClrMapping/>
+  </p:clrMapOvr>
+</p:sld>
+</file>
+
+<file path=ppt/slides/slide14.xml><?xml version="1.0" encoding="utf-8"?>
+<p:sld xmlns:a="http://schemas.openxmlformats.org/drawingml/2006/main" xmlns:r="http://schemas.openxmlformats.org/officeDocument/2006/relationships" xmlns:p="http://schemas.openxmlformats.org/presentationml/2006/main">
+  <p:cSld>
+    <p:bg>
+      <p:bgPr>
+        <a:solidFill>
+          <a:schemeClr val="tx1">
+            <a:lumMod val="85000"/>
+            <a:lumOff val="15000"/>
+          </a:schemeClr>
+        </a:solidFill>
+        <a:effectLst/>
+      </p:bgPr>
+    </p:bg>
+    <p:spTree>
+      <p:nvGrpSpPr>
+        <p:cNvPr id="1" name=""/>
+        <p:cNvGrpSpPr/>
+        <p:nvPr/>
+      </p:nvGrpSpPr>
+      <p:grpSpPr>
+        <a:xfrm>
+          <a:off x="0" y="0"/>
+          <a:ext cx="0" cy="0"/>
+          <a:chOff x="0" y="0"/>
+          <a:chExt cx="0" cy="0"/>
+        </a:xfrm>
+      </p:grpSpPr>
+      <p:sp>
+        <p:nvSpPr>
+          <p:cNvPr id="2" name="タイトル 1"/>
+          <p:cNvSpPr>
+            <a:spLocks noGrp="1"/>
+          </p:cNvSpPr>
+          <p:nvPr>
+            <p:ph type="title"/>
+          </p:nvPr>
+        </p:nvSpPr>
+        <p:spPr/>
+        <p:txBody>
+          <a:bodyPr>
+            <a:normAutofit fontScale="90000"/>
+          </a:bodyPr>
+          <a:lstStyle/>
+          <a:p>
+            <a:r>
+              <a:rPr lang="ja-JP" altLang="en-US" dirty="0" smtClean="0"/>
+              <a:t>課題</a:t>
+            </a:r>
+            <a:endParaRPr kumimoji="1" lang="ja-JP" altLang="en-US" dirty="0"/>
+          </a:p>
+        </p:txBody>
+      </p:sp>
+      <p:sp>
+        <p:nvSpPr>
+          <p:cNvPr id="4" name="スライド番号プレースホルダー 3"/>
+          <p:cNvSpPr>
+            <a:spLocks noGrp="1"/>
+          </p:cNvSpPr>
+          <p:nvPr>
+            <p:ph type="sldNum" sz="quarter" idx="12"/>
+          </p:nvPr>
+        </p:nvSpPr>
+        <p:spPr/>
+        <p:txBody>
+          <a:bodyPr/>
+          <a:lstStyle/>
+          <a:p>
+            <a:r>
+              <a:rPr lang="en-US" altLang="ja-JP" smtClean="0"/>
+              <a:t>#</a:t>
+            </a:r>
+            <a:fld id="{F281072A-F9EF-F645-A589-9593A608EAA6}" type="slidenum">
+              <a:rPr lang="en-US" altLang="ja-JP" smtClean="0"/>
+              <a:pPr/>
+              <a:t>14</a:t>
+            </a:fld>
+            <a:endParaRPr lang="ja-JP" altLang="en-US" dirty="0"/>
+          </a:p>
+        </p:txBody>
+      </p:sp>
+      <p:sp>
+        <p:nvSpPr>
+          <p:cNvPr id="5" name="テキスト ボックス 4"/>
+          <p:cNvSpPr txBox="1"/>
+          <p:nvPr/>
+        </p:nvSpPr>
+        <p:spPr>
+          <a:xfrm>
+            <a:off x="974302" y="1582797"/>
+            <a:ext cx="7541048" cy="1077218"/>
+          </a:xfrm>
+          <a:prstGeom prst="rect">
+            <a:avLst/>
+          </a:prstGeom>
+          <a:noFill/>
+        </p:spPr>
+        <p:txBody>
+          <a:bodyPr wrap="square" rtlCol="0">
+            <a:spAutoFit/>
+          </a:bodyPr>
+          <a:lstStyle/>
+          <a:p>
+            <a:r>
+              <a:rPr lang="ja-JP" altLang="en-US" sz="3200" dirty="0" smtClean="0">
+                <a:solidFill>
+                  <a:srgbClr val="26A69A"/>
+                </a:solidFill>
+                <a:latin typeface="Hiragino Sans W3" charset="-128"/>
+                <a:ea typeface="Hiragino Sans W3" charset="-128"/>
+                <a:cs typeface="Hiragino Sans W3" charset="-128"/>
+              </a:rPr>
+              <a:t>生徒は電子機器に慣れているが、</a:t>
+            </a:r>
+            <a:endParaRPr lang="en-US" altLang="ja-JP" sz="3200" dirty="0" smtClean="0">
+              <a:solidFill>
+                <a:srgbClr val="26A69A"/>
+              </a:solidFill>
+              <a:latin typeface="Hiragino Sans W3" charset="-128"/>
+              <a:ea typeface="Hiragino Sans W3" charset="-128"/>
+              <a:cs typeface="Hiragino Sans W3" charset="-128"/>
+            </a:endParaRPr>
+          </a:p>
+          <a:p>
+            <a:r>
+              <a:rPr lang="ja-JP" altLang="en-US" sz="3200" dirty="0" smtClean="0">
+                <a:solidFill>
+                  <a:srgbClr val="26A69A"/>
+                </a:solidFill>
+                <a:latin typeface="Hiragino Sans W3" charset="-128"/>
+                <a:ea typeface="Hiragino Sans W3" charset="-128"/>
+                <a:cs typeface="Hiragino Sans W3" charset="-128"/>
+              </a:rPr>
+              <a:t>教員のほうが使いこなせない</a:t>
+            </a:r>
+            <a:endParaRPr kumimoji="1" lang="ja-JP" altLang="en-US" sz="3200" dirty="0">
+              <a:solidFill>
+                <a:srgbClr val="26A69A"/>
+              </a:solidFill>
+              <a:latin typeface="Hiragino Sans W3" charset="-128"/>
+              <a:ea typeface="Hiragino Sans W3" charset="-128"/>
+              <a:cs typeface="Hiragino Sans W3" charset="-128"/>
+            </a:endParaRPr>
+          </a:p>
+        </p:txBody>
+      </p:sp>
+      <p:pic>
+        <p:nvPicPr>
+          <p:cNvPr id="1026" name="Picture 2" descr="ttps://pbs.twimg.com/media/DLlU3YPUQAEcLvh.jpg"/>
+          <p:cNvPicPr>
+            <a:picLocks noChangeAspect="1" noChangeArrowheads="1"/>
+          </p:cNvPicPr>
+          <p:nvPr/>
+        </p:nvPicPr>
+        <p:blipFill>
+          <a:blip r:embed="rId2">
+            <a:extLst>
+              <a:ext uri="{BEBA8EAE-BF5A-486C-A8C5-ECC9F3942E4B}">
+                <a14:imgProps xmlns:a14="http://schemas.microsoft.com/office/drawing/2010/main">
+                  <a14:imgLayer r:embed="rId3">
+                    <a14:imgEffect>
+                      <a14:artisticGlowEdges/>
+                    </a14:imgEffect>
+                  </a14:imgLayer>
+                </a14:imgProps>
+              </a:ext>
+              <a:ext uri="{28A0092B-C50C-407E-A947-70E740481C1C}">
+                <a14:useLocalDpi xmlns:a14="http://schemas.microsoft.com/office/drawing/2010/main" val="0"/>
+              </a:ext>
+            </a:extLst>
+          </a:blip>
+          <a:srcRect/>
+          <a:stretch>
+            <a:fillRect/>
+          </a:stretch>
+        </p:blipFill>
+        <p:spPr bwMode="auto">
+          <a:xfrm>
+            <a:off x="2934815" y="2839800"/>
+            <a:ext cx="3620022" cy="3336765"/>
+          </a:xfrm>
+          <a:prstGeom prst="rect">
+            <a:avLst/>
+          </a:prstGeom>
+          <a:noFill/>
+          <a:extLst>
+            <a:ext uri="{909E8E84-426E-40DD-AFC4-6F175D3DCCD1}">
+              <a14:hiddenFill xmlns:a14="http://schemas.microsoft.com/office/drawing/2010/main">
+                <a:solidFill>
+                  <a:srgbClr val="FFFFFF"/>
+                </a:solidFill>
+              </a14:hiddenFill>
+            </a:ext>
+          </a:extLst>
+        </p:spPr>
+      </p:pic>
+    </p:spTree>
+    <p:extLst>
+      <p:ext uri="{BB962C8B-B14F-4D97-AF65-F5344CB8AC3E}">
+        <p14:creationId xmlns:p14="http://schemas.microsoft.com/office/powerpoint/2010/main" val="1086998363"/>
+      </p:ext>
+    </p:extLst>
+  </p:cSld>
+  <p:clrMapOvr>
+    <a:masterClrMapping/>
+  </p:clrMapOvr>
+</p:sld>
+</file>
+
+<file path=ppt/slides/slide15.xml><?xml version="1.0" encoding="utf-8"?>
+<p:sld xmlns:a="http://schemas.openxmlformats.org/drawingml/2006/main" xmlns:r="http://schemas.openxmlformats.org/officeDocument/2006/relationships" xmlns:p="http://schemas.openxmlformats.org/presentationml/2006/main">
+  <p:cSld>
+    <p:spTree>
+      <p:nvGrpSpPr>
+        <p:cNvPr id="1" name=""/>
+        <p:cNvGrpSpPr/>
+        <p:nvPr/>
+      </p:nvGrpSpPr>
+      <p:grpSpPr>
+        <a:xfrm>
+          <a:off x="0" y="0"/>
+          <a:ext cx="0" cy="0"/>
+          <a:chOff x="0" y="0"/>
+          <a:chExt cx="0" cy="0"/>
+        </a:xfrm>
+      </p:grpSpPr>
+      <p:sp>
+        <p:nvSpPr>
+          <p:cNvPr id="2" name="タイトル 1"/>
+          <p:cNvSpPr>
+            <a:spLocks noGrp="1"/>
+          </p:cNvSpPr>
+          <p:nvPr>
+            <p:ph type="title"/>
+          </p:nvPr>
+        </p:nvSpPr>
+        <p:spPr/>
+        <p:txBody>
+          <a:bodyPr>
+            <a:normAutofit fontScale="90000"/>
+          </a:bodyPr>
+          <a:lstStyle/>
+          <a:p>
+            <a:r>
+              <a:rPr lang="ja-JP" altLang="en-US" dirty="0" smtClean="0"/>
+              <a:t>課題</a:t>
+            </a:r>
+            <a:endParaRPr kumimoji="1" lang="ja-JP" altLang="en-US" dirty="0"/>
+          </a:p>
+        </p:txBody>
+      </p:sp>
+      <p:sp>
+        <p:nvSpPr>
+          <p:cNvPr id="4" name="スライド番号プレースホルダー 3"/>
+          <p:cNvSpPr>
+            <a:spLocks noGrp="1"/>
+          </p:cNvSpPr>
+          <p:nvPr>
+            <p:ph type="sldNum" sz="quarter" idx="12"/>
+          </p:nvPr>
+        </p:nvSpPr>
+        <p:spPr/>
+        <p:txBody>
+          <a:bodyPr/>
+          <a:lstStyle/>
+          <a:p>
+            <a:r>
+              <a:rPr lang="en-US" altLang="ja-JP" smtClean="0"/>
+              <a:t>#</a:t>
+            </a:r>
+            <a:fld id="{F281072A-F9EF-F645-A589-9593A608EAA6}" type="slidenum">
+              <a:rPr lang="en-US" altLang="ja-JP" smtClean="0"/>
+              <a:pPr/>
+              <a:t>15</a:t>
+            </a:fld>
+            <a:endParaRPr lang="ja-JP" altLang="en-US" dirty="0"/>
+          </a:p>
+        </p:txBody>
+      </p:sp>
+      <p:sp>
+        <p:nvSpPr>
+          <p:cNvPr id="7" name="テキスト ボックス 6"/>
+          <p:cNvSpPr txBox="1"/>
+          <p:nvPr/>
+        </p:nvSpPr>
+        <p:spPr>
+          <a:xfrm>
+            <a:off x="1603226" y="3098446"/>
+            <a:ext cx="6138238" cy="584775"/>
+          </a:xfrm>
+          <a:prstGeom prst="rect">
+            <a:avLst/>
+          </a:prstGeom>
+          <a:noFill/>
+        </p:spPr>
+        <p:txBody>
+          <a:bodyPr wrap="square" rtlCol="0">
+            <a:spAutoFit/>
+          </a:bodyPr>
+          <a:lstStyle/>
+          <a:p>
+            <a:pPr algn="ctr"/>
+            <a:r>
+              <a:rPr lang="ja-JP" altLang="en-US" sz="3200" dirty="0" smtClean="0">
+                <a:solidFill>
+                  <a:srgbClr val="26A69A"/>
+                </a:solidFill>
+                <a:latin typeface="Hiragino Sans W3" charset="-128"/>
+                <a:ea typeface="Hiragino Sans W3" charset="-128"/>
+                <a:cs typeface="Hiragino Sans W3" charset="-128"/>
+              </a:rPr>
+              <a:t>数式入力</a:t>
+            </a:r>
+            <a:endParaRPr kumimoji="1" lang="ja-JP" altLang="en-US" sz="3200" dirty="0">
+              <a:solidFill>
+                <a:srgbClr val="26A69A"/>
+              </a:solidFill>
+              <a:latin typeface="Hiragino Sans W3" charset="-128"/>
+              <a:ea typeface="Hiragino Sans W3" charset="-128"/>
+              <a:cs typeface="Hiragino Sans W3" charset="-128"/>
+            </a:endParaRPr>
+          </a:p>
+        </p:txBody>
+      </p:sp>
+    </p:spTree>
+    <p:extLst>
+      <p:ext uri="{BB962C8B-B14F-4D97-AF65-F5344CB8AC3E}">
+        <p14:creationId xmlns:p14="http://schemas.microsoft.com/office/powerpoint/2010/main" val="1583802493"/>
+      </p:ext>
+    </p:extLst>
+  </p:cSld>
+  <p:clrMapOvr>
+    <a:masterClrMapping/>
+  </p:clrMapOvr>
+</p:sld>
+</file>
+
+<file path=ppt/slides/slide16.xml><?xml version="1.0" encoding="utf-8"?>
+<p:sld xmlns:a="http://schemas.openxmlformats.org/drawingml/2006/main" xmlns:r="http://schemas.openxmlformats.org/officeDocument/2006/relationships" xmlns:p="http://schemas.openxmlformats.org/presentationml/2006/main">
+  <p:cSld>
+    <p:spTree>
+      <p:nvGrpSpPr>
+        <p:cNvPr id="1" name=""/>
+        <p:cNvGrpSpPr/>
+        <p:nvPr/>
+      </p:nvGrpSpPr>
+      <p:grpSpPr>
+        <a:xfrm>
+          <a:off x="0" y="0"/>
+          <a:ext cx="0" cy="0"/>
+          <a:chOff x="0" y="0"/>
+          <a:chExt cx="0" cy="0"/>
+        </a:xfrm>
+      </p:grpSpPr>
+      <p:sp>
+        <p:nvSpPr>
+          <p:cNvPr id="2" name="タイトル 1"/>
+          <p:cNvSpPr>
+            <a:spLocks noGrp="1"/>
+          </p:cNvSpPr>
+          <p:nvPr>
+            <p:ph type="title"/>
+          </p:nvPr>
+        </p:nvSpPr>
+        <p:spPr/>
+        <p:txBody>
+          <a:bodyPr>
+            <a:normAutofit fontScale="90000"/>
+          </a:bodyPr>
+          <a:lstStyle/>
+          <a:p>
+            <a:r>
+              <a:rPr lang="ja-JP" altLang="en-US" dirty="0" smtClean="0"/>
+              <a:t>課題</a:t>
+            </a:r>
+            <a:endParaRPr kumimoji="1" lang="ja-JP" altLang="en-US" dirty="0"/>
+          </a:p>
+        </p:txBody>
+      </p:sp>
+      <p:sp>
+        <p:nvSpPr>
+          <p:cNvPr id="4" name="スライド番号プレースホルダー 3"/>
+          <p:cNvSpPr>
+            <a:spLocks noGrp="1"/>
+          </p:cNvSpPr>
+          <p:nvPr>
+            <p:ph type="sldNum" sz="quarter" idx="12"/>
+          </p:nvPr>
+        </p:nvSpPr>
+        <p:spPr/>
+        <p:txBody>
+          <a:bodyPr/>
+          <a:lstStyle/>
+          <a:p>
+            <a:r>
+              <a:rPr lang="en-US" altLang="ja-JP" smtClean="0"/>
+              <a:t>#</a:t>
+            </a:r>
+            <a:fld id="{F281072A-F9EF-F645-A589-9593A608EAA6}" type="slidenum">
+              <a:rPr lang="en-US" altLang="ja-JP" smtClean="0"/>
+              <a:pPr/>
+              <a:t>16</a:t>
+            </a:fld>
+            <a:endParaRPr lang="ja-JP" altLang="en-US" dirty="0"/>
+          </a:p>
+        </p:txBody>
+      </p:sp>
+      <p:pic>
+        <p:nvPicPr>
+          <p:cNvPr id="3" name="図 2"/>
+          <p:cNvPicPr>
+            <a:picLocks noChangeAspect="1"/>
+          </p:cNvPicPr>
+          <p:nvPr/>
+        </p:nvPicPr>
+        <p:blipFill>
+          <a:blip r:embed="rId2">
+            <a:extLst>
+              <a:ext uri="{28A0092B-C50C-407E-A947-70E740481C1C}">
+                <a14:useLocalDpi xmlns:a14="http://schemas.microsoft.com/office/drawing/2010/main" val="0"/>
+              </a:ext>
+            </a:extLst>
+          </a:blip>
+          <a:stretch>
+            <a:fillRect/>
+          </a:stretch>
+        </p:blipFill>
+        <p:spPr>
+          <a:xfrm>
+            <a:off x="0" y="1272144"/>
+            <a:ext cx="9144000" cy="4822156"/>
+          </a:xfrm>
+          <a:prstGeom prst="rect">
+            <a:avLst/>
+          </a:prstGeom>
+        </p:spPr>
+      </p:pic>
+    </p:spTree>
+    <p:extLst>
+      <p:ext uri="{BB962C8B-B14F-4D97-AF65-F5344CB8AC3E}">
+        <p14:creationId xmlns:p14="http://schemas.microsoft.com/office/powerpoint/2010/main" val="852581610"/>
+      </p:ext>
+    </p:extLst>
+  </p:cSld>
+  <p:clrMapOvr>
+    <a:masterClrMapping/>
+  </p:clrMapOvr>
+</p:sld>
+</file>
+
+<file path=ppt/slides/slide17.xml><?xml version="1.0" encoding="utf-8"?>
+<p:sld xmlns:a="http://schemas.openxmlformats.org/drawingml/2006/main" xmlns:r="http://schemas.openxmlformats.org/officeDocument/2006/relationships" xmlns:p="http://schemas.openxmlformats.org/presentationml/2006/main">
+  <p:cSld>
+    <p:spTree>
+      <p:nvGrpSpPr>
+        <p:cNvPr id="1" name=""/>
+        <p:cNvGrpSpPr/>
+        <p:nvPr/>
+      </p:nvGrpSpPr>
+      <p:grpSpPr>
+        <a:xfrm>
+          <a:off x="0" y="0"/>
+          <a:ext cx="0" cy="0"/>
+          <a:chOff x="0" y="0"/>
+          <a:chExt cx="0" cy="0"/>
+        </a:xfrm>
+      </p:grpSpPr>
+      <p:sp>
+        <p:nvSpPr>
+          <p:cNvPr id="2" name="タイトル 1"/>
+          <p:cNvSpPr>
+            <a:spLocks noGrp="1"/>
+          </p:cNvSpPr>
+          <p:nvPr>
+            <p:ph type="title"/>
+          </p:nvPr>
+        </p:nvSpPr>
+        <p:spPr/>
+        <p:txBody>
+          <a:bodyPr>
+            <a:normAutofit fontScale="90000"/>
+          </a:bodyPr>
+          <a:lstStyle/>
+          <a:p>
+            <a:r>
+              <a:rPr lang="ja-JP" altLang="en-US" dirty="0" smtClean="0"/>
+              <a:t>課題</a:t>
+            </a:r>
+            <a:endParaRPr kumimoji="1" lang="ja-JP" altLang="en-US" dirty="0"/>
+          </a:p>
+        </p:txBody>
+      </p:sp>
+      <p:sp>
+        <p:nvSpPr>
+          <p:cNvPr id="4" name="スライド番号プレースホルダー 3"/>
+          <p:cNvSpPr>
+            <a:spLocks noGrp="1"/>
+          </p:cNvSpPr>
+          <p:nvPr>
+            <p:ph type="sldNum" sz="quarter" idx="12"/>
+          </p:nvPr>
+        </p:nvSpPr>
+        <p:spPr/>
+        <p:txBody>
+          <a:bodyPr/>
+          <a:lstStyle/>
+          <a:p>
+            <a:r>
+              <a:rPr lang="en-US" altLang="ja-JP" smtClean="0"/>
+              <a:t>#</a:t>
+            </a:r>
+            <a:fld id="{F281072A-F9EF-F645-A589-9593A608EAA6}" type="slidenum">
+              <a:rPr lang="en-US" altLang="ja-JP" smtClean="0"/>
+              <a:pPr/>
+              <a:t>17</a:t>
+            </a:fld>
+            <a:endParaRPr lang="ja-JP" altLang="en-US" dirty="0"/>
+          </a:p>
+        </p:txBody>
+      </p:sp>
+      <p:pic>
+        <p:nvPicPr>
+          <p:cNvPr id="5" name="図 4"/>
+          <p:cNvPicPr>
+            <a:picLocks noChangeAspect="1"/>
+          </p:cNvPicPr>
+          <p:nvPr/>
+        </p:nvPicPr>
+        <p:blipFill rotWithShape="1">
+          <a:blip r:embed="rId2">
+            <a:extLst>
+              <a:ext uri="{28A0092B-C50C-407E-A947-70E740481C1C}">
+                <a14:useLocalDpi xmlns:a14="http://schemas.microsoft.com/office/drawing/2010/main" val="0"/>
+              </a:ext>
+            </a:extLst>
+          </a:blip>
+          <a:srcRect b="2719"/>
+          <a:stretch/>
+        </p:blipFill>
+        <p:spPr>
+          <a:xfrm>
+            <a:off x="0" y="1010093"/>
+            <a:ext cx="9144000" cy="5346258"/>
+          </a:xfrm>
+          <a:prstGeom prst="rect">
+            <a:avLst/>
+          </a:prstGeom>
+        </p:spPr>
+      </p:pic>
+    </p:spTree>
+    <p:extLst>
+      <p:ext uri="{BB962C8B-B14F-4D97-AF65-F5344CB8AC3E}">
+        <p14:creationId xmlns:p14="http://schemas.microsoft.com/office/powerpoint/2010/main" val="600834849"/>
+      </p:ext>
+    </p:extLst>
+  </p:cSld>
+  <p:clrMapOvr>
+    <a:masterClrMapping/>
+  </p:clrMapOvr>
+</p:sld>
+</file>
+
+<file path=ppt/slides/slide18.xml><?xml version="1.0" encoding="utf-8"?>
+<p:sld xmlns:a="http://schemas.openxmlformats.org/drawingml/2006/main" xmlns:r="http://schemas.openxmlformats.org/officeDocument/2006/relationships" xmlns:p="http://schemas.openxmlformats.org/presentationml/2006/main">
+  <p:cSld>
+    <p:spTree>
+      <p:nvGrpSpPr>
+        <p:cNvPr id="1" name=""/>
+        <p:cNvGrpSpPr/>
+        <p:nvPr/>
+      </p:nvGrpSpPr>
+      <p:grpSpPr>
+        <a:xfrm>
+          <a:off x="0" y="0"/>
+          <a:ext cx="0" cy="0"/>
+          <a:chOff x="0" y="0"/>
+          <a:chExt cx="0" cy="0"/>
+        </a:xfrm>
+      </p:grpSpPr>
+      <p:sp>
+        <p:nvSpPr>
+          <p:cNvPr id="2" name="タイトル 1"/>
+          <p:cNvSpPr>
+            <a:spLocks noGrp="1"/>
+          </p:cNvSpPr>
+          <p:nvPr>
+            <p:ph type="title"/>
+          </p:nvPr>
+        </p:nvSpPr>
+        <p:spPr/>
+        <p:txBody>
+          <a:bodyPr>
+            <a:normAutofit fontScale="90000"/>
+          </a:bodyPr>
+          <a:lstStyle/>
+          <a:p>
+            <a:r>
+              <a:rPr lang="ja-JP" altLang="en-US" dirty="0" smtClean="0"/>
+              <a:t>課題</a:t>
+            </a:r>
+            <a:endParaRPr kumimoji="1" lang="ja-JP" altLang="en-US" dirty="0"/>
+          </a:p>
+        </p:txBody>
+      </p:sp>
+      <p:sp>
+        <p:nvSpPr>
+          <p:cNvPr id="4" name="スライド番号プレースホルダー 3"/>
+          <p:cNvSpPr>
+            <a:spLocks noGrp="1"/>
+          </p:cNvSpPr>
+          <p:nvPr>
+            <p:ph type="sldNum" sz="quarter" idx="12"/>
+          </p:nvPr>
+        </p:nvSpPr>
+        <p:spPr/>
+        <p:txBody>
+          <a:bodyPr/>
+          <a:lstStyle/>
+          <a:p>
+            <a:r>
+              <a:rPr lang="en-US" altLang="ja-JP" smtClean="0"/>
+              <a:t>#</a:t>
+            </a:r>
+            <a:fld id="{F281072A-F9EF-F645-A589-9593A608EAA6}" type="slidenum">
+              <a:rPr lang="en-US" altLang="ja-JP" smtClean="0"/>
+              <a:pPr/>
+              <a:t>18</a:t>
+            </a:fld>
+            <a:endParaRPr lang="ja-JP" altLang="en-US" dirty="0"/>
+          </a:p>
+        </p:txBody>
+      </p:sp>
+      <p:pic>
+        <p:nvPicPr>
+          <p:cNvPr id="3" name="図 2"/>
+          <p:cNvPicPr>
+            <a:picLocks noChangeAspect="1"/>
+          </p:cNvPicPr>
+          <p:nvPr/>
+        </p:nvPicPr>
+        <p:blipFill rotWithShape="1">
+          <a:blip r:embed="rId2">
+            <a:extLst>
+              <a:ext uri="{28A0092B-C50C-407E-A947-70E740481C1C}">
+                <a14:useLocalDpi xmlns:a14="http://schemas.microsoft.com/office/drawing/2010/main" val="0"/>
+              </a:ext>
+            </a:extLst>
+          </a:blip>
+          <a:srcRect b="4088"/>
+          <a:stretch/>
+        </p:blipFill>
+        <p:spPr>
+          <a:xfrm>
+            <a:off x="0" y="1097877"/>
+            <a:ext cx="9144000" cy="5258474"/>
+          </a:xfrm>
+          <a:prstGeom prst="rect">
+            <a:avLst/>
+          </a:prstGeom>
+        </p:spPr>
+      </p:pic>
+    </p:spTree>
+    <p:extLst>
+      <p:ext uri="{BB962C8B-B14F-4D97-AF65-F5344CB8AC3E}">
+        <p14:creationId xmlns:p14="http://schemas.microsoft.com/office/powerpoint/2010/main" val="1029884406"/>
+      </p:ext>
+    </p:extLst>
+  </p:cSld>
+  <p:clrMapOvr>
+    <a:masterClrMapping/>
+  </p:clrMapOvr>
+</p:sld>
+</file>
+
+<file path=ppt/slides/slide19.xml><?xml version="1.0" encoding="utf-8"?>
+<p:sld xmlns:a="http://schemas.openxmlformats.org/drawingml/2006/main" xmlns:r="http://schemas.openxmlformats.org/officeDocument/2006/relationships" xmlns:p="http://schemas.openxmlformats.org/presentationml/2006/main">
+  <p:cSld>
+    <p:spTree>
+      <p:nvGrpSpPr>
+        <p:cNvPr id="1" name=""/>
+        <p:cNvGrpSpPr/>
+        <p:nvPr/>
+      </p:nvGrpSpPr>
+      <p:grpSpPr>
+        <a:xfrm>
+          <a:off x="0" y="0"/>
+          <a:ext cx="0" cy="0"/>
+          <a:chOff x="0" y="0"/>
+          <a:chExt cx="0" cy="0"/>
+        </a:xfrm>
+      </p:grpSpPr>
+      <p:sp>
+        <p:nvSpPr>
+          <p:cNvPr id="2" name="タイトル 1"/>
+          <p:cNvSpPr>
+            <a:spLocks noGrp="1"/>
+          </p:cNvSpPr>
+          <p:nvPr>
+            <p:ph type="title"/>
+          </p:nvPr>
+        </p:nvSpPr>
+        <p:spPr/>
+        <p:txBody>
+          <a:bodyPr>
+            <a:normAutofit fontScale="90000"/>
+          </a:bodyPr>
+          <a:lstStyle/>
+          <a:p>
+            <a:r>
+              <a:rPr lang="ja-JP" altLang="en-US" dirty="0" smtClean="0"/>
+              <a:t>ターゲット</a:t>
+            </a:r>
+            <a:endParaRPr kumimoji="1" lang="ja-JP" altLang="en-US" dirty="0"/>
+          </a:p>
+        </p:txBody>
+      </p:sp>
+      <p:sp>
+        <p:nvSpPr>
+          <p:cNvPr id="4" name="スライド番号プレースホルダー 3"/>
+          <p:cNvSpPr>
+            <a:spLocks noGrp="1"/>
+          </p:cNvSpPr>
+          <p:nvPr>
+            <p:ph type="sldNum" sz="quarter" idx="12"/>
+          </p:nvPr>
+        </p:nvSpPr>
+        <p:spPr/>
+        <p:txBody>
+          <a:bodyPr/>
+          <a:lstStyle/>
+          <a:p>
+            <a:r>
+              <a:rPr lang="en-US" altLang="ja-JP" smtClean="0"/>
+              <a:t>#</a:t>
+            </a:r>
+            <a:fld id="{F281072A-F9EF-F645-A589-9593A608EAA6}" type="slidenum">
+              <a:rPr lang="en-US" altLang="ja-JP" smtClean="0"/>
+              <a:pPr/>
+              <a:t>19</a:t>
+            </a:fld>
+            <a:endParaRPr lang="ja-JP" altLang="en-US" dirty="0"/>
+          </a:p>
+        </p:txBody>
+      </p:sp>
+      <p:sp>
+        <p:nvSpPr>
+          <p:cNvPr id="10" name="角丸四角形 9"/>
+          <p:cNvSpPr/>
+          <p:nvPr/>
+        </p:nvSpPr>
+        <p:spPr>
+          <a:xfrm>
+            <a:off x="1780049" y="2262911"/>
+            <a:ext cx="2508550" cy="619689"/>
+          </a:xfrm>
+          <a:prstGeom prst="roundRect">
+            <a:avLst>
+              <a:gd name="adj" fmla="val 9804"/>
+            </a:avLst>
+          </a:prstGeom>
+          <a:solidFill>
+            <a:srgbClr val="26A69B"/>
+          </a:solidFill>
+          <a:ln>
+            <a:noFill/>
+          </a:ln>
+        </p:spPr>
+        <p:style>
+          <a:lnRef idx="2">
+            <a:schemeClr val="accent1">
+              <a:shade val="50000"/>
+            </a:schemeClr>
+          </a:lnRef>
+          <a:fillRef idx="1">
+            <a:schemeClr val="accent1"/>
+          </a:fillRef>
+          <a:effectRef idx="0">
+            <a:schemeClr val="accent1"/>
+          </a:effectRef>
+          <a:fontRef idx="minor">
+            <a:schemeClr val="lt1"/>
+          </a:fontRef>
+        </p:style>
+        <p:txBody>
+          <a:bodyPr rtlCol="0" anchor="ctr"/>
+          <a:lstStyle/>
+          <a:p>
+            <a:pPr algn="ctr"/>
+            <a:r>
+              <a:rPr lang="ja-JP" altLang="en-US" sz="2400" dirty="0" smtClean="0">
+                <a:solidFill>
+                  <a:srgbClr val="ECEFF1"/>
+                </a:solidFill>
+                <a:latin typeface="Hiragino Sans W3" charset="-128"/>
+                <a:ea typeface="Hiragino Sans W3" charset="-128"/>
+                <a:cs typeface="Hiragino Sans W3" charset="-128"/>
+              </a:rPr>
+              <a:t>算数</a:t>
+            </a:r>
+            <a:endParaRPr kumimoji="1" lang="ja-JP" altLang="en-US" sz="2400" dirty="0">
+              <a:solidFill>
+                <a:srgbClr val="ECEFF1"/>
+              </a:solidFill>
+              <a:latin typeface="Hiragino Sans W3" charset="-128"/>
+              <a:ea typeface="Hiragino Sans W3" charset="-128"/>
+              <a:cs typeface="Hiragino Sans W3" charset="-128"/>
+            </a:endParaRPr>
+          </a:p>
+        </p:txBody>
+      </p:sp>
+      <p:sp>
+        <p:nvSpPr>
+          <p:cNvPr id="11" name="角丸四角形 10"/>
+          <p:cNvSpPr/>
+          <p:nvPr/>
+        </p:nvSpPr>
+        <p:spPr>
+          <a:xfrm>
+            <a:off x="4672345" y="2262911"/>
+            <a:ext cx="2508550" cy="619689"/>
+          </a:xfrm>
+          <a:prstGeom prst="roundRect">
+            <a:avLst>
+              <a:gd name="adj" fmla="val 9804"/>
+            </a:avLst>
+          </a:prstGeom>
+          <a:solidFill>
+            <a:srgbClr val="26A69B"/>
+          </a:solidFill>
+          <a:ln>
+            <a:noFill/>
+          </a:ln>
+        </p:spPr>
+        <p:style>
+          <a:lnRef idx="2">
+            <a:schemeClr val="accent1">
+              <a:shade val="50000"/>
+            </a:schemeClr>
+          </a:lnRef>
+          <a:fillRef idx="1">
+            <a:schemeClr val="accent1"/>
+          </a:fillRef>
+          <a:effectRef idx="0">
+            <a:schemeClr val="accent1"/>
+          </a:effectRef>
+          <a:fontRef idx="minor">
+            <a:schemeClr val="lt1"/>
+          </a:fontRef>
+        </p:style>
+        <p:txBody>
+          <a:bodyPr rtlCol="0" anchor="ctr"/>
+          <a:lstStyle/>
+          <a:p>
+            <a:pPr algn="ctr"/>
+            <a:r>
+              <a:rPr lang="ja-JP" altLang="en-US" sz="2400" dirty="0" smtClean="0">
+                <a:solidFill>
+                  <a:srgbClr val="ECEFF1"/>
+                </a:solidFill>
+                <a:latin typeface="Hiragino Sans W3" charset="-128"/>
+                <a:ea typeface="Hiragino Sans W3" charset="-128"/>
+                <a:cs typeface="Hiragino Sans W3" charset="-128"/>
+              </a:rPr>
+              <a:t>数学</a:t>
+            </a:r>
+            <a:endParaRPr kumimoji="1" lang="ja-JP" altLang="en-US" sz="2400" dirty="0">
+              <a:solidFill>
+                <a:srgbClr val="ECEFF1"/>
+              </a:solidFill>
+              <a:latin typeface="Hiragino Sans W3" charset="-128"/>
+              <a:ea typeface="Hiragino Sans W3" charset="-128"/>
+              <a:cs typeface="Hiragino Sans W3" charset="-128"/>
+            </a:endParaRPr>
+          </a:p>
+        </p:txBody>
+      </p:sp>
+      <p:sp>
+        <p:nvSpPr>
+          <p:cNvPr id="12" name="テキスト ボックス 11"/>
+          <p:cNvSpPr txBox="1"/>
+          <p:nvPr/>
+        </p:nvSpPr>
+        <p:spPr>
+          <a:xfrm>
+            <a:off x="661151" y="3098446"/>
+            <a:ext cx="7541048" cy="584775"/>
+          </a:xfrm>
+          <a:prstGeom prst="rect">
+            <a:avLst/>
+          </a:prstGeom>
+          <a:noFill/>
+        </p:spPr>
+        <p:txBody>
+          <a:bodyPr wrap="square" rtlCol="0">
+            <a:spAutoFit/>
+          </a:bodyPr>
+          <a:lstStyle/>
+          <a:p>
+            <a:pPr algn="ctr"/>
+            <a:r>
+              <a:rPr lang="ja-JP" altLang="en-US" sz="3200" dirty="0" smtClean="0">
+                <a:solidFill>
+                  <a:srgbClr val="26A69A"/>
+                </a:solidFill>
+                <a:latin typeface="Hiragino Sans W3" charset="-128"/>
+                <a:ea typeface="Hiragino Sans W3" charset="-128"/>
+                <a:cs typeface="Hiragino Sans W3" charset="-128"/>
+              </a:rPr>
+              <a:t>を担当している先生</a:t>
+            </a:r>
+            <a:endParaRPr kumimoji="1" lang="ja-JP" altLang="en-US" sz="3200" dirty="0">
+              <a:solidFill>
+                <a:srgbClr val="26A69A"/>
+              </a:solidFill>
+              <a:latin typeface="Hiragino Sans W3" charset="-128"/>
+              <a:ea typeface="Hiragino Sans W3" charset="-128"/>
+              <a:cs typeface="Hiragino Sans W3" charset="-128"/>
+            </a:endParaRPr>
+          </a:p>
+        </p:txBody>
+      </p:sp>
+    </p:spTree>
+    <p:extLst>
+      <p:ext uri="{BB962C8B-B14F-4D97-AF65-F5344CB8AC3E}">
+        <p14:creationId xmlns:p14="http://schemas.microsoft.com/office/powerpoint/2010/main" val="1044788124"/>
       </p:ext>
     </p:extLst>
   </p:cSld>
@@ -4593,8 +6342,8 @@
           <a:lstStyle/>
           <a:p>
             <a:r>
-              <a:rPr lang="en-US" altLang="ja-JP" dirty="0" smtClean="0"/>
-              <a:t>Table of contents</a:t>
+              <a:rPr lang="ja-JP" altLang="en-US" dirty="0" smtClean="0"/>
+              <a:t>目次</a:t>
             </a:r>
             <a:endParaRPr kumimoji="1" lang="ja-JP" altLang="en-US" dirty="0"/>
           </a:p>
@@ -4637,9 +6386,10 @@
               <a:defRPr/>
             </a:pPr>
             <a:r>
-              <a:rPr lang="en-US" altLang="ja-JP" dirty="0" smtClean="0"/>
-              <a:t>Item</a:t>
-            </a:r>
+              <a:rPr lang="ja-JP" altLang="en-US" dirty="0" smtClean="0"/>
+              <a:t>背景</a:t>
+            </a:r>
+            <a:endParaRPr lang="en-US" altLang="ja-JP" dirty="0" smtClean="0"/>
           </a:p>
           <a:p>
             <a:pPr marL="514350" marR="0" lvl="0" indent="-514350" defTabSz="914400" eaLnBrk="1" fontAlgn="auto" latinLnBrk="0" hangingPunct="1">
@@ -4662,9 +6412,10 @@
               <a:defRPr/>
             </a:pPr>
             <a:r>
-              <a:rPr lang="en-US" altLang="ja-JP" dirty="0" smtClean="0"/>
-              <a:t>Item</a:t>
-            </a:r>
+              <a:rPr lang="ja-JP" altLang="en-US" dirty="0" smtClean="0"/>
+              <a:t>課題</a:t>
+            </a:r>
+            <a:endParaRPr lang="en-US" altLang="ja-JP" dirty="0" smtClean="0"/>
           </a:p>
           <a:p>
             <a:pPr marL="514350" marR="0" lvl="0" indent="-514350" defTabSz="914400" eaLnBrk="1" fontAlgn="auto" latinLnBrk="0" hangingPunct="1">
@@ -4687,9 +6438,10 @@
               <a:defRPr/>
             </a:pPr>
             <a:r>
-              <a:rPr lang="en-US" altLang="ja-JP" dirty="0" smtClean="0"/>
-              <a:t>Item</a:t>
-            </a:r>
+              <a:rPr lang="ja-JP" altLang="en-US" dirty="0" smtClean="0"/>
+              <a:t>コンセプト</a:t>
+            </a:r>
+            <a:endParaRPr lang="en-US" altLang="ja-JP" dirty="0" smtClean="0"/>
           </a:p>
         </p:txBody>
       </p:sp>
@@ -4738,6 +6490,1647 @@
       </p:par>
     </p:tnLst>
   </p:timing>
+</p:sld>
+</file>
+
+<file path=ppt/slides/slide20.xml><?xml version="1.0" encoding="utf-8"?>
+<p:sld xmlns:a="http://schemas.openxmlformats.org/drawingml/2006/main" xmlns:r="http://schemas.openxmlformats.org/officeDocument/2006/relationships" xmlns:p="http://schemas.openxmlformats.org/presentationml/2006/main">
+  <p:cSld>
+    <p:spTree>
+      <p:nvGrpSpPr>
+        <p:cNvPr id="1" name=""/>
+        <p:cNvGrpSpPr/>
+        <p:nvPr/>
+      </p:nvGrpSpPr>
+      <p:grpSpPr>
+        <a:xfrm>
+          <a:off x="0" y="0"/>
+          <a:ext cx="0" cy="0"/>
+          <a:chOff x="0" y="0"/>
+          <a:chExt cx="0" cy="0"/>
+        </a:xfrm>
+      </p:grpSpPr>
+      <p:sp>
+        <p:nvSpPr>
+          <p:cNvPr id="2" name="タイトル 1"/>
+          <p:cNvSpPr>
+            <a:spLocks noGrp="1"/>
+          </p:cNvSpPr>
+          <p:nvPr>
+            <p:ph type="title"/>
+          </p:nvPr>
+        </p:nvSpPr>
+        <p:spPr/>
+        <p:txBody>
+          <a:bodyPr>
+            <a:normAutofit fontScale="90000"/>
+          </a:bodyPr>
+          <a:lstStyle/>
+          <a:p>
+            <a:r>
+              <a:rPr lang="ja-JP" altLang="en-US" dirty="0" smtClean="0"/>
+              <a:t>コンセプト</a:t>
+            </a:r>
+            <a:endParaRPr kumimoji="1" lang="ja-JP" altLang="en-US" dirty="0"/>
+          </a:p>
+        </p:txBody>
+      </p:sp>
+      <p:sp>
+        <p:nvSpPr>
+          <p:cNvPr id="4" name="スライド番号プレースホルダー 3"/>
+          <p:cNvSpPr>
+            <a:spLocks noGrp="1"/>
+          </p:cNvSpPr>
+          <p:nvPr>
+            <p:ph type="sldNum" sz="quarter" idx="12"/>
+          </p:nvPr>
+        </p:nvSpPr>
+        <p:spPr/>
+        <p:txBody>
+          <a:bodyPr/>
+          <a:lstStyle/>
+          <a:p>
+            <a:r>
+              <a:rPr lang="en-US" altLang="ja-JP" smtClean="0"/>
+              <a:t>#</a:t>
+            </a:r>
+            <a:fld id="{F281072A-F9EF-F645-A589-9593A608EAA6}" type="slidenum">
+              <a:rPr lang="en-US" altLang="ja-JP" smtClean="0"/>
+              <a:pPr/>
+              <a:t>20</a:t>
+            </a:fld>
+            <a:endParaRPr lang="ja-JP" altLang="en-US" dirty="0"/>
+          </a:p>
+        </p:txBody>
+      </p:sp>
+      <p:sp>
+        <p:nvSpPr>
+          <p:cNvPr id="7" name="テキスト ボックス 6"/>
+          <p:cNvSpPr txBox="1"/>
+          <p:nvPr/>
+        </p:nvSpPr>
+        <p:spPr>
+          <a:xfrm>
+            <a:off x="661151" y="1119333"/>
+            <a:ext cx="8006860" cy="584775"/>
+          </a:xfrm>
+          <a:prstGeom prst="rect">
+            <a:avLst/>
+          </a:prstGeom>
+          <a:noFill/>
+        </p:spPr>
+        <p:txBody>
+          <a:bodyPr wrap="square" rtlCol="0">
+            <a:spAutoFit/>
+          </a:bodyPr>
+          <a:lstStyle/>
+          <a:p>
+            <a:r>
+              <a:rPr kumimoji="1" lang="ja-JP" altLang="en-US" sz="3200" dirty="0" smtClean="0">
+                <a:solidFill>
+                  <a:srgbClr val="26A69A"/>
+                </a:solidFill>
+                <a:latin typeface="Hiragino Sans W3" charset="-128"/>
+                <a:ea typeface="Hiragino Sans W3" charset="-128"/>
+                <a:cs typeface="Hiragino Sans W3" charset="-128"/>
+              </a:rPr>
+              <a:t>クリエイティブでないことは機械に任せる</a:t>
+            </a:r>
+            <a:endParaRPr kumimoji="1" lang="ja-JP" altLang="en-US" sz="3200" dirty="0">
+              <a:solidFill>
+                <a:srgbClr val="26A69A"/>
+              </a:solidFill>
+              <a:latin typeface="Hiragino Sans W3" charset="-128"/>
+              <a:ea typeface="Hiragino Sans W3" charset="-128"/>
+              <a:cs typeface="Hiragino Sans W3" charset="-128"/>
+            </a:endParaRPr>
+          </a:p>
+        </p:txBody>
+      </p:sp>
+    </p:spTree>
+    <p:extLst>
+      <p:ext uri="{BB962C8B-B14F-4D97-AF65-F5344CB8AC3E}">
+        <p14:creationId xmlns:p14="http://schemas.microsoft.com/office/powerpoint/2010/main" val="1993807715"/>
+      </p:ext>
+    </p:extLst>
+  </p:cSld>
+  <p:clrMapOvr>
+    <a:masterClrMapping/>
+  </p:clrMapOvr>
+</p:sld>
+</file>
+
+<file path=ppt/slides/slide21.xml><?xml version="1.0" encoding="utf-8"?>
+<p:sld xmlns:a="http://schemas.openxmlformats.org/drawingml/2006/main" xmlns:r="http://schemas.openxmlformats.org/officeDocument/2006/relationships" xmlns:p="http://schemas.openxmlformats.org/presentationml/2006/main">
+  <p:cSld>
+    <p:bg>
+      <p:bgPr>
+        <a:solidFill>
+          <a:schemeClr val="tx1">
+            <a:lumMod val="85000"/>
+            <a:lumOff val="15000"/>
+          </a:schemeClr>
+        </a:solidFill>
+        <a:effectLst/>
+      </p:bgPr>
+    </p:bg>
+    <p:spTree>
+      <p:nvGrpSpPr>
+        <p:cNvPr id="1" name=""/>
+        <p:cNvGrpSpPr/>
+        <p:nvPr/>
+      </p:nvGrpSpPr>
+      <p:grpSpPr>
+        <a:xfrm>
+          <a:off x="0" y="0"/>
+          <a:ext cx="0" cy="0"/>
+          <a:chOff x="0" y="0"/>
+          <a:chExt cx="0" cy="0"/>
+        </a:xfrm>
+      </p:grpSpPr>
+      <p:sp>
+        <p:nvSpPr>
+          <p:cNvPr id="2" name="タイトル 1"/>
+          <p:cNvSpPr>
+            <a:spLocks noGrp="1"/>
+          </p:cNvSpPr>
+          <p:nvPr>
+            <p:ph type="title"/>
+          </p:nvPr>
+        </p:nvSpPr>
+        <p:spPr/>
+        <p:txBody>
+          <a:bodyPr>
+            <a:normAutofit fontScale="90000"/>
+          </a:bodyPr>
+          <a:lstStyle/>
+          <a:p>
+            <a:r>
+              <a:rPr lang="ja-JP" altLang="en-US" dirty="0" smtClean="0"/>
+              <a:t>コンセプト</a:t>
+            </a:r>
+            <a:endParaRPr kumimoji="1" lang="ja-JP" altLang="en-US" dirty="0"/>
+          </a:p>
+        </p:txBody>
+      </p:sp>
+      <p:sp>
+        <p:nvSpPr>
+          <p:cNvPr id="4" name="スライド番号プレースホルダー 3"/>
+          <p:cNvSpPr>
+            <a:spLocks noGrp="1"/>
+          </p:cNvSpPr>
+          <p:nvPr>
+            <p:ph type="sldNum" sz="quarter" idx="12"/>
+          </p:nvPr>
+        </p:nvSpPr>
+        <p:spPr/>
+        <p:txBody>
+          <a:bodyPr/>
+          <a:lstStyle/>
+          <a:p>
+            <a:r>
+              <a:rPr lang="en-US" altLang="ja-JP" smtClean="0"/>
+              <a:t>#</a:t>
+            </a:r>
+            <a:fld id="{F281072A-F9EF-F645-A589-9593A608EAA6}" type="slidenum">
+              <a:rPr lang="en-US" altLang="ja-JP" smtClean="0"/>
+              <a:pPr/>
+              <a:t>21</a:t>
+            </a:fld>
+            <a:endParaRPr lang="ja-JP" altLang="en-US" dirty="0"/>
+          </a:p>
+        </p:txBody>
+      </p:sp>
+      <p:sp>
+        <p:nvSpPr>
+          <p:cNvPr id="5" name="テキスト ボックス 4"/>
+          <p:cNvSpPr txBox="1"/>
+          <p:nvPr/>
+        </p:nvSpPr>
+        <p:spPr>
+          <a:xfrm>
+            <a:off x="974302" y="1582797"/>
+            <a:ext cx="7541048" cy="584775"/>
+          </a:xfrm>
+          <a:prstGeom prst="rect">
+            <a:avLst/>
+          </a:prstGeom>
+          <a:noFill/>
+        </p:spPr>
+        <p:txBody>
+          <a:bodyPr wrap="square" rtlCol="0">
+            <a:spAutoFit/>
+          </a:bodyPr>
+          <a:lstStyle/>
+          <a:p>
+            <a:r>
+              <a:rPr kumimoji="1" lang="ja-JP" altLang="en-US" sz="3200" dirty="0" smtClean="0">
+                <a:solidFill>
+                  <a:srgbClr val="26A69A"/>
+                </a:solidFill>
+                <a:latin typeface="Hiragino Sans W3" charset="-128"/>
+                <a:ea typeface="Hiragino Sans W3" charset="-128"/>
+                <a:cs typeface="Hiragino Sans W3" charset="-128"/>
+              </a:rPr>
+              <a:t>印刷が大好きな先生いないですよね？</a:t>
+            </a:r>
+            <a:endParaRPr kumimoji="1" lang="ja-JP" altLang="en-US" sz="3200" dirty="0">
+              <a:solidFill>
+                <a:srgbClr val="26A69A"/>
+              </a:solidFill>
+              <a:latin typeface="Hiragino Sans W3" charset="-128"/>
+              <a:ea typeface="Hiragino Sans W3" charset="-128"/>
+              <a:cs typeface="Hiragino Sans W3" charset="-128"/>
+            </a:endParaRPr>
+          </a:p>
+        </p:txBody>
+      </p:sp>
+      <p:pic>
+        <p:nvPicPr>
+          <p:cNvPr id="1026" name="Picture 2" descr="ttps://pbs.twimg.com/media/DLlU3YPUQAEcLvh.jpg"/>
+          <p:cNvPicPr>
+            <a:picLocks noChangeAspect="1" noChangeArrowheads="1"/>
+          </p:cNvPicPr>
+          <p:nvPr/>
+        </p:nvPicPr>
+        <p:blipFill>
+          <a:blip r:embed="rId2">
+            <a:extLst>
+              <a:ext uri="{BEBA8EAE-BF5A-486C-A8C5-ECC9F3942E4B}">
+                <a14:imgProps xmlns:a14="http://schemas.microsoft.com/office/drawing/2010/main">
+                  <a14:imgLayer r:embed="rId3">
+                    <a14:imgEffect>
+                      <a14:artisticGlowEdges/>
+                    </a14:imgEffect>
+                  </a14:imgLayer>
+                </a14:imgProps>
+              </a:ext>
+              <a:ext uri="{28A0092B-C50C-407E-A947-70E740481C1C}">
+                <a14:useLocalDpi xmlns:a14="http://schemas.microsoft.com/office/drawing/2010/main" val="0"/>
+              </a:ext>
+            </a:extLst>
+          </a:blip>
+          <a:srcRect/>
+          <a:stretch>
+            <a:fillRect/>
+          </a:stretch>
+        </p:blipFill>
+        <p:spPr bwMode="auto">
+          <a:xfrm>
+            <a:off x="2934815" y="2839800"/>
+            <a:ext cx="3620022" cy="3336765"/>
+          </a:xfrm>
+          <a:prstGeom prst="rect">
+            <a:avLst/>
+          </a:prstGeom>
+          <a:noFill/>
+          <a:extLst>
+            <a:ext uri="{909E8E84-426E-40DD-AFC4-6F175D3DCCD1}">
+              <a14:hiddenFill xmlns:a14="http://schemas.microsoft.com/office/drawing/2010/main">
+                <a:solidFill>
+                  <a:srgbClr val="FFFFFF"/>
+                </a:solidFill>
+              </a14:hiddenFill>
+            </a:ext>
+          </a:extLst>
+        </p:spPr>
+      </p:pic>
+      <p:sp>
+        <p:nvSpPr>
+          <p:cNvPr id="6" name="テキスト ボックス 5"/>
+          <p:cNvSpPr txBox="1"/>
+          <p:nvPr/>
+        </p:nvSpPr>
+        <p:spPr>
+          <a:xfrm>
+            <a:off x="974302" y="2347358"/>
+            <a:ext cx="7541048" cy="584775"/>
+          </a:xfrm>
+          <a:prstGeom prst="rect">
+            <a:avLst/>
+          </a:prstGeom>
+          <a:noFill/>
+        </p:spPr>
+        <p:txBody>
+          <a:bodyPr wrap="square" rtlCol="0">
+            <a:spAutoFit/>
+          </a:bodyPr>
+          <a:lstStyle/>
+          <a:p>
+            <a:r>
+              <a:rPr lang="ja-JP" altLang="en-US" sz="3200" dirty="0" smtClean="0">
+                <a:solidFill>
+                  <a:srgbClr val="26A69A"/>
+                </a:solidFill>
+                <a:latin typeface="Hiragino Sans W3" charset="-128"/>
+                <a:ea typeface="Hiragino Sans W3" charset="-128"/>
+                <a:cs typeface="Hiragino Sans W3" charset="-128"/>
+              </a:rPr>
+              <a:t>採点</a:t>
+            </a:r>
+            <a:r>
+              <a:rPr kumimoji="1" lang="ja-JP" altLang="en-US" sz="3200" dirty="0" smtClean="0">
+                <a:solidFill>
+                  <a:srgbClr val="26A69A"/>
+                </a:solidFill>
+                <a:latin typeface="Hiragino Sans W3" charset="-128"/>
+                <a:ea typeface="Hiragino Sans W3" charset="-128"/>
+                <a:cs typeface="Hiragino Sans W3" charset="-128"/>
+              </a:rPr>
+              <a:t>が大好きな先生いないですよね？</a:t>
+            </a:r>
+            <a:endParaRPr kumimoji="1" lang="ja-JP" altLang="en-US" sz="3200" dirty="0">
+              <a:solidFill>
+                <a:srgbClr val="26A69A"/>
+              </a:solidFill>
+              <a:latin typeface="Hiragino Sans W3" charset="-128"/>
+              <a:ea typeface="Hiragino Sans W3" charset="-128"/>
+              <a:cs typeface="Hiragino Sans W3" charset="-128"/>
+            </a:endParaRPr>
+          </a:p>
+        </p:txBody>
+      </p:sp>
+    </p:spTree>
+    <p:extLst>
+      <p:ext uri="{BB962C8B-B14F-4D97-AF65-F5344CB8AC3E}">
+        <p14:creationId xmlns:p14="http://schemas.microsoft.com/office/powerpoint/2010/main" val="645933359"/>
+      </p:ext>
+    </p:extLst>
+  </p:cSld>
+  <p:clrMapOvr>
+    <a:masterClrMapping/>
+  </p:clrMapOvr>
+</p:sld>
+</file>
+
+<file path=ppt/slides/slide22.xml><?xml version="1.0" encoding="utf-8"?>
+<p:sld xmlns:a="http://schemas.openxmlformats.org/drawingml/2006/main" xmlns:r="http://schemas.openxmlformats.org/officeDocument/2006/relationships" xmlns:p="http://schemas.openxmlformats.org/presentationml/2006/main">
+  <p:cSld>
+    <p:spTree>
+      <p:nvGrpSpPr>
+        <p:cNvPr id="1" name=""/>
+        <p:cNvGrpSpPr/>
+        <p:nvPr/>
+      </p:nvGrpSpPr>
+      <p:grpSpPr>
+        <a:xfrm>
+          <a:off x="0" y="0"/>
+          <a:ext cx="0" cy="0"/>
+          <a:chOff x="0" y="0"/>
+          <a:chExt cx="0" cy="0"/>
+        </a:xfrm>
+      </p:grpSpPr>
+      <p:sp>
+        <p:nvSpPr>
+          <p:cNvPr id="2" name="タイトル 1"/>
+          <p:cNvSpPr>
+            <a:spLocks noGrp="1"/>
+          </p:cNvSpPr>
+          <p:nvPr>
+            <p:ph type="title"/>
+          </p:nvPr>
+        </p:nvSpPr>
+        <p:spPr/>
+        <p:txBody>
+          <a:bodyPr>
+            <a:normAutofit fontScale="90000"/>
+          </a:bodyPr>
+          <a:lstStyle/>
+          <a:p>
+            <a:r>
+              <a:rPr lang="ja-JP" altLang="en-US" dirty="0" smtClean="0"/>
+              <a:t>コンセプト</a:t>
+            </a:r>
+            <a:endParaRPr kumimoji="1" lang="ja-JP" altLang="en-US" dirty="0"/>
+          </a:p>
+        </p:txBody>
+      </p:sp>
+      <p:sp>
+        <p:nvSpPr>
+          <p:cNvPr id="4" name="スライド番号プレースホルダー 3"/>
+          <p:cNvSpPr>
+            <a:spLocks noGrp="1"/>
+          </p:cNvSpPr>
+          <p:nvPr>
+            <p:ph type="sldNum" sz="quarter" idx="12"/>
+          </p:nvPr>
+        </p:nvSpPr>
+        <p:spPr/>
+        <p:txBody>
+          <a:bodyPr/>
+          <a:lstStyle/>
+          <a:p>
+            <a:r>
+              <a:rPr lang="en-US" altLang="ja-JP" smtClean="0"/>
+              <a:t>#</a:t>
+            </a:r>
+            <a:fld id="{F281072A-F9EF-F645-A589-9593A608EAA6}" type="slidenum">
+              <a:rPr lang="en-US" altLang="ja-JP" smtClean="0"/>
+              <a:pPr/>
+              <a:t>22</a:t>
+            </a:fld>
+            <a:endParaRPr lang="ja-JP" altLang="en-US" dirty="0"/>
+          </a:p>
+        </p:txBody>
+      </p:sp>
+      <p:sp>
+        <p:nvSpPr>
+          <p:cNvPr id="7" name="テキスト ボックス 6"/>
+          <p:cNvSpPr txBox="1"/>
+          <p:nvPr/>
+        </p:nvSpPr>
+        <p:spPr>
+          <a:xfrm>
+            <a:off x="661151" y="1119333"/>
+            <a:ext cx="8006860" cy="584775"/>
+          </a:xfrm>
+          <a:prstGeom prst="rect">
+            <a:avLst/>
+          </a:prstGeom>
+          <a:noFill/>
+        </p:spPr>
+        <p:txBody>
+          <a:bodyPr wrap="square" rtlCol="0">
+            <a:spAutoFit/>
+          </a:bodyPr>
+          <a:lstStyle/>
+          <a:p>
+            <a:r>
+              <a:rPr kumimoji="1" lang="ja-JP" altLang="en-US" sz="3200" dirty="0" smtClean="0">
+                <a:solidFill>
+                  <a:srgbClr val="26A69A"/>
+                </a:solidFill>
+                <a:latin typeface="Hiragino Sans W3" charset="-128"/>
+                <a:ea typeface="Hiragino Sans W3" charset="-128"/>
+                <a:cs typeface="Hiragino Sans W3" charset="-128"/>
+              </a:rPr>
+              <a:t>クリエイティブでないことは機械に任せる</a:t>
+            </a:r>
+            <a:endParaRPr kumimoji="1" lang="ja-JP" altLang="en-US" sz="3200" dirty="0">
+              <a:solidFill>
+                <a:srgbClr val="26A69A"/>
+              </a:solidFill>
+              <a:latin typeface="Hiragino Sans W3" charset="-128"/>
+              <a:ea typeface="Hiragino Sans W3" charset="-128"/>
+              <a:cs typeface="Hiragino Sans W3" charset="-128"/>
+            </a:endParaRPr>
+          </a:p>
+        </p:txBody>
+      </p:sp>
+      <p:sp>
+        <p:nvSpPr>
+          <p:cNvPr id="5" name="角丸四角形 4"/>
+          <p:cNvSpPr/>
+          <p:nvPr/>
+        </p:nvSpPr>
+        <p:spPr>
+          <a:xfrm>
+            <a:off x="661151" y="1843043"/>
+            <a:ext cx="2508550" cy="619689"/>
+          </a:xfrm>
+          <a:prstGeom prst="roundRect">
+            <a:avLst>
+              <a:gd name="adj" fmla="val 9804"/>
+            </a:avLst>
+          </a:prstGeom>
+          <a:solidFill>
+            <a:srgbClr val="26A69B"/>
+          </a:solidFill>
+          <a:ln>
+            <a:noFill/>
+          </a:ln>
+        </p:spPr>
+        <p:style>
+          <a:lnRef idx="2">
+            <a:schemeClr val="accent1">
+              <a:shade val="50000"/>
+            </a:schemeClr>
+          </a:lnRef>
+          <a:fillRef idx="1">
+            <a:schemeClr val="accent1"/>
+          </a:fillRef>
+          <a:effectRef idx="0">
+            <a:schemeClr val="accent1"/>
+          </a:effectRef>
+          <a:fontRef idx="minor">
+            <a:schemeClr val="lt1"/>
+          </a:fontRef>
+        </p:style>
+        <p:txBody>
+          <a:bodyPr rtlCol="0" anchor="ctr"/>
+          <a:lstStyle/>
+          <a:p>
+            <a:pPr algn="ctr"/>
+            <a:r>
+              <a:rPr kumimoji="1" lang="ja-JP" altLang="en-US" sz="2400" dirty="0" smtClean="0">
+                <a:solidFill>
+                  <a:srgbClr val="ECEFF1"/>
+                </a:solidFill>
+                <a:latin typeface="Hiragino Sans W3" charset="-128"/>
+                <a:ea typeface="Hiragino Sans W3" charset="-128"/>
+                <a:cs typeface="Hiragino Sans W3" charset="-128"/>
+              </a:rPr>
+              <a:t>シンプル</a:t>
+            </a:r>
+            <a:endParaRPr kumimoji="1" lang="ja-JP" altLang="en-US" sz="2400" dirty="0">
+              <a:solidFill>
+                <a:srgbClr val="ECEFF1"/>
+              </a:solidFill>
+              <a:latin typeface="Hiragino Sans W3" charset="-128"/>
+              <a:ea typeface="Hiragino Sans W3" charset="-128"/>
+              <a:cs typeface="Hiragino Sans W3" charset="-128"/>
+            </a:endParaRPr>
+          </a:p>
+        </p:txBody>
+      </p:sp>
+      <p:sp>
+        <p:nvSpPr>
+          <p:cNvPr id="6" name="角丸四角形 5"/>
+          <p:cNvSpPr/>
+          <p:nvPr/>
+        </p:nvSpPr>
+        <p:spPr>
+          <a:xfrm>
+            <a:off x="661151" y="3318949"/>
+            <a:ext cx="2508550" cy="619689"/>
+          </a:xfrm>
+          <a:prstGeom prst="roundRect">
+            <a:avLst>
+              <a:gd name="adj" fmla="val 9804"/>
+            </a:avLst>
+          </a:prstGeom>
+          <a:solidFill>
+            <a:srgbClr val="26A69B"/>
+          </a:solidFill>
+          <a:ln>
+            <a:noFill/>
+          </a:ln>
+        </p:spPr>
+        <p:style>
+          <a:lnRef idx="2">
+            <a:schemeClr val="accent1">
+              <a:shade val="50000"/>
+            </a:schemeClr>
+          </a:lnRef>
+          <a:fillRef idx="1">
+            <a:schemeClr val="accent1"/>
+          </a:fillRef>
+          <a:effectRef idx="0">
+            <a:schemeClr val="accent1"/>
+          </a:effectRef>
+          <a:fontRef idx="minor">
+            <a:schemeClr val="lt1"/>
+          </a:fontRef>
+        </p:style>
+        <p:txBody>
+          <a:bodyPr rtlCol="0" anchor="ctr"/>
+          <a:lstStyle/>
+          <a:p>
+            <a:pPr algn="ctr"/>
+            <a:r>
+              <a:rPr lang="ja-JP" altLang="en-US" sz="2400" dirty="0" smtClean="0">
+                <a:solidFill>
+                  <a:srgbClr val="ECEFF1"/>
+                </a:solidFill>
+                <a:latin typeface="Hiragino Sans W3" charset="-128"/>
+                <a:ea typeface="Hiragino Sans W3" charset="-128"/>
+                <a:cs typeface="Hiragino Sans W3" charset="-128"/>
+              </a:rPr>
+              <a:t>リアルタイム</a:t>
+            </a:r>
+            <a:endParaRPr kumimoji="1" lang="ja-JP" altLang="en-US" sz="2400" dirty="0">
+              <a:solidFill>
+                <a:srgbClr val="ECEFF1"/>
+              </a:solidFill>
+              <a:latin typeface="Hiragino Sans W3" charset="-128"/>
+              <a:ea typeface="Hiragino Sans W3" charset="-128"/>
+              <a:cs typeface="Hiragino Sans W3" charset="-128"/>
+            </a:endParaRPr>
+          </a:p>
+        </p:txBody>
+      </p:sp>
+      <p:sp>
+        <p:nvSpPr>
+          <p:cNvPr id="8" name="角丸四角形 7"/>
+          <p:cNvSpPr/>
+          <p:nvPr/>
+        </p:nvSpPr>
+        <p:spPr>
+          <a:xfrm>
+            <a:off x="661151" y="4796827"/>
+            <a:ext cx="2508550" cy="619689"/>
+          </a:xfrm>
+          <a:prstGeom prst="roundRect">
+            <a:avLst>
+              <a:gd name="adj" fmla="val 9804"/>
+            </a:avLst>
+          </a:prstGeom>
+          <a:solidFill>
+            <a:srgbClr val="26A69B"/>
+          </a:solidFill>
+          <a:ln>
+            <a:noFill/>
+          </a:ln>
+        </p:spPr>
+        <p:style>
+          <a:lnRef idx="2">
+            <a:schemeClr val="accent1">
+              <a:shade val="50000"/>
+            </a:schemeClr>
+          </a:lnRef>
+          <a:fillRef idx="1">
+            <a:schemeClr val="accent1"/>
+          </a:fillRef>
+          <a:effectRef idx="0">
+            <a:schemeClr val="accent1"/>
+          </a:effectRef>
+          <a:fontRef idx="minor">
+            <a:schemeClr val="lt1"/>
+          </a:fontRef>
+        </p:style>
+        <p:txBody>
+          <a:bodyPr rtlCol="0" anchor="ctr"/>
+          <a:lstStyle/>
+          <a:p>
+            <a:pPr algn="ctr"/>
+            <a:r>
+              <a:rPr lang="ja-JP" altLang="en-US" sz="2400" dirty="0" smtClean="0">
+                <a:solidFill>
+                  <a:srgbClr val="ECEFF1"/>
+                </a:solidFill>
+                <a:latin typeface="Hiragino Sans W3" charset="-128"/>
+                <a:ea typeface="Hiragino Sans W3" charset="-128"/>
+                <a:cs typeface="Hiragino Sans W3" charset="-128"/>
+              </a:rPr>
+              <a:t>数式入力</a:t>
+            </a:r>
+            <a:endParaRPr kumimoji="1" lang="ja-JP" altLang="en-US" sz="2400" dirty="0">
+              <a:solidFill>
+                <a:srgbClr val="ECEFF1"/>
+              </a:solidFill>
+              <a:latin typeface="Hiragino Sans W3" charset="-128"/>
+              <a:ea typeface="Hiragino Sans W3" charset="-128"/>
+              <a:cs typeface="Hiragino Sans W3" charset="-128"/>
+            </a:endParaRPr>
+          </a:p>
+        </p:txBody>
+      </p:sp>
+      <p:sp>
+        <p:nvSpPr>
+          <p:cNvPr id="9" name="テキスト ボックス 8"/>
+          <p:cNvSpPr txBox="1"/>
+          <p:nvPr/>
+        </p:nvSpPr>
+        <p:spPr>
+          <a:xfrm>
+            <a:off x="661151" y="2496416"/>
+            <a:ext cx="8006860" cy="584775"/>
+          </a:xfrm>
+          <a:prstGeom prst="rect">
+            <a:avLst/>
+          </a:prstGeom>
+          <a:noFill/>
+        </p:spPr>
+        <p:txBody>
+          <a:bodyPr wrap="square" rtlCol="0">
+            <a:spAutoFit/>
+          </a:bodyPr>
+          <a:lstStyle/>
+          <a:p>
+            <a:r>
+              <a:rPr kumimoji="1" lang="ja-JP" altLang="en-US" sz="3200" dirty="0" smtClean="0">
+                <a:solidFill>
+                  <a:srgbClr val="607D8B"/>
+                </a:solidFill>
+                <a:latin typeface="Hiragino Sans W3" charset="-128"/>
+                <a:ea typeface="Hiragino Sans W3" charset="-128"/>
+                <a:cs typeface="Hiragino Sans W3" charset="-128"/>
+              </a:rPr>
+              <a:t>最小限の操作で試験を作成・公開</a:t>
+            </a:r>
+            <a:endParaRPr kumimoji="1" lang="ja-JP" altLang="en-US" sz="3200" dirty="0">
+              <a:solidFill>
+                <a:srgbClr val="607D8B"/>
+              </a:solidFill>
+              <a:latin typeface="Hiragino Sans W3" charset="-128"/>
+              <a:ea typeface="Hiragino Sans W3" charset="-128"/>
+              <a:cs typeface="Hiragino Sans W3" charset="-128"/>
+            </a:endParaRPr>
+          </a:p>
+        </p:txBody>
+      </p:sp>
+      <p:sp>
+        <p:nvSpPr>
+          <p:cNvPr id="10" name="テキスト ボックス 9"/>
+          <p:cNvSpPr txBox="1"/>
+          <p:nvPr/>
+        </p:nvSpPr>
+        <p:spPr>
+          <a:xfrm>
+            <a:off x="661151" y="3956466"/>
+            <a:ext cx="8006860" cy="584775"/>
+          </a:xfrm>
+          <a:prstGeom prst="rect">
+            <a:avLst/>
+          </a:prstGeom>
+          <a:noFill/>
+        </p:spPr>
+        <p:txBody>
+          <a:bodyPr wrap="square" rtlCol="0">
+            <a:spAutoFit/>
+          </a:bodyPr>
+          <a:lstStyle/>
+          <a:p>
+            <a:r>
+              <a:rPr kumimoji="1" lang="ja-JP" altLang="en-US" sz="3200" dirty="0" smtClean="0">
+                <a:solidFill>
+                  <a:srgbClr val="607D8B"/>
+                </a:solidFill>
+                <a:latin typeface="Hiragino Sans W3" charset="-128"/>
+                <a:ea typeface="Hiragino Sans W3" charset="-128"/>
+                <a:cs typeface="Hiragino Sans W3" charset="-128"/>
+              </a:rPr>
+              <a:t>その場で採点、その後の授業に生かせる</a:t>
+            </a:r>
+            <a:endParaRPr kumimoji="1" lang="ja-JP" altLang="en-US" sz="3200" dirty="0">
+              <a:solidFill>
+                <a:srgbClr val="607D8B"/>
+              </a:solidFill>
+              <a:latin typeface="Hiragino Sans W3" charset="-128"/>
+              <a:ea typeface="Hiragino Sans W3" charset="-128"/>
+              <a:cs typeface="Hiragino Sans W3" charset="-128"/>
+            </a:endParaRPr>
+          </a:p>
+        </p:txBody>
+      </p:sp>
+      <p:sp>
+        <p:nvSpPr>
+          <p:cNvPr id="11" name="テキスト ボックス 10"/>
+          <p:cNvSpPr txBox="1"/>
+          <p:nvPr/>
+        </p:nvSpPr>
+        <p:spPr>
+          <a:xfrm>
+            <a:off x="661151" y="5461360"/>
+            <a:ext cx="8006860" cy="584775"/>
+          </a:xfrm>
+          <a:prstGeom prst="rect">
+            <a:avLst/>
+          </a:prstGeom>
+          <a:noFill/>
+        </p:spPr>
+        <p:txBody>
+          <a:bodyPr wrap="square" rtlCol="0">
+            <a:spAutoFit/>
+          </a:bodyPr>
+          <a:lstStyle/>
+          <a:p>
+            <a:r>
+              <a:rPr lang="ja-JP" altLang="en-US" sz="3200" dirty="0" smtClean="0">
+                <a:solidFill>
+                  <a:srgbClr val="607D8B"/>
+                </a:solidFill>
+                <a:latin typeface="Hiragino Sans W3" charset="-128"/>
+                <a:ea typeface="Hiragino Sans W3" charset="-128"/>
+                <a:cs typeface="Hiragino Sans W3" charset="-128"/>
+              </a:rPr>
+              <a:t>手書きに劣らない入力の心地</a:t>
+            </a:r>
+            <a:endParaRPr kumimoji="1" lang="ja-JP" altLang="en-US" sz="3200" dirty="0">
+              <a:solidFill>
+                <a:srgbClr val="607D8B"/>
+              </a:solidFill>
+              <a:latin typeface="Hiragino Sans W3" charset="-128"/>
+              <a:ea typeface="Hiragino Sans W3" charset="-128"/>
+              <a:cs typeface="Hiragino Sans W3" charset="-128"/>
+            </a:endParaRPr>
+          </a:p>
+        </p:txBody>
+      </p:sp>
+    </p:spTree>
+    <p:extLst>
+      <p:ext uri="{BB962C8B-B14F-4D97-AF65-F5344CB8AC3E}">
+        <p14:creationId xmlns:p14="http://schemas.microsoft.com/office/powerpoint/2010/main" val="1911687230"/>
+      </p:ext>
+    </p:extLst>
+  </p:cSld>
+  <p:clrMapOvr>
+    <a:masterClrMapping/>
+  </p:clrMapOvr>
+</p:sld>
+</file>
+
+<file path=ppt/slides/slide23.xml><?xml version="1.0" encoding="utf-8"?>
+<p:sld xmlns:a="http://schemas.openxmlformats.org/drawingml/2006/main" xmlns:r="http://schemas.openxmlformats.org/officeDocument/2006/relationships" xmlns:p="http://schemas.openxmlformats.org/presentationml/2006/main">
+  <p:cSld>
+    <p:spTree>
+      <p:nvGrpSpPr>
+        <p:cNvPr id="1" name=""/>
+        <p:cNvGrpSpPr/>
+        <p:nvPr/>
+      </p:nvGrpSpPr>
+      <p:grpSpPr>
+        <a:xfrm>
+          <a:off x="0" y="0"/>
+          <a:ext cx="0" cy="0"/>
+          <a:chOff x="0" y="0"/>
+          <a:chExt cx="0" cy="0"/>
+        </a:xfrm>
+      </p:grpSpPr>
+      <p:sp>
+        <p:nvSpPr>
+          <p:cNvPr id="2" name="タイトル 1"/>
+          <p:cNvSpPr>
+            <a:spLocks noGrp="1"/>
+          </p:cNvSpPr>
+          <p:nvPr>
+            <p:ph type="title"/>
+          </p:nvPr>
+        </p:nvSpPr>
+        <p:spPr/>
+        <p:txBody>
+          <a:bodyPr>
+            <a:normAutofit fontScale="90000"/>
+          </a:bodyPr>
+          <a:lstStyle/>
+          <a:p>
+            <a:r>
+              <a:rPr lang="ja-JP" altLang="en-US" dirty="0" smtClean="0"/>
+              <a:t>コンセプト</a:t>
+            </a:r>
+            <a:endParaRPr kumimoji="1" lang="ja-JP" altLang="en-US" dirty="0"/>
+          </a:p>
+        </p:txBody>
+      </p:sp>
+      <p:sp>
+        <p:nvSpPr>
+          <p:cNvPr id="4" name="スライド番号プレースホルダー 3"/>
+          <p:cNvSpPr>
+            <a:spLocks noGrp="1"/>
+          </p:cNvSpPr>
+          <p:nvPr>
+            <p:ph type="sldNum" sz="quarter" idx="12"/>
+          </p:nvPr>
+        </p:nvSpPr>
+        <p:spPr/>
+        <p:txBody>
+          <a:bodyPr/>
+          <a:lstStyle/>
+          <a:p>
+            <a:r>
+              <a:rPr lang="en-US" altLang="ja-JP" smtClean="0"/>
+              <a:t>#</a:t>
+            </a:r>
+            <a:fld id="{F281072A-F9EF-F645-A589-9593A608EAA6}" type="slidenum">
+              <a:rPr lang="en-US" altLang="ja-JP" smtClean="0"/>
+              <a:pPr/>
+              <a:t>23</a:t>
+            </a:fld>
+            <a:endParaRPr lang="ja-JP" altLang="en-US" dirty="0"/>
+          </a:p>
+        </p:txBody>
+      </p:sp>
+      <p:sp>
+        <p:nvSpPr>
+          <p:cNvPr id="7" name="テキスト ボックス 6"/>
+          <p:cNvSpPr txBox="1"/>
+          <p:nvPr/>
+        </p:nvSpPr>
+        <p:spPr>
+          <a:xfrm>
+            <a:off x="661151" y="1119333"/>
+            <a:ext cx="8006860" cy="584775"/>
+          </a:xfrm>
+          <a:prstGeom prst="rect">
+            <a:avLst/>
+          </a:prstGeom>
+          <a:noFill/>
+        </p:spPr>
+        <p:txBody>
+          <a:bodyPr wrap="square" rtlCol="0">
+            <a:spAutoFit/>
+          </a:bodyPr>
+          <a:lstStyle/>
+          <a:p>
+            <a:r>
+              <a:rPr kumimoji="1" lang="ja-JP" altLang="en-US" sz="3200" dirty="0" smtClean="0">
+                <a:solidFill>
+                  <a:srgbClr val="26A69A"/>
+                </a:solidFill>
+                <a:latin typeface="Hiragino Sans W3" charset="-128"/>
+                <a:ea typeface="Hiragino Sans W3" charset="-128"/>
+                <a:cs typeface="Hiragino Sans W3" charset="-128"/>
+              </a:rPr>
+              <a:t>クリエイティブでないことは機械に任せる</a:t>
+            </a:r>
+            <a:endParaRPr kumimoji="1" lang="ja-JP" altLang="en-US" sz="3200" dirty="0">
+              <a:solidFill>
+                <a:srgbClr val="26A69A"/>
+              </a:solidFill>
+              <a:latin typeface="Hiragino Sans W3" charset="-128"/>
+              <a:ea typeface="Hiragino Sans W3" charset="-128"/>
+              <a:cs typeface="Hiragino Sans W3" charset="-128"/>
+            </a:endParaRPr>
+          </a:p>
+        </p:txBody>
+      </p:sp>
+      <p:sp>
+        <p:nvSpPr>
+          <p:cNvPr id="5" name="角丸四角形 4"/>
+          <p:cNvSpPr/>
+          <p:nvPr/>
+        </p:nvSpPr>
+        <p:spPr>
+          <a:xfrm>
+            <a:off x="661151" y="1843043"/>
+            <a:ext cx="2508550" cy="619689"/>
+          </a:xfrm>
+          <a:prstGeom prst="roundRect">
+            <a:avLst>
+              <a:gd name="adj" fmla="val 9804"/>
+            </a:avLst>
+          </a:prstGeom>
+          <a:solidFill>
+            <a:srgbClr val="26A69B"/>
+          </a:solidFill>
+          <a:ln>
+            <a:noFill/>
+          </a:ln>
+        </p:spPr>
+        <p:style>
+          <a:lnRef idx="2">
+            <a:schemeClr val="accent1">
+              <a:shade val="50000"/>
+            </a:schemeClr>
+          </a:lnRef>
+          <a:fillRef idx="1">
+            <a:schemeClr val="accent1"/>
+          </a:fillRef>
+          <a:effectRef idx="0">
+            <a:schemeClr val="accent1"/>
+          </a:effectRef>
+          <a:fontRef idx="minor">
+            <a:schemeClr val="lt1"/>
+          </a:fontRef>
+        </p:style>
+        <p:txBody>
+          <a:bodyPr rtlCol="0" anchor="ctr"/>
+          <a:lstStyle/>
+          <a:p>
+            <a:pPr algn="ctr"/>
+            <a:r>
+              <a:rPr kumimoji="1" lang="ja-JP" altLang="en-US" sz="2400" dirty="0" smtClean="0">
+                <a:solidFill>
+                  <a:srgbClr val="ECEFF1"/>
+                </a:solidFill>
+                <a:latin typeface="Hiragino Sans W3" charset="-128"/>
+                <a:ea typeface="Hiragino Sans W3" charset="-128"/>
+                <a:cs typeface="Hiragino Sans W3" charset="-128"/>
+              </a:rPr>
+              <a:t>シンプル</a:t>
+            </a:r>
+            <a:endParaRPr kumimoji="1" lang="ja-JP" altLang="en-US" sz="2400" dirty="0">
+              <a:solidFill>
+                <a:srgbClr val="ECEFF1"/>
+              </a:solidFill>
+              <a:latin typeface="Hiragino Sans W3" charset="-128"/>
+              <a:ea typeface="Hiragino Sans W3" charset="-128"/>
+              <a:cs typeface="Hiragino Sans W3" charset="-128"/>
+            </a:endParaRPr>
+          </a:p>
+        </p:txBody>
+      </p:sp>
+      <p:sp>
+        <p:nvSpPr>
+          <p:cNvPr id="6" name="角丸四角形 5"/>
+          <p:cNvSpPr/>
+          <p:nvPr/>
+        </p:nvSpPr>
+        <p:spPr>
+          <a:xfrm>
+            <a:off x="661151" y="3318949"/>
+            <a:ext cx="2508550" cy="619689"/>
+          </a:xfrm>
+          <a:prstGeom prst="roundRect">
+            <a:avLst>
+              <a:gd name="adj" fmla="val 9804"/>
+            </a:avLst>
+          </a:prstGeom>
+          <a:solidFill>
+            <a:srgbClr val="26A69B"/>
+          </a:solidFill>
+          <a:ln>
+            <a:noFill/>
+          </a:ln>
+        </p:spPr>
+        <p:style>
+          <a:lnRef idx="2">
+            <a:schemeClr val="accent1">
+              <a:shade val="50000"/>
+            </a:schemeClr>
+          </a:lnRef>
+          <a:fillRef idx="1">
+            <a:schemeClr val="accent1"/>
+          </a:fillRef>
+          <a:effectRef idx="0">
+            <a:schemeClr val="accent1"/>
+          </a:effectRef>
+          <a:fontRef idx="minor">
+            <a:schemeClr val="lt1"/>
+          </a:fontRef>
+        </p:style>
+        <p:txBody>
+          <a:bodyPr rtlCol="0" anchor="ctr"/>
+          <a:lstStyle/>
+          <a:p>
+            <a:pPr algn="ctr"/>
+            <a:r>
+              <a:rPr lang="ja-JP" altLang="en-US" sz="2400" dirty="0" smtClean="0">
+                <a:solidFill>
+                  <a:srgbClr val="ECEFF1"/>
+                </a:solidFill>
+                <a:latin typeface="Hiragino Sans W3" charset="-128"/>
+                <a:ea typeface="Hiragino Sans W3" charset="-128"/>
+                <a:cs typeface="Hiragino Sans W3" charset="-128"/>
+              </a:rPr>
+              <a:t>リアルタイム</a:t>
+            </a:r>
+            <a:endParaRPr kumimoji="1" lang="ja-JP" altLang="en-US" sz="2400" dirty="0">
+              <a:solidFill>
+                <a:srgbClr val="ECEFF1"/>
+              </a:solidFill>
+              <a:latin typeface="Hiragino Sans W3" charset="-128"/>
+              <a:ea typeface="Hiragino Sans W3" charset="-128"/>
+              <a:cs typeface="Hiragino Sans W3" charset="-128"/>
+            </a:endParaRPr>
+          </a:p>
+        </p:txBody>
+      </p:sp>
+      <p:sp>
+        <p:nvSpPr>
+          <p:cNvPr id="8" name="角丸四角形 7"/>
+          <p:cNvSpPr/>
+          <p:nvPr/>
+        </p:nvSpPr>
+        <p:spPr>
+          <a:xfrm>
+            <a:off x="661151" y="4796827"/>
+            <a:ext cx="2508550" cy="619689"/>
+          </a:xfrm>
+          <a:prstGeom prst="roundRect">
+            <a:avLst>
+              <a:gd name="adj" fmla="val 9804"/>
+            </a:avLst>
+          </a:prstGeom>
+          <a:solidFill>
+            <a:srgbClr val="EC4079"/>
+          </a:solidFill>
+          <a:ln>
+            <a:noFill/>
+          </a:ln>
+        </p:spPr>
+        <p:style>
+          <a:lnRef idx="2">
+            <a:schemeClr val="accent1">
+              <a:shade val="50000"/>
+            </a:schemeClr>
+          </a:lnRef>
+          <a:fillRef idx="1">
+            <a:schemeClr val="accent1"/>
+          </a:fillRef>
+          <a:effectRef idx="0">
+            <a:schemeClr val="accent1"/>
+          </a:effectRef>
+          <a:fontRef idx="minor">
+            <a:schemeClr val="lt1"/>
+          </a:fontRef>
+        </p:style>
+        <p:txBody>
+          <a:bodyPr rtlCol="0" anchor="ctr"/>
+          <a:lstStyle/>
+          <a:p>
+            <a:pPr algn="ctr"/>
+            <a:r>
+              <a:rPr lang="ja-JP" altLang="en-US" sz="2400" dirty="0" smtClean="0">
+                <a:solidFill>
+                  <a:srgbClr val="ECEFF1"/>
+                </a:solidFill>
+                <a:latin typeface="Hiragino Sans W3" charset="-128"/>
+                <a:ea typeface="Hiragino Sans W3" charset="-128"/>
+                <a:cs typeface="Hiragino Sans W3" charset="-128"/>
+              </a:rPr>
+              <a:t>数式入力</a:t>
+            </a:r>
+            <a:endParaRPr kumimoji="1" lang="ja-JP" altLang="en-US" sz="2400" dirty="0">
+              <a:solidFill>
+                <a:srgbClr val="ECEFF1"/>
+              </a:solidFill>
+              <a:latin typeface="Hiragino Sans W3" charset="-128"/>
+              <a:ea typeface="Hiragino Sans W3" charset="-128"/>
+              <a:cs typeface="Hiragino Sans W3" charset="-128"/>
+            </a:endParaRPr>
+          </a:p>
+        </p:txBody>
+      </p:sp>
+      <p:sp>
+        <p:nvSpPr>
+          <p:cNvPr id="9" name="テキスト ボックス 8"/>
+          <p:cNvSpPr txBox="1"/>
+          <p:nvPr/>
+        </p:nvSpPr>
+        <p:spPr>
+          <a:xfrm>
+            <a:off x="661151" y="2496416"/>
+            <a:ext cx="8006860" cy="584775"/>
+          </a:xfrm>
+          <a:prstGeom prst="rect">
+            <a:avLst/>
+          </a:prstGeom>
+          <a:noFill/>
+        </p:spPr>
+        <p:txBody>
+          <a:bodyPr wrap="square" rtlCol="0">
+            <a:spAutoFit/>
+          </a:bodyPr>
+          <a:lstStyle/>
+          <a:p>
+            <a:r>
+              <a:rPr kumimoji="1" lang="ja-JP" altLang="en-US" sz="3200" dirty="0" smtClean="0">
+                <a:solidFill>
+                  <a:srgbClr val="607D8B"/>
+                </a:solidFill>
+                <a:latin typeface="Hiragino Sans W3" charset="-128"/>
+                <a:ea typeface="Hiragino Sans W3" charset="-128"/>
+                <a:cs typeface="Hiragino Sans W3" charset="-128"/>
+              </a:rPr>
+              <a:t>最小限の操作で試験を作成・公開</a:t>
+            </a:r>
+            <a:endParaRPr kumimoji="1" lang="ja-JP" altLang="en-US" sz="3200" dirty="0">
+              <a:solidFill>
+                <a:srgbClr val="607D8B"/>
+              </a:solidFill>
+              <a:latin typeface="Hiragino Sans W3" charset="-128"/>
+              <a:ea typeface="Hiragino Sans W3" charset="-128"/>
+              <a:cs typeface="Hiragino Sans W3" charset="-128"/>
+            </a:endParaRPr>
+          </a:p>
+        </p:txBody>
+      </p:sp>
+      <p:sp>
+        <p:nvSpPr>
+          <p:cNvPr id="10" name="テキスト ボックス 9"/>
+          <p:cNvSpPr txBox="1"/>
+          <p:nvPr/>
+        </p:nvSpPr>
+        <p:spPr>
+          <a:xfrm>
+            <a:off x="661151" y="3956466"/>
+            <a:ext cx="8006860" cy="584775"/>
+          </a:xfrm>
+          <a:prstGeom prst="rect">
+            <a:avLst/>
+          </a:prstGeom>
+          <a:noFill/>
+        </p:spPr>
+        <p:txBody>
+          <a:bodyPr wrap="square" rtlCol="0">
+            <a:spAutoFit/>
+          </a:bodyPr>
+          <a:lstStyle/>
+          <a:p>
+            <a:r>
+              <a:rPr kumimoji="1" lang="ja-JP" altLang="en-US" sz="3200" dirty="0" smtClean="0">
+                <a:solidFill>
+                  <a:srgbClr val="607D8B"/>
+                </a:solidFill>
+                <a:latin typeface="Hiragino Sans W3" charset="-128"/>
+                <a:ea typeface="Hiragino Sans W3" charset="-128"/>
+                <a:cs typeface="Hiragino Sans W3" charset="-128"/>
+              </a:rPr>
+              <a:t>その場で採点、その後の授業に生かせる</a:t>
+            </a:r>
+            <a:endParaRPr kumimoji="1" lang="ja-JP" altLang="en-US" sz="3200" dirty="0">
+              <a:solidFill>
+                <a:srgbClr val="607D8B"/>
+              </a:solidFill>
+              <a:latin typeface="Hiragino Sans W3" charset="-128"/>
+              <a:ea typeface="Hiragino Sans W3" charset="-128"/>
+              <a:cs typeface="Hiragino Sans W3" charset="-128"/>
+            </a:endParaRPr>
+          </a:p>
+        </p:txBody>
+      </p:sp>
+      <p:sp>
+        <p:nvSpPr>
+          <p:cNvPr id="11" name="テキスト ボックス 10"/>
+          <p:cNvSpPr txBox="1"/>
+          <p:nvPr/>
+        </p:nvSpPr>
+        <p:spPr>
+          <a:xfrm>
+            <a:off x="661151" y="5461360"/>
+            <a:ext cx="8006860" cy="584775"/>
+          </a:xfrm>
+          <a:prstGeom prst="rect">
+            <a:avLst/>
+          </a:prstGeom>
+          <a:noFill/>
+        </p:spPr>
+        <p:txBody>
+          <a:bodyPr wrap="square" rtlCol="0">
+            <a:spAutoFit/>
+          </a:bodyPr>
+          <a:lstStyle/>
+          <a:p>
+            <a:r>
+              <a:rPr lang="ja-JP" altLang="en-US" sz="3200" dirty="0" smtClean="0">
+                <a:solidFill>
+                  <a:srgbClr val="607D8B"/>
+                </a:solidFill>
+                <a:latin typeface="Hiragino Sans W3" charset="-128"/>
+                <a:ea typeface="Hiragino Sans W3" charset="-128"/>
+                <a:cs typeface="Hiragino Sans W3" charset="-128"/>
+              </a:rPr>
+              <a:t>手書きに劣らない入力の心地</a:t>
+            </a:r>
+            <a:endParaRPr kumimoji="1" lang="ja-JP" altLang="en-US" sz="3200" dirty="0">
+              <a:solidFill>
+                <a:srgbClr val="607D8B"/>
+              </a:solidFill>
+              <a:latin typeface="Hiragino Sans W3" charset="-128"/>
+              <a:ea typeface="Hiragino Sans W3" charset="-128"/>
+              <a:cs typeface="Hiragino Sans W3" charset="-128"/>
+            </a:endParaRPr>
+          </a:p>
+        </p:txBody>
+      </p:sp>
+    </p:spTree>
+    <p:extLst>
+      <p:ext uri="{BB962C8B-B14F-4D97-AF65-F5344CB8AC3E}">
+        <p14:creationId xmlns:p14="http://schemas.microsoft.com/office/powerpoint/2010/main" val="2080204053"/>
+      </p:ext>
+    </p:extLst>
+  </p:cSld>
+  <p:clrMapOvr>
+    <a:masterClrMapping/>
+  </p:clrMapOvr>
+</p:sld>
+</file>
+
+<file path=ppt/slides/slide24.xml><?xml version="1.0" encoding="utf-8"?>
+<p:sld xmlns:a="http://schemas.openxmlformats.org/drawingml/2006/main" xmlns:r="http://schemas.openxmlformats.org/officeDocument/2006/relationships" xmlns:p="http://schemas.openxmlformats.org/presentationml/2006/main">
+  <p:cSld>
+    <p:spTree>
+      <p:nvGrpSpPr>
+        <p:cNvPr id="1" name=""/>
+        <p:cNvGrpSpPr/>
+        <p:nvPr/>
+      </p:nvGrpSpPr>
+      <p:grpSpPr>
+        <a:xfrm>
+          <a:off x="0" y="0"/>
+          <a:ext cx="0" cy="0"/>
+          <a:chOff x="0" y="0"/>
+          <a:chExt cx="0" cy="0"/>
+        </a:xfrm>
+      </p:grpSpPr>
+      <p:sp>
+        <p:nvSpPr>
+          <p:cNvPr id="2" name="タイトル 1"/>
+          <p:cNvSpPr>
+            <a:spLocks noGrp="1"/>
+          </p:cNvSpPr>
+          <p:nvPr>
+            <p:ph type="title"/>
+          </p:nvPr>
+        </p:nvSpPr>
+        <p:spPr/>
+        <p:txBody>
+          <a:bodyPr>
+            <a:normAutofit fontScale="90000"/>
+          </a:bodyPr>
+          <a:lstStyle/>
+          <a:p>
+            <a:r>
+              <a:rPr kumimoji="1" lang="ja-JP" altLang="en-US" dirty="0" smtClean="0"/>
+              <a:t>数式入力</a:t>
+            </a:r>
+            <a:endParaRPr kumimoji="1" lang="ja-JP" altLang="en-US" dirty="0"/>
+          </a:p>
+        </p:txBody>
+      </p:sp>
+      <p:sp>
+        <p:nvSpPr>
+          <p:cNvPr id="4" name="スライド番号プレースホルダー 3"/>
+          <p:cNvSpPr>
+            <a:spLocks noGrp="1"/>
+          </p:cNvSpPr>
+          <p:nvPr>
+            <p:ph type="sldNum" sz="quarter" idx="12"/>
+          </p:nvPr>
+        </p:nvSpPr>
+        <p:spPr/>
+        <p:txBody>
+          <a:bodyPr/>
+          <a:lstStyle/>
+          <a:p>
+            <a:r>
+              <a:rPr lang="en-US" altLang="ja-JP" smtClean="0"/>
+              <a:t>#</a:t>
+            </a:r>
+            <a:fld id="{F281072A-F9EF-F645-A589-9593A608EAA6}" type="slidenum">
+              <a:rPr lang="en-US" altLang="ja-JP" smtClean="0"/>
+              <a:pPr/>
+              <a:t>24</a:t>
+            </a:fld>
+            <a:endParaRPr lang="ja-JP" altLang="en-US" dirty="0"/>
+          </a:p>
+        </p:txBody>
+      </p:sp>
+      <p:pic>
+        <p:nvPicPr>
+          <p:cNvPr id="5" name="図 4"/>
+          <p:cNvPicPr>
+            <a:picLocks noChangeAspect="1"/>
+          </p:cNvPicPr>
+          <p:nvPr/>
+        </p:nvPicPr>
+        <p:blipFill>
+          <a:blip r:embed="rId2">
+            <a:extLst>
+              <a:ext uri="{28A0092B-C50C-407E-A947-70E740481C1C}">
+                <a14:useLocalDpi xmlns:a14="http://schemas.microsoft.com/office/drawing/2010/main" val="0"/>
+              </a:ext>
+            </a:extLst>
+          </a:blip>
+          <a:stretch>
+            <a:fillRect/>
+          </a:stretch>
+        </p:blipFill>
+        <p:spPr>
+          <a:xfrm>
+            <a:off x="1003300" y="1477201"/>
+            <a:ext cx="7124700" cy="3327400"/>
+          </a:xfrm>
+          <a:prstGeom prst="rect">
+            <a:avLst/>
+          </a:prstGeom>
+        </p:spPr>
+      </p:pic>
+      <p:sp>
+        <p:nvSpPr>
+          <p:cNvPr id="6" name="テキスト ボックス 5"/>
+          <p:cNvSpPr txBox="1"/>
+          <p:nvPr/>
+        </p:nvSpPr>
+        <p:spPr>
+          <a:xfrm>
+            <a:off x="2585956" y="5148210"/>
+            <a:ext cx="3871994" cy="584775"/>
+          </a:xfrm>
+          <a:prstGeom prst="rect">
+            <a:avLst/>
+          </a:prstGeom>
+          <a:noFill/>
+        </p:spPr>
+        <p:txBody>
+          <a:bodyPr wrap="square" rtlCol="0">
+            <a:spAutoFit/>
+          </a:bodyPr>
+          <a:lstStyle/>
+          <a:p>
+            <a:r>
+              <a:rPr kumimoji="1" lang="ja-JP" altLang="en-US" sz="3200" b="1" dirty="0" smtClean="0">
+                <a:solidFill>
+                  <a:srgbClr val="EC4079"/>
+                </a:solidFill>
+                <a:latin typeface="Hiragino Sans W6" charset="-128"/>
+                <a:ea typeface="Hiragino Sans W6" charset="-128"/>
+                <a:cs typeface="Hiragino Sans W6" charset="-128"/>
+              </a:rPr>
+              <a:t>必要なボタンに限定</a:t>
+            </a:r>
+            <a:endParaRPr kumimoji="1" lang="ja-JP" altLang="en-US" sz="3200" b="1" dirty="0">
+              <a:solidFill>
+                <a:srgbClr val="EC4079"/>
+              </a:solidFill>
+              <a:latin typeface="Hiragino Sans W6" charset="-128"/>
+              <a:ea typeface="Hiragino Sans W6" charset="-128"/>
+              <a:cs typeface="Hiragino Sans W6" charset="-128"/>
+            </a:endParaRPr>
+          </a:p>
+        </p:txBody>
+      </p:sp>
+    </p:spTree>
+    <p:extLst>
+      <p:ext uri="{BB962C8B-B14F-4D97-AF65-F5344CB8AC3E}">
+        <p14:creationId xmlns:p14="http://schemas.microsoft.com/office/powerpoint/2010/main" val="611497741"/>
+      </p:ext>
+    </p:extLst>
+  </p:cSld>
+  <p:clrMapOvr>
+    <a:masterClrMapping/>
+  </p:clrMapOvr>
+</p:sld>
+</file>
+
+<file path=ppt/slides/slide25.xml><?xml version="1.0" encoding="utf-8"?>
+<p:sld xmlns:a="http://schemas.openxmlformats.org/drawingml/2006/main" xmlns:r="http://schemas.openxmlformats.org/officeDocument/2006/relationships" xmlns:p="http://schemas.openxmlformats.org/presentationml/2006/main">
+  <p:cSld>
+    <p:spTree>
+      <p:nvGrpSpPr>
+        <p:cNvPr id="1" name=""/>
+        <p:cNvGrpSpPr/>
+        <p:nvPr/>
+      </p:nvGrpSpPr>
+      <p:grpSpPr>
+        <a:xfrm>
+          <a:off x="0" y="0"/>
+          <a:ext cx="0" cy="0"/>
+          <a:chOff x="0" y="0"/>
+          <a:chExt cx="0" cy="0"/>
+        </a:xfrm>
+      </p:grpSpPr>
+      <p:sp>
+        <p:nvSpPr>
+          <p:cNvPr id="2" name="タイトル 1"/>
+          <p:cNvSpPr>
+            <a:spLocks noGrp="1"/>
+          </p:cNvSpPr>
+          <p:nvPr>
+            <p:ph type="title"/>
+          </p:nvPr>
+        </p:nvSpPr>
+        <p:spPr/>
+        <p:txBody>
+          <a:bodyPr>
+            <a:normAutofit fontScale="90000"/>
+          </a:bodyPr>
+          <a:lstStyle/>
+          <a:p>
+            <a:r>
+              <a:rPr kumimoji="1" lang="ja-JP" altLang="en-US" dirty="0" smtClean="0"/>
+              <a:t>数式入力</a:t>
+            </a:r>
+            <a:endParaRPr kumimoji="1" lang="ja-JP" altLang="en-US" dirty="0"/>
+          </a:p>
+        </p:txBody>
+      </p:sp>
+      <p:sp>
+        <p:nvSpPr>
+          <p:cNvPr id="4" name="スライド番号プレースホルダー 3"/>
+          <p:cNvSpPr>
+            <a:spLocks noGrp="1"/>
+          </p:cNvSpPr>
+          <p:nvPr>
+            <p:ph type="sldNum" sz="quarter" idx="12"/>
+          </p:nvPr>
+        </p:nvSpPr>
+        <p:spPr/>
+        <p:txBody>
+          <a:bodyPr/>
+          <a:lstStyle/>
+          <a:p>
+            <a:r>
+              <a:rPr lang="en-US" altLang="ja-JP" smtClean="0"/>
+              <a:t>#</a:t>
+            </a:r>
+            <a:fld id="{F281072A-F9EF-F645-A589-9593A608EAA6}" type="slidenum">
+              <a:rPr lang="en-US" altLang="ja-JP" smtClean="0"/>
+              <a:pPr/>
+              <a:t>25</a:t>
+            </a:fld>
+            <a:endParaRPr lang="ja-JP" altLang="en-US" dirty="0"/>
+          </a:p>
+        </p:txBody>
+      </p:sp>
+      <p:pic>
+        <p:nvPicPr>
+          <p:cNvPr id="3" name="図 2"/>
+          <p:cNvPicPr>
+            <a:picLocks noChangeAspect="1"/>
+          </p:cNvPicPr>
+          <p:nvPr/>
+        </p:nvPicPr>
+        <p:blipFill rotWithShape="1">
+          <a:blip r:embed="rId2">
+            <a:extLst>
+              <a:ext uri="{28A0092B-C50C-407E-A947-70E740481C1C}">
+                <a14:useLocalDpi xmlns:a14="http://schemas.microsoft.com/office/drawing/2010/main" val="0"/>
+              </a:ext>
+            </a:extLst>
+          </a:blip>
+          <a:srcRect l="5801" t="14728" r="15052" b="11963"/>
+          <a:stretch/>
+        </p:blipFill>
+        <p:spPr>
+          <a:xfrm>
+            <a:off x="601385" y="1169495"/>
+            <a:ext cx="4070960" cy="5027453"/>
+          </a:xfrm>
+          <a:prstGeom prst="rect">
+            <a:avLst/>
+          </a:prstGeom>
+        </p:spPr>
+      </p:pic>
+      <p:sp>
+        <p:nvSpPr>
+          <p:cNvPr id="7" name="テキスト ボックス 6"/>
+          <p:cNvSpPr txBox="1"/>
+          <p:nvPr/>
+        </p:nvSpPr>
+        <p:spPr>
+          <a:xfrm>
+            <a:off x="4672345" y="2806059"/>
+            <a:ext cx="3871994" cy="584775"/>
+          </a:xfrm>
+          <a:prstGeom prst="rect">
+            <a:avLst/>
+          </a:prstGeom>
+          <a:noFill/>
+        </p:spPr>
+        <p:txBody>
+          <a:bodyPr wrap="square" rtlCol="0">
+            <a:spAutoFit/>
+          </a:bodyPr>
+          <a:lstStyle/>
+          <a:p>
+            <a:r>
+              <a:rPr lang="ja-JP" altLang="en-US" sz="3200" b="1" smtClean="0">
+                <a:solidFill>
+                  <a:srgbClr val="EC4079"/>
+                </a:solidFill>
+                <a:latin typeface="Hiragino Sans W6" charset="-128"/>
+                <a:ea typeface="Hiragino Sans W6" charset="-128"/>
+                <a:cs typeface="Hiragino Sans W6" charset="-128"/>
+              </a:rPr>
+              <a:t>独自デバイスを作成</a:t>
+            </a:r>
+            <a:endParaRPr kumimoji="1" lang="ja-JP" altLang="en-US" sz="3200" b="1" dirty="0">
+              <a:solidFill>
+                <a:srgbClr val="EC4079"/>
+              </a:solidFill>
+              <a:latin typeface="Hiragino Sans W6" charset="-128"/>
+              <a:ea typeface="Hiragino Sans W6" charset="-128"/>
+              <a:cs typeface="Hiragino Sans W6" charset="-128"/>
+            </a:endParaRPr>
+          </a:p>
+        </p:txBody>
+      </p:sp>
+      <p:sp>
+        <p:nvSpPr>
+          <p:cNvPr id="8" name="テキスト ボックス 7"/>
+          <p:cNvSpPr txBox="1"/>
+          <p:nvPr/>
+        </p:nvSpPr>
+        <p:spPr>
+          <a:xfrm>
+            <a:off x="4672345" y="3550236"/>
+            <a:ext cx="3871994" cy="1077218"/>
+          </a:xfrm>
+          <a:prstGeom prst="rect">
+            <a:avLst/>
+          </a:prstGeom>
+          <a:noFill/>
+        </p:spPr>
+        <p:txBody>
+          <a:bodyPr wrap="square" rtlCol="0">
+            <a:spAutoFit/>
+          </a:bodyPr>
+          <a:lstStyle/>
+          <a:p>
+            <a:r>
+              <a:rPr kumimoji="1" lang="ja-JP" altLang="en-US" sz="3200" dirty="0" smtClean="0">
+                <a:solidFill>
+                  <a:srgbClr val="607D8B"/>
+                </a:solidFill>
+                <a:latin typeface="Hiragino Sans W3" charset="-128"/>
+                <a:ea typeface="Hiragino Sans W3" charset="-128"/>
+                <a:cs typeface="Hiragino Sans W3" charset="-128"/>
+              </a:rPr>
+              <a:t>電卓のような数式入力が可能に</a:t>
+            </a:r>
+            <a:endParaRPr kumimoji="1" lang="ja-JP" altLang="en-US" sz="3200" dirty="0">
+              <a:solidFill>
+                <a:srgbClr val="607D8B"/>
+              </a:solidFill>
+              <a:latin typeface="Hiragino Sans W3" charset="-128"/>
+              <a:ea typeface="Hiragino Sans W3" charset="-128"/>
+              <a:cs typeface="Hiragino Sans W3" charset="-128"/>
+            </a:endParaRPr>
+          </a:p>
+        </p:txBody>
+      </p:sp>
+    </p:spTree>
+    <p:extLst>
+      <p:ext uri="{BB962C8B-B14F-4D97-AF65-F5344CB8AC3E}">
+        <p14:creationId xmlns:p14="http://schemas.microsoft.com/office/powerpoint/2010/main" val="1673758312"/>
+      </p:ext>
+    </p:extLst>
+  </p:cSld>
+  <p:clrMapOvr>
+    <a:masterClrMapping/>
+  </p:clrMapOvr>
 </p:sld>
 </file>
 
@@ -5644,7 +9037,7 @@
           <a:lstStyle/>
           <a:p>
             <a:r>
-              <a:rPr kumimoji="1" lang="ja-JP" altLang="en-US" dirty="0" smtClean="0"/>
+              <a:rPr lang="ja-JP" altLang="en-US" dirty="0" smtClean="0"/>
               <a:t>背景</a:t>
             </a:r>
             <a:endParaRPr kumimoji="1" lang="ja-JP" altLang="en-US" dirty="0"/>
@@ -6476,7 +9869,7 @@
           <a:lstStyle/>
           <a:p>
             <a:r>
-              <a:rPr kumimoji="1" lang="ja-JP" altLang="en-US" dirty="0" smtClean="0"/>
+              <a:rPr lang="ja-JP" altLang="en-US" dirty="0" smtClean="0"/>
               <a:t>背景</a:t>
             </a:r>
             <a:endParaRPr kumimoji="1" lang="ja-JP" altLang="en-US" dirty="0"/>
@@ -8151,7 +11544,7 @@
           <a:lstStyle/>
           <a:p>
             <a:r>
-              <a:rPr kumimoji="1" lang="ja-JP" altLang="en-US" dirty="0" smtClean="0"/>
+              <a:rPr lang="ja-JP" altLang="en-US" dirty="0" smtClean="0"/>
               <a:t>背景</a:t>
             </a:r>
             <a:endParaRPr kumimoji="1" lang="ja-JP" altLang="en-US" dirty="0"/>
@@ -8194,8 +11587,8 @@
         </p:nvSpPr>
         <p:spPr>
           <a:xfrm>
-            <a:off x="974302" y="1582797"/>
-            <a:ext cx="7541048" cy="1077218"/>
+            <a:off x="829340" y="3186128"/>
+            <a:ext cx="7541048" cy="584775"/>
           </a:xfrm>
           <a:prstGeom prst="rect">
             <a:avLst/>
@@ -8217,28 +11610,7 @@
                 <a:ea typeface="Hiragino Sans W3" charset="-128"/>
                 <a:cs typeface="Hiragino Sans W3" charset="-128"/>
               </a:rPr>
-              <a:t>小テストも自動化できないくせに</a:t>
-            </a:r>
-            <a:endParaRPr lang="en-US" altLang="ja-JP" sz="3200" dirty="0" smtClean="0">
-              <a:solidFill>
-                <a:srgbClr val="26A69A"/>
-              </a:solidFill>
-              <a:latin typeface="Hiragino Sans W3" charset="-128"/>
-              <a:ea typeface="Hiragino Sans W3" charset="-128"/>
-              <a:cs typeface="Hiragino Sans W3" charset="-128"/>
-            </a:endParaRPr>
-          </a:p>
-          <a:p>
-            <a:r>
-              <a:rPr kumimoji="1" lang="en-US" altLang="ja-JP" sz="3200" dirty="0" smtClean="0">
-                <a:solidFill>
-                  <a:srgbClr val="26A69A"/>
-                </a:solidFill>
-                <a:latin typeface="Hiragino Sans W3" charset="-128"/>
-                <a:ea typeface="Hiragino Sans W3" charset="-128"/>
-                <a:cs typeface="Hiragino Sans W3" charset="-128"/>
-              </a:rPr>
-              <a:t>ICT</a:t>
+              <a:t>人間より</a:t>
             </a:r>
             <a:r>
               <a:rPr kumimoji="1" lang="ja-JP" altLang="en-US" sz="3200" dirty="0" smtClean="0">
@@ -8249,7 +11621,7 @@
                 <a:ea typeface="Hiragino Sans W3" charset="-128"/>
                 <a:cs typeface="Hiragino Sans W3" charset="-128"/>
               </a:rPr>
-              <a:t>教育って</a:t>
+              <a:t>コンピュータの方が優れている</a:t>
             </a:r>
             <a:endParaRPr kumimoji="1" lang="ja-JP" altLang="en-US" sz="3200" dirty="0">
               <a:solidFill>
@@ -8262,60 +11634,10 @@
           </a:p>
         </p:txBody>
       </p:sp>
-      <p:pic>
-        <p:nvPicPr>
-          <p:cNvPr id="1026" name="Picture 2" descr="ttps://pbs.twimg.com/media/DLlU3YPUQAEcLvh.jpg"/>
-          <p:cNvPicPr>
-            <a:picLocks noChangeAspect="1" noChangeArrowheads="1"/>
-          </p:cNvPicPr>
-          <p:nvPr/>
-        </p:nvPicPr>
-        <p:blipFill>
-          <a:blip r:embed="rId2">
-            <a:extLst>
-              <a:ext uri="{BEBA8EAE-BF5A-486C-A8C5-ECC9F3942E4B}">
-                <a14:imgProps xmlns:a14="http://schemas.microsoft.com/office/drawing/2010/main">
-                  <a14:imgLayer r:embed="rId3">
-                    <a14:imgEffect>
-                      <a14:artisticGlowEdges/>
-                    </a14:imgEffect>
-                  </a14:imgLayer>
-                </a14:imgProps>
-              </a:ext>
-              <a:ext uri="{28A0092B-C50C-407E-A947-70E740481C1C}">
-                <a14:useLocalDpi xmlns:a14="http://schemas.microsoft.com/office/drawing/2010/main" val="0"/>
-              </a:ext>
-            </a:extLst>
-          </a:blip>
-          <a:srcRect/>
-          <a:stretch>
-            <a:fillRect/>
-          </a:stretch>
-        </p:blipFill>
-        <p:spPr bwMode="auto">
-          <a:xfrm>
-            <a:off x="2934815" y="2839800"/>
-            <a:ext cx="3620022" cy="3336765"/>
-          </a:xfrm>
-          <a:prstGeom prst="rect">
-            <a:avLst/>
-          </a:prstGeom>
-          <a:noFill/>
-          <a:extLst>
-            <a:ext uri="{909E8E84-426E-40DD-AFC4-6F175D3DCCD1}">
-              <a14:hiddenFill xmlns:a14="http://schemas.microsoft.com/office/drawing/2010/main">
-                <a:solidFill>
-                  <a:srgbClr val="FFFFFF"/>
-                </a:solidFill>
-              </a14:hiddenFill>
-            </a:ext>
-          </a:extLst>
-        </p:spPr>
-      </p:pic>
     </p:spTree>
     <p:extLst>
       <p:ext uri="{BB962C8B-B14F-4D97-AF65-F5344CB8AC3E}">
-        <p14:creationId xmlns:p14="http://schemas.microsoft.com/office/powerpoint/2010/main" val="1086998363"/>
+        <p14:creationId xmlns:p14="http://schemas.microsoft.com/office/powerpoint/2010/main" val="2035188769"/>
       </p:ext>
     </p:extLst>
   </p:cSld>

--- a/slide.pptx
+++ b/slide.pptx
@@ -5,7 +5,7 @@
     <p:sldMasterId id="2147483660" r:id="rId1"/>
   </p:sldMasterIdLst>
   <p:notesMasterIdLst>
-    <p:notesMasterId r:id="rId27"/>
+    <p:notesMasterId r:id="rId28"/>
   </p:notesMasterIdLst>
   <p:sldIdLst>
     <p:sldId id="256" r:id="rId2"/>
@@ -33,6 +33,7 @@
     <p:sldId id="278" r:id="rId24"/>
     <p:sldId id="279" r:id="rId25"/>
     <p:sldId id="280" r:id="rId26"/>
+    <p:sldId id="281" r:id="rId27"/>
   </p:sldIdLst>
   <p:sldSz cx="9144000" cy="6858000" type="screen4x3"/>
   <p:notesSz cx="6858000" cy="9144000"/>
@@ -4535,6 +4536,13 @@
   <p:clrMapOvr>
     <a:masterClrMapping/>
   </p:clrMapOvr>
+  <p:timing>
+    <p:tnLst>
+      <p:par>
+        <p:cTn id="1" dur="indefinite" restart="never" nodeType="tmRoot"/>
+      </p:par>
+    </p:tnLst>
+  </p:timing>
 </p:sld>
 </file>
 
@@ -5114,6 +5122,13 @@
   <p:clrMapOvr>
     <a:masterClrMapping/>
   </p:clrMapOvr>
+  <p:timing>
+    <p:tnLst>
+      <p:par>
+        <p:cTn id="1" dur="indefinite" restart="never" nodeType="tmRoot"/>
+      </p:par>
+    </p:tnLst>
+  </p:timing>
 </p:sld>
 </file>
 
@@ -5242,6 +5257,13 @@
   <p:clrMapOvr>
     <a:masterClrMapping/>
   </p:clrMapOvr>
+  <p:timing>
+    <p:tnLst>
+      <p:par>
+        <p:cTn id="1" dur="indefinite" restart="never" nodeType="tmRoot"/>
+      </p:par>
+    </p:tnLst>
+  </p:timing>
 </p:sld>
 </file>
 
@@ -5370,6 +5392,13 @@
   <p:clrMapOvr>
     <a:masterClrMapping/>
   </p:clrMapOvr>
+  <p:timing>
+    <p:tnLst>
+      <p:par>
+        <p:cTn id="1" dur="indefinite" restart="never" nodeType="tmRoot"/>
+      </p:par>
+    </p:tnLst>
+  </p:timing>
 </p:sld>
 </file>
 
@@ -5506,7 +5535,7 @@
                 <a:ea typeface="Hiragino Sans W3" charset="-128"/>
                 <a:cs typeface="Hiragino Sans W3" charset="-128"/>
               </a:rPr>
-              <a:t>教員のほうが使いこなせない</a:t>
+              <a:t>教師のほうが使いこなせない</a:t>
             </a:r>
             <a:endParaRPr kumimoji="1" lang="ja-JP" altLang="en-US" sz="3200" dirty="0">
               <a:solidFill>
@@ -5579,6 +5608,13 @@
   <p:clrMapOvr>
     <a:masterClrMapping/>
   </p:clrMapOvr>
+  <p:timing>
+    <p:tnLst>
+      <p:par>
+        <p:cTn id="1" dur="indefinite" restart="never" nodeType="tmRoot"/>
+      </p:par>
+    </p:tnLst>
+  </p:timing>
 </p:sld>
 </file>
 
@@ -5707,6 +5743,13 @@
   <p:clrMapOvr>
     <a:masterClrMapping/>
   </p:clrMapOvr>
+  <p:timing>
+    <p:tnLst>
+      <p:par>
+        <p:cTn id="1" dur="indefinite" restart="never" nodeType="tmRoot"/>
+      </p:par>
+    </p:tnLst>
+  </p:timing>
 </p:sld>
 </file>
 
@@ -5820,6 +5863,13 @@
   <p:clrMapOvr>
     <a:masterClrMapping/>
   </p:clrMapOvr>
+  <p:timing>
+    <p:tnLst>
+      <p:par>
+        <p:cTn id="1" dur="indefinite" restart="never" nodeType="tmRoot"/>
+      </p:par>
+    </p:tnLst>
+  </p:timing>
 </p:sld>
 </file>
 
@@ -5932,6 +5982,13 @@
   <p:clrMapOvr>
     <a:masterClrMapping/>
   </p:clrMapOvr>
+  <p:timing>
+    <p:tnLst>
+      <p:par>
+        <p:cTn id="1" dur="indefinite" restart="never" nodeType="tmRoot"/>
+      </p:par>
+    </p:tnLst>
+  </p:timing>
 </p:sld>
 </file>
 
@@ -6044,6 +6101,13 @@
   <p:clrMapOvr>
     <a:masterClrMapping/>
   </p:clrMapOvr>
+  <p:timing>
+    <p:tnLst>
+      <p:par>
+        <p:cTn id="1" dur="indefinite" restart="never" nodeType="tmRoot"/>
+      </p:par>
+    </p:tnLst>
+  </p:timing>
 </p:sld>
 </file>
 
@@ -6304,6 +6368,13 @@
   <p:clrMapOvr>
     <a:masterClrMapping/>
   </p:clrMapOvr>
+  <p:timing>
+    <p:tnLst>
+      <p:par>
+        <p:cTn id="1" dur="indefinite" restart="never" nodeType="tmRoot"/>
+      </p:par>
+    </p:tnLst>
+  </p:timing>
 </p:sld>
 </file>
 
@@ -6440,6 +6511,32 @@
             <a:r>
               <a:rPr lang="ja-JP" altLang="en-US" dirty="0" smtClean="0"/>
               <a:t>コンセプト</a:t>
+            </a:r>
+            <a:endParaRPr lang="en-US" altLang="ja-JP" dirty="0" smtClean="0"/>
+          </a:p>
+          <a:p>
+            <a:pPr marL="514350" marR="0" lvl="0" indent="-514350" defTabSz="914400" eaLnBrk="1" fontAlgn="auto" latinLnBrk="0" hangingPunct="1">
+              <a:lnSpc>
+                <a:spcPct val="150000"/>
+              </a:lnSpc>
+              <a:spcBef>
+                <a:spcPts val="0"/>
+              </a:spcBef>
+              <a:spcAft>
+                <a:spcPts val="0"/>
+              </a:spcAft>
+              <a:buClr>
+                <a:srgbClr val="26A69B"/>
+              </a:buClr>
+              <a:buSzPct val="125000"/>
+              <a:buFont typeface="+mj-lt"/>
+              <a:buAutoNum type="arabicPeriod"/>
+              <a:tabLst/>
+              <a:defRPr/>
+            </a:pPr>
+            <a:r>
+              <a:rPr lang="ja-JP" altLang="en-US" dirty="0" smtClean="0"/>
+              <a:t>今後の展望</a:t>
             </a:r>
             <a:endParaRPr lang="en-US" altLang="ja-JP" dirty="0" smtClean="0"/>
           </a:p>
@@ -6617,6 +6714,13 @@
   <p:clrMapOvr>
     <a:masterClrMapping/>
   </p:clrMapOvr>
+  <p:timing>
+    <p:tnLst>
+      <p:par>
+        <p:cTn id="1" dur="indefinite" restart="never" nodeType="tmRoot"/>
+      </p:par>
+    </p:tnLst>
+  </p:timing>
 </p:sld>
 </file>
 
@@ -6860,6 +6964,13 @@
   <p:clrMapOvr>
     <a:masterClrMapping/>
   </p:clrMapOvr>
+  <p:timing>
+    <p:tnLst>
+      <p:par>
+        <p:cTn id="1" dur="indefinite" restart="never" nodeType="tmRoot"/>
+      </p:par>
+    </p:tnLst>
+  </p:timing>
 </p:sld>
 </file>
 
@@ -7317,6 +7428,13 @@
   <p:clrMapOvr>
     <a:masterClrMapping/>
   </p:clrMapOvr>
+  <p:timing>
+    <p:tnLst>
+      <p:par>
+        <p:cTn id="1" dur="indefinite" restart="never" nodeType="tmRoot"/>
+      </p:par>
+    </p:tnLst>
+  </p:timing>
 </p:sld>
 </file>
 
@@ -7774,6 +7892,13 @@
   <p:clrMapOvr>
     <a:masterClrMapping/>
   </p:clrMapOvr>
+  <p:timing>
+    <p:tnLst>
+      <p:par>
+        <p:cTn id="1" dur="indefinite" restart="never" nodeType="tmRoot"/>
+      </p:par>
+    </p:tnLst>
+  </p:timing>
 </p:sld>
 </file>
 
@@ -7931,6 +8056,13 @@
   <p:clrMapOvr>
     <a:masterClrMapping/>
   </p:clrMapOvr>
+  <p:timing>
+    <p:tnLst>
+      <p:par>
+        <p:cTn id="1" dur="indefinite" restart="never" nodeType="tmRoot"/>
+      </p:par>
+    </p:tnLst>
+  </p:timing>
 </p:sld>
 </file>
 
@@ -8131,6 +8263,654 @@
   <p:clrMapOvr>
     <a:masterClrMapping/>
   </p:clrMapOvr>
+  <p:timing>
+    <p:tnLst>
+      <p:par>
+        <p:cTn id="1" dur="indefinite" restart="never" nodeType="tmRoot"/>
+      </p:par>
+    </p:tnLst>
+  </p:timing>
+</p:sld>
+</file>
+
+<file path=ppt/slides/slide26.xml><?xml version="1.0" encoding="utf-8"?>
+<p:sld xmlns:a="http://schemas.openxmlformats.org/drawingml/2006/main" xmlns:r="http://schemas.openxmlformats.org/officeDocument/2006/relationships" xmlns:p="http://schemas.openxmlformats.org/presentationml/2006/main">
+  <p:cSld>
+    <p:spTree>
+      <p:nvGrpSpPr>
+        <p:cNvPr id="1" name=""/>
+        <p:cNvGrpSpPr/>
+        <p:nvPr/>
+      </p:nvGrpSpPr>
+      <p:grpSpPr>
+        <a:xfrm>
+          <a:off x="0" y="0"/>
+          <a:ext cx="0" cy="0"/>
+          <a:chOff x="0" y="0"/>
+          <a:chExt cx="0" cy="0"/>
+        </a:xfrm>
+      </p:grpSpPr>
+      <p:sp>
+        <p:nvSpPr>
+          <p:cNvPr id="2" name="タイトル 1"/>
+          <p:cNvSpPr>
+            <a:spLocks noGrp="1"/>
+          </p:cNvSpPr>
+          <p:nvPr>
+            <p:ph type="title"/>
+          </p:nvPr>
+        </p:nvSpPr>
+        <p:spPr/>
+        <p:txBody>
+          <a:bodyPr>
+            <a:normAutofit fontScale="90000"/>
+          </a:bodyPr>
+          <a:lstStyle/>
+          <a:p>
+            <a:r>
+              <a:rPr kumimoji="1" lang="ja-JP" altLang="en-US" dirty="0" smtClean="0"/>
+              <a:t>今後の展望</a:t>
+            </a:r>
+            <a:endParaRPr kumimoji="1" lang="ja-JP" altLang="en-US" dirty="0"/>
+          </a:p>
+        </p:txBody>
+      </p:sp>
+      <p:sp>
+        <p:nvSpPr>
+          <p:cNvPr id="4" name="スライド番号プレースホルダー 3"/>
+          <p:cNvSpPr>
+            <a:spLocks noGrp="1"/>
+          </p:cNvSpPr>
+          <p:nvPr>
+            <p:ph type="sldNum" sz="quarter" idx="12"/>
+          </p:nvPr>
+        </p:nvSpPr>
+        <p:spPr/>
+        <p:txBody>
+          <a:bodyPr/>
+          <a:lstStyle/>
+          <a:p>
+            <a:r>
+              <a:rPr lang="en-US" altLang="ja-JP" smtClean="0"/>
+              <a:t>#</a:t>
+            </a:r>
+            <a:fld id="{F281072A-F9EF-F645-A589-9593A608EAA6}" type="slidenum">
+              <a:rPr lang="en-US" altLang="ja-JP" smtClean="0"/>
+              <a:pPr/>
+              <a:t>26</a:t>
+            </a:fld>
+            <a:endParaRPr lang="ja-JP" altLang="en-US" dirty="0"/>
+          </a:p>
+        </p:txBody>
+      </p:sp>
+      <p:sp>
+        <p:nvSpPr>
+          <p:cNvPr id="9" name="テキスト ボックス 8"/>
+          <p:cNvSpPr txBox="1"/>
+          <p:nvPr/>
+        </p:nvSpPr>
+        <p:spPr>
+          <a:xfrm>
+            <a:off x="535891" y="1119333"/>
+            <a:ext cx="5188504" cy="584775"/>
+          </a:xfrm>
+          <a:prstGeom prst="rect">
+            <a:avLst/>
+          </a:prstGeom>
+          <a:noFill/>
+        </p:spPr>
+        <p:txBody>
+          <a:bodyPr wrap="square" rtlCol="0">
+            <a:spAutoFit/>
+          </a:bodyPr>
+          <a:lstStyle/>
+          <a:p>
+            <a:r>
+              <a:rPr kumimoji="1" lang="en-US" altLang="ja-JP" sz="3200" dirty="0" smtClean="0">
+                <a:solidFill>
+                  <a:srgbClr val="26A69A"/>
+                </a:solidFill>
+                <a:latin typeface="Hiragino Sans W3" charset="-128"/>
+                <a:ea typeface="Hiragino Sans W3" charset="-128"/>
+                <a:cs typeface="Hiragino Sans W3" charset="-128"/>
+              </a:rPr>
+              <a:t>Edutainment</a:t>
+            </a:r>
+            <a:r>
+              <a:rPr kumimoji="1" lang="ja-JP" altLang="en-US" sz="3200" dirty="0" smtClean="0">
+                <a:solidFill>
+                  <a:srgbClr val="26A69A"/>
+                </a:solidFill>
+                <a:latin typeface="Hiragino Sans W3" charset="-128"/>
+                <a:ea typeface="Hiragino Sans W3" charset="-128"/>
+                <a:cs typeface="Hiragino Sans W3" charset="-128"/>
+              </a:rPr>
+              <a:t>：教育＋娯楽</a:t>
+            </a:r>
+            <a:endParaRPr kumimoji="1" lang="ja-JP" altLang="en-US" sz="3200" dirty="0">
+              <a:solidFill>
+                <a:srgbClr val="26A69A"/>
+              </a:solidFill>
+              <a:latin typeface="Hiragino Sans W3" charset="-128"/>
+              <a:ea typeface="Hiragino Sans W3" charset="-128"/>
+              <a:cs typeface="Hiragino Sans W3" charset="-128"/>
+            </a:endParaRPr>
+          </a:p>
+        </p:txBody>
+      </p:sp>
+      <p:sp>
+        <p:nvSpPr>
+          <p:cNvPr id="10" name="角丸四角形 9"/>
+          <p:cNvSpPr/>
+          <p:nvPr/>
+        </p:nvSpPr>
+        <p:spPr>
+          <a:xfrm>
+            <a:off x="661151" y="1843043"/>
+            <a:ext cx="2508550" cy="619689"/>
+          </a:xfrm>
+          <a:prstGeom prst="roundRect">
+            <a:avLst>
+              <a:gd name="adj" fmla="val 9804"/>
+            </a:avLst>
+          </a:prstGeom>
+          <a:solidFill>
+            <a:srgbClr val="26A69B"/>
+          </a:solidFill>
+          <a:ln>
+            <a:noFill/>
+          </a:ln>
+        </p:spPr>
+        <p:style>
+          <a:lnRef idx="2">
+            <a:schemeClr val="accent1">
+              <a:shade val="50000"/>
+            </a:schemeClr>
+          </a:lnRef>
+          <a:fillRef idx="1">
+            <a:schemeClr val="accent1"/>
+          </a:fillRef>
+          <a:effectRef idx="0">
+            <a:schemeClr val="accent1"/>
+          </a:effectRef>
+          <a:fontRef idx="minor">
+            <a:schemeClr val="lt1"/>
+          </a:fontRef>
+        </p:style>
+        <p:txBody>
+          <a:bodyPr rtlCol="0" anchor="ctr"/>
+          <a:lstStyle/>
+          <a:p>
+            <a:pPr algn="ctr"/>
+            <a:r>
+              <a:rPr kumimoji="1" lang="ja-JP" altLang="en-US" sz="2400" dirty="0" smtClean="0">
+                <a:solidFill>
+                  <a:srgbClr val="ECEFF1"/>
+                </a:solidFill>
+                <a:latin typeface="Hiragino Sans W3" charset="-128"/>
+                <a:ea typeface="Hiragino Sans W3" charset="-128"/>
+                <a:cs typeface="Hiragino Sans W3" charset="-128"/>
+              </a:rPr>
+              <a:t>教員</a:t>
+            </a:r>
+            <a:endParaRPr kumimoji="1" lang="ja-JP" altLang="en-US" sz="2400" dirty="0">
+              <a:solidFill>
+                <a:srgbClr val="ECEFF1"/>
+              </a:solidFill>
+              <a:latin typeface="Hiragino Sans W3" charset="-128"/>
+              <a:ea typeface="Hiragino Sans W3" charset="-128"/>
+              <a:cs typeface="Hiragino Sans W3" charset="-128"/>
+            </a:endParaRPr>
+          </a:p>
+        </p:txBody>
+      </p:sp>
+      <p:sp>
+        <p:nvSpPr>
+          <p:cNvPr id="11" name="角丸四角形 10"/>
+          <p:cNvSpPr/>
+          <p:nvPr/>
+        </p:nvSpPr>
+        <p:spPr>
+          <a:xfrm>
+            <a:off x="661151" y="3800656"/>
+            <a:ext cx="2508550" cy="619689"/>
+          </a:xfrm>
+          <a:prstGeom prst="roundRect">
+            <a:avLst>
+              <a:gd name="adj" fmla="val 9804"/>
+            </a:avLst>
+          </a:prstGeom>
+          <a:solidFill>
+            <a:srgbClr val="26A69B"/>
+          </a:solidFill>
+          <a:ln>
+            <a:noFill/>
+          </a:ln>
+        </p:spPr>
+        <p:style>
+          <a:lnRef idx="2">
+            <a:schemeClr val="accent1">
+              <a:shade val="50000"/>
+            </a:schemeClr>
+          </a:lnRef>
+          <a:fillRef idx="1">
+            <a:schemeClr val="accent1"/>
+          </a:fillRef>
+          <a:effectRef idx="0">
+            <a:schemeClr val="accent1"/>
+          </a:effectRef>
+          <a:fontRef idx="minor">
+            <a:schemeClr val="lt1"/>
+          </a:fontRef>
+        </p:style>
+        <p:txBody>
+          <a:bodyPr rtlCol="0" anchor="ctr"/>
+          <a:lstStyle/>
+          <a:p>
+            <a:pPr algn="ctr"/>
+            <a:r>
+              <a:rPr lang="ja-JP" altLang="en-US" sz="2400" dirty="0" smtClean="0">
+                <a:solidFill>
+                  <a:srgbClr val="ECEFF1"/>
+                </a:solidFill>
+                <a:latin typeface="Hiragino Sans W3" charset="-128"/>
+                <a:ea typeface="Hiragino Sans W3" charset="-128"/>
+                <a:cs typeface="Hiragino Sans W3" charset="-128"/>
+              </a:rPr>
+              <a:t>生徒</a:t>
+            </a:r>
+            <a:endParaRPr kumimoji="1" lang="ja-JP" altLang="en-US" sz="2400" dirty="0">
+              <a:solidFill>
+                <a:srgbClr val="ECEFF1"/>
+              </a:solidFill>
+              <a:latin typeface="Hiragino Sans W3" charset="-128"/>
+              <a:ea typeface="Hiragino Sans W3" charset="-128"/>
+              <a:cs typeface="Hiragino Sans W3" charset="-128"/>
+            </a:endParaRPr>
+          </a:p>
+        </p:txBody>
+      </p:sp>
+      <p:sp>
+        <p:nvSpPr>
+          <p:cNvPr id="12" name="テキスト ボックス 11"/>
+          <p:cNvSpPr txBox="1"/>
+          <p:nvPr/>
+        </p:nvSpPr>
+        <p:spPr>
+          <a:xfrm>
+            <a:off x="661151" y="2496416"/>
+            <a:ext cx="8006860" cy="584775"/>
+          </a:xfrm>
+          <a:prstGeom prst="rect">
+            <a:avLst/>
+          </a:prstGeom>
+          <a:noFill/>
+        </p:spPr>
+        <p:txBody>
+          <a:bodyPr wrap="square" rtlCol="0">
+            <a:spAutoFit/>
+          </a:bodyPr>
+          <a:lstStyle/>
+          <a:p>
+            <a:r>
+              <a:rPr lang="ja-JP" altLang="en-US" sz="3200" dirty="0" smtClean="0">
+                <a:solidFill>
+                  <a:srgbClr val="607D8B"/>
+                </a:solidFill>
+                <a:latin typeface="Hiragino Sans W3" charset="-128"/>
+                <a:ea typeface="Hiragino Sans W3" charset="-128"/>
+                <a:cs typeface="Hiragino Sans W3" charset="-128"/>
+              </a:rPr>
+              <a:t>他者からの評価でモチベーション</a:t>
+            </a:r>
+            <a:r>
+              <a:rPr lang="en-US" altLang="ja-JP" sz="3200" dirty="0" smtClean="0">
+                <a:solidFill>
+                  <a:srgbClr val="607D8B"/>
+                </a:solidFill>
+                <a:latin typeface="Hiragino Sans W3" charset="-128"/>
+                <a:ea typeface="Hiragino Sans W3" charset="-128"/>
+                <a:cs typeface="Hiragino Sans W3" charset="-128"/>
+              </a:rPr>
+              <a:t>UP</a:t>
+            </a:r>
+            <a:endParaRPr kumimoji="1" lang="ja-JP" altLang="en-US" sz="3200" dirty="0">
+              <a:solidFill>
+                <a:srgbClr val="607D8B"/>
+              </a:solidFill>
+              <a:latin typeface="Hiragino Sans W3" charset="-128"/>
+              <a:ea typeface="Hiragino Sans W3" charset="-128"/>
+              <a:cs typeface="Hiragino Sans W3" charset="-128"/>
+            </a:endParaRPr>
+          </a:p>
+        </p:txBody>
+      </p:sp>
+      <p:sp>
+        <p:nvSpPr>
+          <p:cNvPr id="14" name="テキスト ボックス 13"/>
+          <p:cNvSpPr txBox="1"/>
+          <p:nvPr/>
+        </p:nvSpPr>
+        <p:spPr>
+          <a:xfrm>
+            <a:off x="1137140" y="3047507"/>
+            <a:ext cx="8006860" cy="553998"/>
+          </a:xfrm>
+          <a:prstGeom prst="rect">
+            <a:avLst/>
+          </a:prstGeom>
+          <a:noFill/>
+        </p:spPr>
+        <p:txBody>
+          <a:bodyPr wrap="square" rtlCol="0">
+            <a:spAutoFit/>
+          </a:bodyPr>
+          <a:lstStyle/>
+          <a:p>
+            <a:r>
+              <a:rPr lang="ja-JP" altLang="en-US" sz="3000" dirty="0" smtClean="0">
+                <a:solidFill>
+                  <a:srgbClr val="607D8B"/>
+                </a:solidFill>
+                <a:latin typeface="Hiragino Sans W3" charset="-128"/>
+                <a:ea typeface="Hiragino Sans W3" charset="-128"/>
+                <a:cs typeface="Hiragino Sans W3" charset="-128"/>
+              </a:rPr>
+              <a:t>試験に「いいね」をつけられる、</a:t>
+            </a:r>
+            <a:r>
+              <a:rPr lang="en-US" altLang="ja-JP" sz="3000" dirty="0" err="1" smtClean="0">
+                <a:solidFill>
+                  <a:srgbClr val="607D8B"/>
+                </a:solidFill>
+                <a:latin typeface="Hiragino Sans W3" charset="-128"/>
+                <a:ea typeface="Hiragino Sans W3" charset="-128"/>
+                <a:cs typeface="Hiragino Sans W3" charset="-128"/>
+              </a:rPr>
+              <a:t>etc</a:t>
+            </a:r>
+            <a:r>
+              <a:rPr lang="mr-IN" altLang="ja-JP" sz="3000" dirty="0" smtClean="0">
+                <a:solidFill>
+                  <a:srgbClr val="607D8B"/>
+                </a:solidFill>
+                <a:latin typeface="Hiragino Sans W3" charset="-128"/>
+                <a:ea typeface="Hiragino Sans W3" charset="-128"/>
+                <a:cs typeface="Hiragino Sans W3" charset="-128"/>
+              </a:rPr>
+              <a:t>…</a:t>
+            </a:r>
+            <a:endParaRPr kumimoji="1" lang="ja-JP" altLang="en-US" sz="3000" dirty="0">
+              <a:solidFill>
+                <a:srgbClr val="607D8B"/>
+              </a:solidFill>
+              <a:latin typeface="Hiragino Sans W3" charset="-128"/>
+              <a:ea typeface="Hiragino Sans W3" charset="-128"/>
+              <a:cs typeface="Hiragino Sans W3" charset="-128"/>
+            </a:endParaRPr>
+          </a:p>
+        </p:txBody>
+      </p:sp>
+      <p:sp>
+        <p:nvSpPr>
+          <p:cNvPr id="15" name="右矢印 14"/>
+          <p:cNvSpPr/>
+          <p:nvPr/>
+        </p:nvSpPr>
+        <p:spPr>
+          <a:xfrm>
+            <a:off x="725252" y="3154110"/>
+            <a:ext cx="367381" cy="350874"/>
+          </a:xfrm>
+          <a:prstGeom prst="rightArrow">
+            <a:avLst/>
+          </a:prstGeom>
+          <a:solidFill>
+            <a:srgbClr val="26A69B"/>
+          </a:solidFill>
+          <a:ln>
+            <a:noFill/>
+          </a:ln>
+        </p:spPr>
+        <p:style>
+          <a:lnRef idx="2">
+            <a:schemeClr val="accent1">
+              <a:shade val="50000"/>
+            </a:schemeClr>
+          </a:lnRef>
+          <a:fillRef idx="1">
+            <a:schemeClr val="accent1"/>
+          </a:fillRef>
+          <a:effectRef idx="0">
+            <a:schemeClr val="accent1"/>
+          </a:effectRef>
+          <a:fontRef idx="minor">
+            <a:schemeClr val="lt1"/>
+          </a:fontRef>
+        </p:style>
+        <p:txBody>
+          <a:bodyPr rtlCol="0" anchor="ctr"/>
+          <a:lstStyle/>
+          <a:p>
+            <a:pPr algn="ctr"/>
+            <a:endParaRPr kumimoji="1" lang="ja-JP" altLang="en-US">
+              <a:solidFill>
+                <a:schemeClr val="tx1"/>
+              </a:solidFill>
+            </a:endParaRPr>
+          </a:p>
+        </p:txBody>
+      </p:sp>
+      <p:sp>
+        <p:nvSpPr>
+          <p:cNvPr id="16" name="テキスト ボックス 15"/>
+          <p:cNvSpPr txBox="1"/>
+          <p:nvPr/>
+        </p:nvSpPr>
+        <p:spPr>
+          <a:xfrm>
+            <a:off x="661151" y="4529885"/>
+            <a:ext cx="8006860" cy="584775"/>
+          </a:xfrm>
+          <a:prstGeom prst="rect">
+            <a:avLst/>
+          </a:prstGeom>
+          <a:noFill/>
+        </p:spPr>
+        <p:txBody>
+          <a:bodyPr wrap="square" rtlCol="0">
+            <a:spAutoFit/>
+          </a:bodyPr>
+          <a:lstStyle/>
+          <a:p>
+            <a:r>
+              <a:rPr kumimoji="1" lang="ja-JP" altLang="en-US" sz="3200" dirty="0" smtClean="0">
+                <a:solidFill>
+                  <a:srgbClr val="607D8B"/>
+                </a:solidFill>
+                <a:latin typeface="Hiragino Sans W3" charset="-128"/>
+                <a:ea typeface="Hiragino Sans W3" charset="-128"/>
+                <a:cs typeface="Hiragino Sans W3" charset="-128"/>
+              </a:rPr>
+              <a:t>ゲーム感覚でモチベーション</a:t>
+            </a:r>
+            <a:r>
+              <a:rPr kumimoji="1" lang="en-US" altLang="ja-JP" sz="3200" dirty="0" smtClean="0">
+                <a:solidFill>
+                  <a:srgbClr val="607D8B"/>
+                </a:solidFill>
+                <a:latin typeface="Hiragino Sans W3" charset="-128"/>
+                <a:ea typeface="Hiragino Sans W3" charset="-128"/>
+                <a:cs typeface="Hiragino Sans W3" charset="-128"/>
+              </a:rPr>
+              <a:t>UP</a:t>
+            </a:r>
+            <a:endParaRPr kumimoji="1" lang="ja-JP" altLang="en-US" sz="3200" dirty="0">
+              <a:solidFill>
+                <a:srgbClr val="607D8B"/>
+              </a:solidFill>
+              <a:latin typeface="Hiragino Sans W3" charset="-128"/>
+              <a:ea typeface="Hiragino Sans W3" charset="-128"/>
+              <a:cs typeface="Hiragino Sans W3" charset="-128"/>
+            </a:endParaRPr>
+          </a:p>
+        </p:txBody>
+      </p:sp>
+      <p:sp>
+        <p:nvSpPr>
+          <p:cNvPr id="17" name="右矢印 16"/>
+          <p:cNvSpPr/>
+          <p:nvPr/>
+        </p:nvSpPr>
+        <p:spPr>
+          <a:xfrm>
+            <a:off x="733402" y="5224989"/>
+            <a:ext cx="367381" cy="350874"/>
+          </a:xfrm>
+          <a:prstGeom prst="rightArrow">
+            <a:avLst/>
+          </a:prstGeom>
+          <a:solidFill>
+            <a:srgbClr val="26A69B"/>
+          </a:solidFill>
+          <a:ln>
+            <a:noFill/>
+          </a:ln>
+        </p:spPr>
+        <p:style>
+          <a:lnRef idx="2">
+            <a:schemeClr val="accent1">
+              <a:shade val="50000"/>
+            </a:schemeClr>
+          </a:lnRef>
+          <a:fillRef idx="1">
+            <a:schemeClr val="accent1"/>
+          </a:fillRef>
+          <a:effectRef idx="0">
+            <a:schemeClr val="accent1"/>
+          </a:effectRef>
+          <a:fontRef idx="minor">
+            <a:schemeClr val="lt1"/>
+          </a:fontRef>
+        </p:style>
+        <p:txBody>
+          <a:bodyPr rtlCol="0" anchor="ctr"/>
+          <a:lstStyle/>
+          <a:p>
+            <a:pPr algn="ctr"/>
+            <a:endParaRPr kumimoji="1" lang="ja-JP" altLang="en-US">
+              <a:solidFill>
+                <a:schemeClr val="tx1"/>
+              </a:solidFill>
+            </a:endParaRPr>
+          </a:p>
+        </p:txBody>
+      </p:sp>
+      <p:sp>
+        <p:nvSpPr>
+          <p:cNvPr id="18" name="テキスト ボックス 17"/>
+          <p:cNvSpPr txBox="1"/>
+          <p:nvPr/>
+        </p:nvSpPr>
+        <p:spPr>
+          <a:xfrm>
+            <a:off x="1092633" y="5071726"/>
+            <a:ext cx="8006860" cy="553998"/>
+          </a:xfrm>
+          <a:prstGeom prst="rect">
+            <a:avLst/>
+          </a:prstGeom>
+          <a:noFill/>
+        </p:spPr>
+        <p:txBody>
+          <a:bodyPr wrap="square" rtlCol="0">
+            <a:spAutoFit/>
+          </a:bodyPr>
+          <a:lstStyle/>
+          <a:p>
+            <a:r>
+              <a:rPr kumimoji="1" lang="ja-JP" altLang="en-US" sz="3000" dirty="0" smtClean="0">
+                <a:solidFill>
+                  <a:srgbClr val="607D8B"/>
+                </a:solidFill>
+                <a:latin typeface="Hiragino Sans W3" charset="-128"/>
+                <a:ea typeface="Hiragino Sans W3" charset="-128"/>
+                <a:cs typeface="Hiragino Sans W3" charset="-128"/>
+              </a:rPr>
+              <a:t>正答数に応じたポイント獲得</a:t>
+            </a:r>
+            <a:endParaRPr kumimoji="1" lang="ja-JP" altLang="en-US" sz="3000" dirty="0">
+              <a:solidFill>
+                <a:srgbClr val="607D8B"/>
+              </a:solidFill>
+              <a:latin typeface="Hiragino Sans W3" charset="-128"/>
+              <a:ea typeface="Hiragino Sans W3" charset="-128"/>
+              <a:cs typeface="Hiragino Sans W3" charset="-128"/>
+            </a:endParaRPr>
+          </a:p>
+        </p:txBody>
+      </p:sp>
+      <p:sp>
+        <p:nvSpPr>
+          <p:cNvPr id="19" name="テキスト ボックス 18"/>
+          <p:cNvSpPr txBox="1"/>
+          <p:nvPr/>
+        </p:nvSpPr>
+        <p:spPr>
+          <a:xfrm>
+            <a:off x="1092633" y="5613567"/>
+            <a:ext cx="6435509" cy="553998"/>
+          </a:xfrm>
+          <a:prstGeom prst="rect">
+            <a:avLst/>
+          </a:prstGeom>
+          <a:noFill/>
+        </p:spPr>
+        <p:txBody>
+          <a:bodyPr wrap="square" rtlCol="0">
+            <a:spAutoFit/>
+          </a:bodyPr>
+          <a:lstStyle/>
+          <a:p>
+            <a:r>
+              <a:rPr kumimoji="1" lang="ja-JP" altLang="en-US" sz="3000" dirty="0" smtClean="0">
+                <a:solidFill>
+                  <a:srgbClr val="607D8B"/>
+                </a:solidFill>
+                <a:latin typeface="Hiragino Sans W3" charset="-128"/>
+                <a:ea typeface="Hiragino Sans W3" charset="-128"/>
+                <a:cs typeface="Hiragino Sans W3" charset="-128"/>
+              </a:rPr>
+              <a:t>ポイントを文具・教科書と交換可能</a:t>
+            </a:r>
+            <a:endParaRPr kumimoji="1" lang="ja-JP" altLang="en-US" sz="3000" dirty="0">
+              <a:solidFill>
+                <a:srgbClr val="607D8B"/>
+              </a:solidFill>
+              <a:latin typeface="Hiragino Sans W3" charset="-128"/>
+              <a:ea typeface="Hiragino Sans W3" charset="-128"/>
+              <a:cs typeface="Hiragino Sans W3" charset="-128"/>
+            </a:endParaRPr>
+          </a:p>
+        </p:txBody>
+      </p:sp>
+    </p:spTree>
+    <p:extLst>
+      <p:ext uri="{BB962C8B-B14F-4D97-AF65-F5344CB8AC3E}">
+        <p14:creationId xmlns:p14="http://schemas.microsoft.com/office/powerpoint/2010/main" val="2131322445"/>
+      </p:ext>
+    </p:extLst>
+  </p:cSld>
+  <p:clrMapOvr>
+    <a:masterClrMapping/>
+  </p:clrMapOvr>
+  <p:timing>
+    <p:tnLst>
+      <p:par>
+        <p:cTn id="1" dur="indefinite" restart="never" nodeType="tmRoot"/>
+      </p:par>
+    </p:tnLst>
+  </p:timing>
 </p:sld>
 </file>
 
@@ -8258,6 +9038,13 @@
   <p:clrMapOvr>
     <a:masterClrMapping/>
   </p:clrMapOvr>
+  <p:timing>
+    <p:tnLst>
+      <p:par>
+        <p:cTn id="1" dur="indefinite" restart="never" nodeType="tmRoot"/>
+      </p:par>
+    </p:tnLst>
+  </p:timing>
 </p:sld>
 </file>
 
@@ -8861,6 +9648,13 @@
   <p:clrMapOvr>
     <a:masterClrMapping/>
   </p:clrMapOvr>
+  <p:timing>
+    <p:tnLst>
+      <p:par>
+        <p:cTn id="1" dur="indefinite" restart="never" nodeType="tmRoot"/>
+      </p:par>
+    </p:tnLst>
+  </p:timing>
 </p:sld>
 </file>
 
@@ -8968,7 +9762,7 @@
           <a:lstStyle/>
           <a:p>
             <a:r>
-              <a:rPr lang="ja-JP" altLang="en-US" sz="3200" smtClean="0">
+              <a:rPr lang="ja-JP" altLang="en-US" sz="3200" dirty="0" smtClean="0">
                 <a:solidFill>
                   <a:srgbClr val="26A69A"/>
                 </a:solidFill>
@@ -8976,7 +9770,29 @@
                 <a:ea typeface="Hiragino Sans W3" charset="-128"/>
                 <a:cs typeface="Hiragino Sans W3" charset="-128"/>
               </a:rPr>
-              <a:t>クソガキが知ったようなことを偉そうに</a:t>
+              <a:t>若造</a:t>
+            </a:r>
+            <a:r>
+              <a:rPr lang="ja-JP" altLang="en-US" sz="3200" dirty="0" smtClean="0">
+                <a:solidFill>
+                  <a:srgbClr val="26A69A"/>
+                </a:solidFill>
+                <a:latin typeface="Hiragino Sans W3" charset="-128"/>
+                <a:ea typeface="Hiragino Sans W3" charset="-128"/>
+                <a:cs typeface="Hiragino Sans W3" charset="-128"/>
+              </a:rPr>
+              <a:t>が</a:t>
+            </a:r>
+            <a:r>
+              <a:rPr lang="ja-JP" altLang="en-US" sz="3200" dirty="0" smtClean="0">
+                <a:solidFill>
+                  <a:srgbClr val="26A69A"/>
+                </a:solidFill>
+                <a:latin typeface="Hiragino Sans W3" charset="-128"/>
+                <a:ea typeface="Hiragino Sans W3" charset="-128"/>
+                <a:cs typeface="Hiragino Sans W3" charset="-128"/>
+              </a:rPr>
+              <a:t>知ったようなことを偉そうに</a:t>
             </a:r>
             <a:endParaRPr kumimoji="1" lang="ja-JP" altLang="en-US" sz="3200" dirty="0">
               <a:solidFill>
@@ -8999,6 +9815,13 @@
   <p:clrMapOvr>
     <a:masterClrMapping/>
   </p:clrMapOvr>
+  <p:timing>
+    <p:tnLst>
+      <p:par>
+        <p:cTn id="1" dur="indefinite" restart="never" nodeType="tmRoot"/>
+      </p:par>
+    </p:tnLst>
+  </p:timing>
 </p:sld>
 </file>
 
@@ -9831,6 +10654,13 @@
   <p:clrMapOvr>
     <a:masterClrMapping/>
   </p:clrMapOvr>
+  <p:timing>
+    <p:tnLst>
+      <p:par>
+        <p:cTn id="1" dur="indefinite" restart="never" nodeType="tmRoot"/>
+      </p:par>
+    </p:tnLst>
+  </p:timing>
 </p:sld>
 </file>
 
@@ -10663,6 +11493,13 @@
   <p:clrMapOvr>
     <a:masterClrMapping/>
   </p:clrMapOvr>
+  <p:timing>
+    <p:tnLst>
+      <p:par>
+        <p:cTn id="1" dur="indefinite" restart="never" nodeType="tmRoot"/>
+      </p:par>
+    </p:tnLst>
+  </p:timing>
 </p:sld>
 </file>
 
@@ -11495,6 +12332,13 @@
   <p:clrMapOvr>
     <a:masterClrMapping/>
   </p:clrMapOvr>
+  <p:timing>
+    <p:tnLst>
+      <p:par>
+        <p:cTn id="1" dur="indefinite" restart="never" nodeType="tmRoot"/>
+      </p:par>
+    </p:tnLst>
+  </p:timing>
 </p:sld>
 </file>
 
@@ -11644,6 +12488,13 @@
   <p:clrMapOvr>
     <a:masterClrMapping/>
   </p:clrMapOvr>
+  <p:timing>
+    <p:tnLst>
+      <p:par>
+        <p:cTn id="1" dur="indefinite" restart="never" nodeType="tmRoot"/>
+      </p:par>
+    </p:tnLst>
+  </p:timing>
 </p:sld>
 </file>
 
